--- a/doc/mini-vue3(vue3的最小实现).pptx
+++ b/doc/mini-vue3(vue3的最小实现).pptx
@@ -20,38 +20,47 @@
     <p:sldId id="1707" r:id="rId13"/>
     <p:sldId id="1640" r:id="rId14"/>
     <p:sldId id="1639" r:id="rId15"/>
-    <p:sldId id="1691" r:id="rId16"/>
-    <p:sldId id="1692" r:id="rId17"/>
-    <p:sldId id="1641" r:id="rId18"/>
-    <p:sldId id="1694" r:id="rId19"/>
-    <p:sldId id="1708" r:id="rId20"/>
-    <p:sldId id="1643" r:id="rId21"/>
-    <p:sldId id="1680" r:id="rId22"/>
-    <p:sldId id="1696" r:id="rId23"/>
-    <p:sldId id="1695" r:id="rId24"/>
-    <p:sldId id="1697" r:id="rId25"/>
-    <p:sldId id="1709" r:id="rId26"/>
-    <p:sldId id="1644" r:id="rId27"/>
-    <p:sldId id="1699" r:id="rId28"/>
-    <p:sldId id="1702" r:id="rId29"/>
-    <p:sldId id="1703" r:id="rId30"/>
-    <p:sldId id="1704" r:id="rId31"/>
-    <p:sldId id="1700" r:id="rId32"/>
-    <p:sldId id="1701" r:id="rId33"/>
-    <p:sldId id="1647" r:id="rId34"/>
-    <p:sldId id="1650" r:id="rId35"/>
-    <p:sldId id="1698" r:id="rId36"/>
-    <p:sldId id="1710" r:id="rId37"/>
-    <p:sldId id="1706" r:id="rId38"/>
-    <p:sldId id="1705" r:id="rId39"/>
-    <p:sldId id="1678" r:id="rId40"/>
-    <p:sldId id="1711" r:id="rId41"/>
-    <p:sldId id="1679" r:id="rId42"/>
+    <p:sldId id="1737" r:id="rId16"/>
+    <p:sldId id="1739" r:id="rId17"/>
+    <p:sldId id="1738" r:id="rId18"/>
+    <p:sldId id="1740" r:id="rId19"/>
+    <p:sldId id="1742" r:id="rId20"/>
+    <p:sldId id="1743" r:id="rId21"/>
+    <p:sldId id="1744" r:id="rId22"/>
+    <p:sldId id="1745" r:id="rId23"/>
+    <p:sldId id="1741" r:id="rId24"/>
+    <p:sldId id="1691" r:id="rId25"/>
+    <p:sldId id="1692" r:id="rId26"/>
+    <p:sldId id="1641" r:id="rId27"/>
+    <p:sldId id="1694" r:id="rId28"/>
+    <p:sldId id="1708" r:id="rId29"/>
+    <p:sldId id="1643" r:id="rId30"/>
+    <p:sldId id="1680" r:id="rId31"/>
+    <p:sldId id="1696" r:id="rId32"/>
+    <p:sldId id="1695" r:id="rId33"/>
+    <p:sldId id="1697" r:id="rId34"/>
+    <p:sldId id="1709" r:id="rId35"/>
+    <p:sldId id="1644" r:id="rId36"/>
+    <p:sldId id="1699" r:id="rId37"/>
+    <p:sldId id="1702" r:id="rId38"/>
+    <p:sldId id="1703" r:id="rId39"/>
+    <p:sldId id="1704" r:id="rId40"/>
+    <p:sldId id="1700" r:id="rId41"/>
+    <p:sldId id="1701" r:id="rId42"/>
+    <p:sldId id="1647" r:id="rId43"/>
+    <p:sldId id="1650" r:id="rId44"/>
+    <p:sldId id="1698" r:id="rId45"/>
+    <p:sldId id="1710" r:id="rId46"/>
+    <p:sldId id="1706" r:id="rId47"/>
+    <p:sldId id="1705" r:id="rId48"/>
+    <p:sldId id="1678" r:id="rId49"/>
+    <p:sldId id="1711" r:id="rId50"/>
+    <p:sldId id="1679" r:id="rId51"/>
   </p:sldIdLst>
   <p:sldSz cx="12192000" cy="6858000"/>
   <p:notesSz cx="6858000" cy="9144000"/>
   <p:custDataLst>
-    <p:tags r:id="rId47"/>
+    <p:tags r:id="rId56"/>
   </p:custDataLst>
   <p:defaultTextStyle>
     <a:defPPr>
@@ -170,6 +179,15 @@
             <p14:sldId id="1707"/>
             <p14:sldId id="1640"/>
             <p14:sldId id="1639"/>
+            <p14:sldId id="1737"/>
+            <p14:sldId id="1739"/>
+            <p14:sldId id="1738"/>
+            <p14:sldId id="1740"/>
+            <p14:sldId id="1742"/>
+            <p14:sldId id="1743"/>
+            <p14:sldId id="1744"/>
+            <p14:sldId id="1745"/>
+            <p14:sldId id="1741"/>
             <p14:sldId id="1691"/>
             <p14:sldId id="1692"/>
           </p14:sldIdLst>
@@ -17163,14 +17181,7 @@
         <p:cNvGrpSpPr/>
         <p:nvPr/>
       </p:nvGrpSpPr>
-      <p:grpSpPr>
-        <a:xfrm>
-          <a:off x="0" y="0"/>
-          <a:ext cx="0" cy="0"/>
-          <a:chOff x="0" y="0"/>
-          <a:chExt cx="0" cy="0"/>
-        </a:xfrm>
-      </p:grpSpPr>
+      <p:grpSpPr/>
       <p:sp>
         <p:nvSpPr>
           <p:cNvPr id="2" name="标题 1"/>
@@ -17184,15 +17195,29 @@
         <p:spPr/>
         <p:txBody>
           <a:bodyPr/>
-          <a:lstStyle/>
-          <a:p>
-            <a:r>
-              <a:rPr lang="zh-CN" altLang="en-US" dirty="0">
+          <a:p>
+            <a:r>
+              <a:rPr lang="zh-CN" altLang="en-US">
                 <a:sym typeface="+mn-ea"/>
               </a:rPr>
-              <a:t>属性描述符</a:t>
-            </a:r>
-            <a:endParaRPr lang="zh-CN" altLang="en-US" dirty="0"/>
+              <a:t>effect</a:t>
+            </a:r>
+            <a:r>
+              <a:rPr lang="en-US" altLang="zh-CN">
+                <a:sym typeface="+mn-ea"/>
+              </a:rPr>
+              <a:t> </a:t>
+            </a:r>
+            <a:r>
+              <a:rPr lang="zh-CN" altLang="en-US">
+                <a:sym typeface="+mn-ea"/>
+              </a:rPr>
+              <a:t>具体作用</a:t>
+            </a:r>
+            <a:br>
+              <a:rPr lang="zh-CN" altLang="en-US" dirty="0"/>
+            </a:br>
+            <a:endParaRPr lang="zh-CN" altLang="en-US"/>
           </a:p>
         </p:txBody>
       </p:sp>
@@ -17208,92 +17233,72 @@
         </p:nvSpPr>
         <p:spPr>
           <a:xfrm>
-            <a:off x="1682345" y="1474554"/>
-            <a:ext cx="8828410" cy="4890135"/>
+            <a:off x="1691235" y="1663784"/>
+            <a:ext cx="8828410" cy="2066290"/>
           </a:xfrm>
         </p:spPr>
         <p:txBody>
           <a:bodyPr/>
-          <a:lstStyle/>
-          <a:p>
-            <a:r>
-              <a:rPr lang="zh-CN" altLang="en-US" dirty="0"/>
-              <a:t>writable</a:t>
-            </a:r>
-            <a:endParaRPr lang="zh-CN" altLang="en-US" dirty="0"/>
-          </a:p>
-          <a:p>
-            <a:pPr lvl="1"/>
-            <a:r>
-              <a:rPr lang="en-US" altLang="zh-CN" dirty="0"/>
-              <a:t>当且仅当该属性的 writable 键值为 true 时，属性的值，也就是上面的 value，才能被赋值运算符 (en-US)改变。</a:t>
-            </a:r>
-            <a:endParaRPr lang="en-US" altLang="zh-CN" dirty="0"/>
-          </a:p>
-          <a:p>
-            <a:pPr lvl="1"/>
-            <a:r>
-              <a:rPr lang="en-US" altLang="zh-CN" dirty="0"/>
-              <a:t>默认为 false</a:t>
-            </a:r>
-            <a:endParaRPr lang="en-US" altLang="zh-CN" dirty="0"/>
-          </a:p>
-          <a:p>
-            <a:pPr lvl="0"/>
-            <a:r>
-              <a:rPr lang="en-US" altLang="zh-CN" dirty="0"/>
-              <a:t>get</a:t>
-            </a:r>
-            <a:endParaRPr lang="en-US" altLang="zh-CN" dirty="0"/>
-          </a:p>
-          <a:p>
-            <a:pPr lvl="1"/>
-            <a:r>
-              <a:rPr lang="en-US" altLang="zh-CN" dirty="0"/>
-              <a:t>属性的 getter 函数，如果没有 getter，则为 undefined。当访问该属性时，会调用此函数。执行时不传入任何参数，但是会传入 this 对象（由于继承关系，这里的this并不一定是定义该属性的对象）。该函数的返回值会被用作属性的值。</a:t>
-            </a:r>
-            <a:endParaRPr lang="en-US" altLang="zh-CN" dirty="0"/>
-          </a:p>
-          <a:p>
-            <a:pPr lvl="1"/>
-            <a:r>
-              <a:rPr lang="en-US" altLang="zh-CN" dirty="0"/>
-              <a:t>默认为 undefined</a:t>
-            </a:r>
-            <a:endParaRPr lang="en-US" altLang="zh-CN" dirty="0"/>
-          </a:p>
-          <a:p>
-            <a:pPr lvl="0"/>
-            <a:r>
-              <a:rPr lang="en-US" altLang="zh-CN" dirty="0"/>
-              <a:t>set</a:t>
-            </a:r>
-            <a:endParaRPr lang="en-US" altLang="zh-CN" dirty="0"/>
-          </a:p>
-          <a:p>
-            <a:pPr lvl="1"/>
-            <a:r>
-              <a:rPr lang="en-US" altLang="zh-CN" dirty="0"/>
-              <a:t>属性的 setter 函数，如果没有 setter，则为 undefined。当属性值被修改时，会调用此函数。该方法接受一个参数（也就是被赋予的新值），会传入赋值时的 this 对象。</a:t>
-            </a:r>
-            <a:endParaRPr lang="en-US" altLang="zh-CN" dirty="0"/>
-          </a:p>
-          <a:p>
-            <a:pPr lvl="1"/>
-            <a:r>
-              <a:rPr lang="en-US" altLang="zh-CN" dirty="0"/>
-              <a:t>默认为 undefined</a:t>
-            </a:r>
-            <a:endParaRPr lang="en-US" altLang="zh-CN" dirty="0"/>
-          </a:p>
-          <a:p>
-            <a:pPr marL="457200" lvl="1" indent="0">
-              <a:buNone/>
-            </a:pPr>
-            <a:endParaRPr lang="en-US" altLang="zh-CN" dirty="0"/>
-          </a:p>
-        </p:txBody>
-      </p:sp>
+          <a:p>
+            <a:r>
+              <a:rPr lang="en-US" altLang="zh-CN"/>
+              <a:t>effect </a:t>
+            </a:r>
+            <a:r>
+              <a:rPr lang="zh-CN" altLang="en-US"/>
+              <a:t>顾名思义就是一个副作用函数，在</a:t>
+            </a:r>
+            <a:r>
+              <a:rPr lang="en-US" altLang="zh-CN"/>
+              <a:t>vue3</a:t>
+            </a:r>
+            <a:r>
+              <a:rPr lang="zh-CN" altLang="en-US"/>
+              <a:t>中，当我们改变了一个响应式数据，视图中就会同步刷新。而这个视图同步过程，我们就可以抽象为一个副作用</a:t>
+            </a:r>
+            <a:r>
+              <a:rPr lang="zh-CN" altLang="en-US"/>
+              <a:t>函数。</a:t>
+            </a:r>
+            <a:endParaRPr lang="zh-CN" altLang="en-US"/>
+          </a:p>
+          <a:p>
+            <a:r>
+              <a:rPr lang="zh-CN" altLang="en-US"/>
+              <a:t>案例：https://stackblitz.com/edit/vue-qeswus?file=src/App.vue</a:t>
+            </a:r>
+            <a:endParaRPr lang="zh-CN" altLang="en-US"/>
+          </a:p>
+        </p:txBody>
+      </p:sp>
+      <p:pic>
+        <p:nvPicPr>
+          <p:cNvPr id="4" name="图片 3"/>
+          <p:cNvPicPr>
+            <a:picLocks noChangeAspect="1"/>
+          </p:cNvPicPr>
+          <p:nvPr>
+            <p:custDataLst>
+              <p:tags r:id="rId1"/>
+            </p:custDataLst>
+          </p:nvPr>
+        </p:nvPicPr>
+        <p:blipFill>
+          <a:blip r:embed="rId2"/>
+          <a:stretch>
+            <a:fillRect/>
+          </a:stretch>
+        </p:blipFill>
+        <p:spPr>
+          <a:xfrm>
+            <a:off x="8591550" y="3729990"/>
+            <a:ext cx="1927860" cy="2015490"/>
+          </a:xfrm>
+          <a:prstGeom prst="rect">
+            <a:avLst/>
+          </a:prstGeom>
+        </p:spPr>
+      </p:pic>
     </p:spTree>
   </p:cSld>
   <p:clrMapOvr>
@@ -17303,6 +17308,1325 @@
 </file>
 
 <file path=ppt/slides/slide11.xml><?xml version="1.0" encoding="utf-8"?>
+<p:sld xmlns:a="http://schemas.openxmlformats.org/drawingml/2006/main" xmlns:r="http://schemas.openxmlformats.org/officeDocument/2006/relationships" xmlns:p="http://schemas.openxmlformats.org/presentationml/2006/main">
+  <p:cSld>
+    <p:spTree>
+      <p:nvGrpSpPr>
+        <p:cNvPr id="1" name=""/>
+        <p:cNvGrpSpPr/>
+        <p:nvPr/>
+      </p:nvGrpSpPr>
+      <p:grpSpPr/>
+      <p:sp>
+        <p:nvSpPr>
+          <p:cNvPr id="2" name="标题 1"/>
+          <p:cNvSpPr>
+            <a:spLocks noGrp="1"/>
+          </p:cNvSpPr>
+          <p:nvPr>
+            <p:ph type="title"/>
+          </p:nvPr>
+        </p:nvSpPr>
+        <p:spPr/>
+        <p:txBody>
+          <a:bodyPr/>
+          <a:p>
+            <a:r>
+              <a:rPr lang="zh-CN" altLang="en-US">
+                <a:sym typeface="+mn-ea"/>
+              </a:rPr>
+              <a:t>effect</a:t>
+            </a:r>
+            <a:r>
+              <a:rPr lang="en-US" altLang="zh-CN">
+                <a:sym typeface="+mn-ea"/>
+              </a:rPr>
+              <a:t> </a:t>
+            </a:r>
+            <a:r>
+              <a:rPr lang="zh-CN" altLang="en-US">
+                <a:sym typeface="+mn-ea"/>
+              </a:rPr>
+              <a:t>具体作用</a:t>
+            </a:r>
+            <a:br>
+              <a:rPr lang="zh-CN" altLang="en-US" dirty="0">
+                <a:sym typeface="+mn-ea"/>
+              </a:rPr>
+            </a:br>
+            <a:endParaRPr lang="zh-CN" altLang="en-US"/>
+          </a:p>
+        </p:txBody>
+      </p:sp>
+      <p:sp>
+        <p:nvSpPr>
+          <p:cNvPr id="3" name="内容占位符 2"/>
+          <p:cNvSpPr>
+            <a:spLocks noGrp="1"/>
+          </p:cNvSpPr>
+          <p:nvPr>
+            <p:ph sz="half" idx="1"/>
+          </p:nvPr>
+        </p:nvSpPr>
+        <p:spPr>
+          <a:xfrm>
+            <a:off x="1691235" y="1663784"/>
+            <a:ext cx="8828410" cy="553085"/>
+          </a:xfrm>
+        </p:spPr>
+        <p:txBody>
+          <a:bodyPr/>
+          <a:p>
+            <a:r>
+              <a:rPr lang="zh-CN" altLang="en-US"/>
+              <a:t>我们想要达成的效果</a:t>
+            </a:r>
+            <a:r>
+              <a:rPr lang="zh-CN" altLang="en-US"/>
+              <a:t>如下：</a:t>
+            </a:r>
+            <a:endParaRPr lang="zh-CN" altLang="en-US"/>
+          </a:p>
+        </p:txBody>
+      </p:sp>
+      <p:pic>
+        <p:nvPicPr>
+          <p:cNvPr id="6" name="图片 5"/>
+          <p:cNvPicPr>
+            <a:picLocks noChangeAspect="1"/>
+          </p:cNvPicPr>
+          <p:nvPr/>
+        </p:nvPicPr>
+        <p:blipFill>
+          <a:blip r:embed="rId1"/>
+          <a:stretch>
+            <a:fillRect/>
+          </a:stretch>
+        </p:blipFill>
+        <p:spPr>
+          <a:xfrm>
+            <a:off x="1902460" y="2566035"/>
+            <a:ext cx="6353175" cy="2933700"/>
+          </a:xfrm>
+          <a:prstGeom prst="rect">
+            <a:avLst/>
+          </a:prstGeom>
+        </p:spPr>
+      </p:pic>
+    </p:spTree>
+  </p:cSld>
+  <p:clrMapOvr>
+    <a:masterClrMapping/>
+  </p:clrMapOvr>
+</p:sld>
+</file>
+
+<file path=ppt/slides/slide12.xml><?xml version="1.0" encoding="utf-8"?>
+<p:sld xmlns:a="http://schemas.openxmlformats.org/drawingml/2006/main" xmlns:r="http://schemas.openxmlformats.org/officeDocument/2006/relationships" xmlns:p="http://schemas.openxmlformats.org/presentationml/2006/main">
+  <p:cSld>
+    <p:spTree>
+      <p:nvGrpSpPr>
+        <p:cNvPr id="1" name=""/>
+        <p:cNvGrpSpPr/>
+        <p:nvPr/>
+      </p:nvGrpSpPr>
+      <p:grpSpPr/>
+      <p:sp>
+        <p:nvSpPr>
+          <p:cNvPr id="2" name="标题 1"/>
+          <p:cNvSpPr>
+            <a:spLocks noGrp="1"/>
+          </p:cNvSpPr>
+          <p:nvPr>
+            <p:ph type="title"/>
+          </p:nvPr>
+        </p:nvSpPr>
+        <p:spPr/>
+        <p:txBody>
+          <a:bodyPr/>
+          <a:p>
+            <a:r>
+              <a:rPr lang="zh-CN" altLang="en-US">
+                <a:sym typeface="+mn-ea"/>
+              </a:rPr>
+              <a:t>effect</a:t>
+            </a:r>
+            <a:r>
+              <a:rPr lang="en-US" altLang="zh-CN">
+                <a:sym typeface="+mn-ea"/>
+              </a:rPr>
+              <a:t> </a:t>
+            </a:r>
+            <a:r>
+              <a:rPr lang="zh-CN" altLang="en-US">
+                <a:sym typeface="+mn-ea"/>
+              </a:rPr>
+              <a:t>实现思路</a:t>
+            </a:r>
+            <a:br>
+              <a:rPr lang="zh-CN" altLang="en-US" dirty="0">
+                <a:sym typeface="+mn-ea"/>
+              </a:rPr>
+            </a:br>
+            <a:endParaRPr lang="zh-CN" altLang="en-US"/>
+          </a:p>
+        </p:txBody>
+      </p:sp>
+      <p:sp>
+        <p:nvSpPr>
+          <p:cNvPr id="3" name="内容占位符 2"/>
+          <p:cNvSpPr>
+            <a:spLocks noGrp="1"/>
+          </p:cNvSpPr>
+          <p:nvPr>
+            <p:ph sz="half" idx="1"/>
+          </p:nvPr>
+        </p:nvSpPr>
+        <p:spPr>
+          <a:xfrm>
+            <a:off x="1691235" y="1663784"/>
+            <a:ext cx="8828410" cy="1143000"/>
+          </a:xfrm>
+        </p:spPr>
+        <p:txBody>
+          <a:bodyPr/>
+          <a:p>
+            <a:r>
+              <a:rPr lang="zh-CN" altLang="en-US"/>
+              <a:t>如何实现改变一个响应式数据，会同步更新其使用的函数</a:t>
+            </a:r>
+            <a:r>
+              <a:rPr lang="zh-CN" altLang="en-US"/>
+              <a:t>呢？</a:t>
+            </a:r>
+            <a:endParaRPr lang="zh-CN" altLang="en-US"/>
+          </a:p>
+          <a:p>
+            <a:r>
+              <a:rPr lang="zh-CN" altLang="en-US"/>
+              <a:t>在原本的图中扩展一下实现思路</a:t>
+            </a:r>
+            <a:r>
+              <a:rPr lang="zh-CN" altLang="en-US"/>
+              <a:t>如下：</a:t>
+            </a:r>
+            <a:endParaRPr lang="zh-CN" altLang="en-US"/>
+          </a:p>
+        </p:txBody>
+      </p:sp>
+      <p:pic>
+        <p:nvPicPr>
+          <p:cNvPr id="4" name="图片 3"/>
+          <p:cNvPicPr>
+            <a:picLocks noChangeAspect="1"/>
+          </p:cNvPicPr>
+          <p:nvPr/>
+        </p:nvPicPr>
+        <p:blipFill>
+          <a:blip r:embed="rId1"/>
+          <a:stretch>
+            <a:fillRect/>
+          </a:stretch>
+        </p:blipFill>
+        <p:spPr>
+          <a:xfrm>
+            <a:off x="1579880" y="2867660"/>
+            <a:ext cx="8572500" cy="3019425"/>
+          </a:xfrm>
+          <a:prstGeom prst="rect">
+            <a:avLst/>
+          </a:prstGeom>
+        </p:spPr>
+      </p:pic>
+    </p:spTree>
+  </p:cSld>
+  <p:clrMapOvr>
+    <a:masterClrMapping/>
+  </p:clrMapOvr>
+</p:sld>
+</file>
+
+<file path=ppt/slides/slide13.xml><?xml version="1.0" encoding="utf-8"?>
+<p:sld xmlns:a="http://schemas.openxmlformats.org/drawingml/2006/main" xmlns:r="http://schemas.openxmlformats.org/officeDocument/2006/relationships" xmlns:p="http://schemas.openxmlformats.org/presentationml/2006/main">
+  <p:cSld>
+    <p:spTree>
+      <p:nvGrpSpPr>
+        <p:cNvPr id="1" name=""/>
+        <p:cNvGrpSpPr/>
+        <p:nvPr/>
+      </p:nvGrpSpPr>
+      <p:grpSpPr/>
+      <p:sp>
+        <p:nvSpPr>
+          <p:cNvPr id="2" name="标题 1"/>
+          <p:cNvSpPr>
+            <a:spLocks noGrp="1"/>
+          </p:cNvSpPr>
+          <p:nvPr>
+            <p:ph type="title"/>
+          </p:nvPr>
+        </p:nvSpPr>
+        <p:spPr/>
+        <p:txBody>
+          <a:bodyPr/>
+          <a:p>
+            <a:r>
+              <a:rPr lang="zh-CN" altLang="en-US"/>
+              <a:t>代码</a:t>
+            </a:r>
+            <a:r>
+              <a:rPr lang="zh-CN" altLang="en-US"/>
+              <a:t>实现</a:t>
+            </a:r>
+            <a:endParaRPr lang="zh-CN" altLang="en-US"/>
+          </a:p>
+        </p:txBody>
+      </p:sp>
+      <p:sp>
+        <p:nvSpPr>
+          <p:cNvPr id="3" name="内容占位符 2"/>
+          <p:cNvSpPr>
+            <a:spLocks noGrp="1"/>
+          </p:cNvSpPr>
+          <p:nvPr>
+            <p:ph sz="half" idx="1"/>
+          </p:nvPr>
+        </p:nvSpPr>
+        <p:spPr>
+          <a:xfrm>
+            <a:off x="1691235" y="1663784"/>
+            <a:ext cx="8828410" cy="1143000"/>
+          </a:xfrm>
+        </p:spPr>
+        <p:txBody>
+          <a:bodyPr/>
+          <a:p>
+            <a:r>
+              <a:rPr lang="zh-CN" altLang="en-US"/>
+              <a:t>实现</a:t>
+            </a:r>
+            <a:r>
+              <a:rPr lang="en-US" altLang="zh-CN"/>
+              <a:t>effect</a:t>
+            </a:r>
+            <a:r>
+              <a:rPr lang="zh-CN" altLang="en-US"/>
+              <a:t>函数，依赖收集，触发</a:t>
+            </a:r>
+            <a:r>
+              <a:rPr lang="zh-CN" altLang="en-US"/>
+              <a:t>依赖</a:t>
+            </a:r>
+            <a:endParaRPr lang="zh-CN" altLang="en-US"/>
+          </a:p>
+          <a:p>
+            <a:endParaRPr lang="zh-CN" altLang="en-US"/>
+          </a:p>
+        </p:txBody>
+      </p:sp>
+      <p:pic>
+        <p:nvPicPr>
+          <p:cNvPr id="4" name="图片 3"/>
+          <p:cNvPicPr>
+            <a:picLocks noChangeAspect="1"/>
+          </p:cNvPicPr>
+          <p:nvPr/>
+        </p:nvPicPr>
+        <p:blipFill>
+          <a:blip r:embed="rId1"/>
+          <a:stretch>
+            <a:fillRect/>
+          </a:stretch>
+        </p:blipFill>
+        <p:spPr>
+          <a:xfrm>
+            <a:off x="1984375" y="2527935"/>
+            <a:ext cx="3375025" cy="3086735"/>
+          </a:xfrm>
+          <a:prstGeom prst="rect">
+            <a:avLst/>
+          </a:prstGeom>
+        </p:spPr>
+      </p:pic>
+      <p:pic>
+        <p:nvPicPr>
+          <p:cNvPr id="5" name="图片 4"/>
+          <p:cNvPicPr>
+            <a:picLocks noChangeAspect="1"/>
+          </p:cNvPicPr>
+          <p:nvPr/>
+        </p:nvPicPr>
+        <p:blipFill>
+          <a:blip r:embed="rId2"/>
+          <a:stretch>
+            <a:fillRect/>
+          </a:stretch>
+        </p:blipFill>
+        <p:spPr>
+          <a:xfrm>
+            <a:off x="6050915" y="2469515"/>
+            <a:ext cx="4168140" cy="3203575"/>
+          </a:xfrm>
+          <a:prstGeom prst="rect">
+            <a:avLst/>
+          </a:prstGeom>
+        </p:spPr>
+      </p:pic>
+    </p:spTree>
+  </p:cSld>
+  <p:clrMapOvr>
+    <a:masterClrMapping/>
+  </p:clrMapOvr>
+</p:sld>
+</file>
+
+<file path=ppt/slides/slide14.xml><?xml version="1.0" encoding="utf-8"?>
+<p:sld xmlns:a="http://schemas.openxmlformats.org/drawingml/2006/main" xmlns:r="http://schemas.openxmlformats.org/officeDocument/2006/relationships" xmlns:p="http://schemas.openxmlformats.org/presentationml/2006/main">
+  <p:cSld>
+    <p:spTree>
+      <p:nvGrpSpPr>
+        <p:cNvPr id="1" name=""/>
+        <p:cNvGrpSpPr/>
+        <p:nvPr/>
+      </p:nvGrpSpPr>
+      <p:grpSpPr/>
+      <p:sp>
+        <p:nvSpPr>
+          <p:cNvPr id="2" name="标题 1"/>
+          <p:cNvSpPr>
+            <a:spLocks noGrp="1"/>
+          </p:cNvSpPr>
+          <p:nvPr>
+            <p:ph type="title"/>
+          </p:nvPr>
+        </p:nvSpPr>
+        <p:spPr/>
+        <p:txBody>
+          <a:bodyPr/>
+          <a:p>
+            <a:r>
+              <a:rPr lang="zh-CN" altLang="en-US"/>
+              <a:t>代码</a:t>
+            </a:r>
+            <a:r>
+              <a:rPr lang="zh-CN" altLang="en-US"/>
+              <a:t>实现</a:t>
+            </a:r>
+            <a:endParaRPr lang="zh-CN" altLang="en-US"/>
+          </a:p>
+        </p:txBody>
+      </p:sp>
+      <p:sp>
+        <p:nvSpPr>
+          <p:cNvPr id="3" name="内容占位符 2"/>
+          <p:cNvSpPr>
+            <a:spLocks noGrp="1"/>
+          </p:cNvSpPr>
+          <p:nvPr>
+            <p:ph sz="half" idx="1"/>
+          </p:nvPr>
+        </p:nvSpPr>
+        <p:spPr>
+          <a:xfrm>
+            <a:off x="1691235" y="1663784"/>
+            <a:ext cx="8828410" cy="1143000"/>
+          </a:xfrm>
+        </p:spPr>
+        <p:txBody>
+          <a:bodyPr/>
+          <a:p>
+            <a:r>
+              <a:rPr lang="zh-CN" altLang="en-US"/>
+              <a:t>实现</a:t>
+            </a:r>
+            <a:r>
+              <a:rPr lang="en-US" altLang="zh-CN"/>
+              <a:t>effect</a:t>
+            </a:r>
+            <a:r>
+              <a:rPr lang="zh-CN" altLang="en-US"/>
+              <a:t>函数，依赖收集，触发</a:t>
+            </a:r>
+            <a:r>
+              <a:rPr lang="zh-CN" altLang="en-US"/>
+              <a:t>依赖</a:t>
+            </a:r>
+            <a:endParaRPr lang="zh-CN" altLang="en-US"/>
+          </a:p>
+          <a:p>
+            <a:endParaRPr lang="zh-CN" altLang="en-US"/>
+          </a:p>
+        </p:txBody>
+      </p:sp>
+      <p:pic>
+        <p:nvPicPr>
+          <p:cNvPr id="8" name="图片 7"/>
+          <p:cNvPicPr>
+            <a:picLocks noChangeAspect="1"/>
+          </p:cNvPicPr>
+          <p:nvPr/>
+        </p:nvPicPr>
+        <p:blipFill>
+          <a:blip r:embed="rId1"/>
+          <a:stretch>
+            <a:fillRect/>
+          </a:stretch>
+        </p:blipFill>
+        <p:spPr>
+          <a:xfrm>
+            <a:off x="1691005" y="2466975"/>
+            <a:ext cx="5600700" cy="1924050"/>
+          </a:xfrm>
+          <a:prstGeom prst="rect">
+            <a:avLst/>
+          </a:prstGeom>
+        </p:spPr>
+      </p:pic>
+    </p:spTree>
+  </p:cSld>
+  <p:clrMapOvr>
+    <a:masterClrMapping/>
+  </p:clrMapOvr>
+</p:sld>
+</file>
+
+<file path=ppt/slides/slide15.xml><?xml version="1.0" encoding="utf-8"?>
+<p:sld xmlns:a="http://schemas.openxmlformats.org/drawingml/2006/main" xmlns:r="http://schemas.openxmlformats.org/officeDocument/2006/relationships" xmlns:p="http://schemas.openxmlformats.org/presentationml/2006/main">
+  <p:cSld>
+    <p:spTree>
+      <p:nvGrpSpPr>
+        <p:cNvPr id="1" name=""/>
+        <p:cNvGrpSpPr/>
+        <p:nvPr/>
+      </p:nvGrpSpPr>
+      <p:grpSpPr/>
+      <p:sp>
+        <p:nvSpPr>
+          <p:cNvPr id="2" name="标题 1"/>
+          <p:cNvSpPr>
+            <a:spLocks noGrp="1"/>
+          </p:cNvSpPr>
+          <p:nvPr>
+            <p:ph type="title"/>
+          </p:nvPr>
+        </p:nvSpPr>
+        <p:spPr/>
+        <p:txBody>
+          <a:bodyPr/>
+          <a:p>
+            <a:r>
+              <a:rPr lang="zh-CN" altLang="en-US">
+                <a:sym typeface="+mn-ea"/>
+              </a:rPr>
+              <a:t>代码实现</a:t>
+            </a:r>
+            <a:r>
+              <a:rPr lang="zh-CN" altLang="en-US">
+                <a:sym typeface="+mn-ea"/>
+              </a:rPr>
+              <a:t>流程</a:t>
+            </a:r>
+            <a:endParaRPr lang="zh-CN" altLang="en-US">
+              <a:sym typeface="+mn-ea"/>
+            </a:endParaRPr>
+          </a:p>
+        </p:txBody>
+      </p:sp>
+      <p:pic>
+        <p:nvPicPr>
+          <p:cNvPr id="5" name="图片 4"/>
+          <p:cNvPicPr>
+            <a:picLocks noChangeAspect="1"/>
+          </p:cNvPicPr>
+          <p:nvPr/>
+        </p:nvPicPr>
+        <p:blipFill>
+          <a:blip r:embed="rId1"/>
+          <a:stretch>
+            <a:fillRect/>
+          </a:stretch>
+        </p:blipFill>
+        <p:spPr>
+          <a:xfrm>
+            <a:off x="1993265" y="1678305"/>
+            <a:ext cx="7743825" cy="4191000"/>
+          </a:xfrm>
+          <a:prstGeom prst="rect">
+            <a:avLst/>
+          </a:prstGeom>
+        </p:spPr>
+      </p:pic>
+    </p:spTree>
+  </p:cSld>
+  <p:clrMapOvr>
+    <a:masterClrMapping/>
+  </p:clrMapOvr>
+</p:sld>
+</file>
+
+<file path=ppt/slides/slide16.xml><?xml version="1.0" encoding="utf-8"?>
+<p:sld xmlns:a="http://schemas.openxmlformats.org/drawingml/2006/main" xmlns:r="http://schemas.openxmlformats.org/officeDocument/2006/relationships" xmlns:p="http://schemas.openxmlformats.org/presentationml/2006/main">
+  <p:cSld>
+    <p:spTree>
+      <p:nvGrpSpPr>
+        <p:cNvPr id="1" name=""/>
+        <p:cNvGrpSpPr/>
+        <p:nvPr/>
+      </p:nvGrpSpPr>
+      <p:grpSpPr/>
+      <p:sp>
+        <p:nvSpPr>
+          <p:cNvPr id="2" name="标题 1"/>
+          <p:cNvSpPr>
+            <a:spLocks noGrp="1"/>
+          </p:cNvSpPr>
+          <p:nvPr>
+            <p:ph type="title"/>
+          </p:nvPr>
+        </p:nvSpPr>
+        <p:spPr/>
+        <p:txBody>
+          <a:bodyPr/>
+          <a:p>
+            <a:r>
+              <a:rPr lang="zh-CN" altLang="en-US">
+                <a:sym typeface="+mn-ea"/>
+              </a:rPr>
+              <a:t>代码实现流程</a:t>
+            </a:r>
+            <a:br>
+              <a:rPr lang="zh-CN" altLang="en-US">
+                <a:sym typeface="+mn-ea"/>
+              </a:rPr>
+            </a:br>
+            <a:endParaRPr lang="zh-CN" altLang="en-US"/>
+          </a:p>
+        </p:txBody>
+      </p:sp>
+      <p:pic>
+        <p:nvPicPr>
+          <p:cNvPr id="4" name="图片 3"/>
+          <p:cNvPicPr>
+            <a:picLocks noChangeAspect="1"/>
+          </p:cNvPicPr>
+          <p:nvPr/>
+        </p:nvPicPr>
+        <p:blipFill>
+          <a:blip r:embed="rId1"/>
+          <a:stretch>
+            <a:fillRect/>
+          </a:stretch>
+        </p:blipFill>
+        <p:spPr>
+          <a:xfrm>
+            <a:off x="2505075" y="1743075"/>
+            <a:ext cx="7181850" cy="3371850"/>
+          </a:xfrm>
+          <a:prstGeom prst="rect">
+            <a:avLst/>
+          </a:prstGeom>
+        </p:spPr>
+      </p:pic>
+    </p:spTree>
+  </p:cSld>
+  <p:clrMapOvr>
+    <a:masterClrMapping/>
+  </p:clrMapOvr>
+</p:sld>
+</file>
+
+<file path=ppt/slides/slide17.xml><?xml version="1.0" encoding="utf-8"?>
+<p:sld xmlns:a="http://schemas.openxmlformats.org/drawingml/2006/main" xmlns:r="http://schemas.openxmlformats.org/officeDocument/2006/relationships" xmlns:p="http://schemas.openxmlformats.org/presentationml/2006/main">
+  <p:cSld>
+    <p:spTree>
+      <p:nvGrpSpPr>
+        <p:cNvPr id="1" name=""/>
+        <p:cNvGrpSpPr/>
+        <p:nvPr/>
+      </p:nvGrpSpPr>
+      <p:grpSpPr/>
+      <p:sp>
+        <p:nvSpPr>
+          <p:cNvPr id="2" name="标题 1"/>
+          <p:cNvSpPr>
+            <a:spLocks noGrp="1"/>
+          </p:cNvSpPr>
+          <p:nvPr>
+            <p:ph type="title"/>
+          </p:nvPr>
+        </p:nvSpPr>
+        <p:spPr/>
+        <p:txBody>
+          <a:bodyPr/>
+          <a:p>
+            <a:r>
+              <a:rPr lang="zh-CN" altLang="en-US">
+                <a:sym typeface="+mn-ea"/>
+              </a:rPr>
+              <a:t>代码实现流程</a:t>
+            </a:r>
+            <a:endParaRPr lang="zh-CN" altLang="en-US"/>
+          </a:p>
+        </p:txBody>
+      </p:sp>
+      <p:sp>
+        <p:nvSpPr>
+          <p:cNvPr id="3" name="内容占位符 2"/>
+          <p:cNvSpPr>
+            <a:spLocks noGrp="1"/>
+          </p:cNvSpPr>
+          <p:nvPr>
+            <p:ph sz="half" idx="1"/>
+          </p:nvPr>
+        </p:nvSpPr>
+        <p:spPr>
+          <a:xfrm>
+            <a:off x="1691235" y="1663784"/>
+            <a:ext cx="8828410" cy="1938020"/>
+          </a:xfrm>
+        </p:spPr>
+        <p:txBody>
+          <a:bodyPr/>
+          <a:p>
+            <a:r>
+              <a:rPr lang="en-US" altLang="zh-CN"/>
+              <a:t>effect</a:t>
+            </a:r>
+            <a:r>
+              <a:rPr lang="zh-CN" altLang="en-US"/>
+              <a:t>副作用函数是</a:t>
+            </a:r>
+            <a:r>
+              <a:rPr lang="en-US" altLang="zh-CN"/>
+              <a:t>vue3</a:t>
+            </a:r>
+            <a:r>
+              <a:rPr lang="zh-CN" altLang="en-US"/>
+              <a:t>能响应式更新的基础，在</a:t>
+            </a:r>
+            <a:r>
+              <a:rPr lang="en-US" altLang="zh-CN"/>
+              <a:t>effect</a:t>
+            </a:r>
+            <a:r>
+              <a:rPr lang="zh-CN" altLang="en-US"/>
+              <a:t>函数内使用响应式数据，在读取改数据时，将触发其</a:t>
+            </a:r>
+            <a:r>
+              <a:rPr lang="en-US" altLang="zh-CN"/>
+              <a:t>get</a:t>
+            </a:r>
+            <a:r>
+              <a:rPr lang="zh-CN" altLang="en-US"/>
+              <a:t>代理，将当前</a:t>
+            </a:r>
+            <a:r>
+              <a:rPr lang="en-US" altLang="zh-CN"/>
+              <a:t>effect</a:t>
+            </a:r>
+            <a:r>
+              <a:rPr lang="zh-CN" altLang="en-US"/>
+              <a:t>函数引用以当前</a:t>
+            </a:r>
+            <a:r>
+              <a:rPr lang="en-US" altLang="zh-CN"/>
+              <a:t>target </a:t>
+            </a:r>
+            <a:r>
+              <a:rPr lang="zh-CN" altLang="en-US"/>
+              <a:t>和</a:t>
+            </a:r>
+            <a:r>
+              <a:rPr lang="en-US" altLang="zh-CN"/>
+              <a:t> key </a:t>
+            </a:r>
+            <a:r>
+              <a:rPr lang="zh-CN" altLang="en-US"/>
+              <a:t>为键值</a:t>
+            </a:r>
+            <a:r>
+              <a:rPr lang="en-US" altLang="zh-CN"/>
+              <a:t> </a:t>
+            </a:r>
+            <a:r>
+              <a:rPr lang="zh-CN" altLang="en-US"/>
+              <a:t>收集进一个</a:t>
+            </a:r>
+            <a:r>
+              <a:rPr lang="en-US" altLang="zh-CN"/>
+              <a:t>Set</a:t>
+            </a:r>
+            <a:r>
+              <a:rPr lang="zh-CN" altLang="en-US"/>
+              <a:t>数据集合中（依赖集合）</a:t>
+            </a:r>
+            <a:r>
+              <a:rPr lang="en-US" altLang="zh-CN"/>
+              <a:t>[</a:t>
+            </a:r>
+            <a:r>
+              <a:rPr lang="zh-CN" altLang="en-US"/>
+              <a:t>依赖收集</a:t>
+            </a:r>
+            <a:r>
+              <a:rPr lang="en-US" altLang="zh-CN"/>
+              <a:t>]</a:t>
+            </a:r>
+            <a:r>
+              <a:rPr lang="zh-CN" altLang="en-US"/>
+              <a:t>。当该响应式数据改变，会将当前对应的依赖集合拿出来执行</a:t>
+            </a:r>
+            <a:r>
+              <a:rPr lang="en-US" altLang="zh-CN"/>
+              <a:t>[</a:t>
+            </a:r>
+            <a:r>
+              <a:rPr lang="zh-CN" altLang="en-US"/>
+              <a:t>触发依赖</a:t>
+            </a:r>
+            <a:r>
+              <a:rPr lang="en-US" altLang="zh-CN"/>
+              <a:t>]</a:t>
+            </a:r>
+            <a:r>
+              <a:rPr lang="zh-CN" altLang="en-US"/>
+              <a:t>。</a:t>
+            </a:r>
+            <a:endParaRPr lang="en-US" altLang="zh-CN"/>
+          </a:p>
+        </p:txBody>
+      </p:sp>
+    </p:spTree>
+  </p:cSld>
+  <p:clrMapOvr>
+    <a:masterClrMapping/>
+  </p:clrMapOvr>
+</p:sld>
+</file>
+
+<file path=ppt/slides/slide18.xml><?xml version="1.0" encoding="utf-8"?>
+<p:sld xmlns:a="http://schemas.openxmlformats.org/drawingml/2006/main" xmlns:r="http://schemas.openxmlformats.org/officeDocument/2006/relationships" xmlns:p="http://schemas.openxmlformats.org/presentationml/2006/main">
+  <p:cSld>
+    <p:spTree>
+      <p:nvGrpSpPr>
+        <p:cNvPr id="1" name=""/>
+        <p:cNvGrpSpPr/>
+        <p:nvPr/>
+      </p:nvGrpSpPr>
+      <p:grpSpPr/>
+      <p:sp>
+        <p:nvSpPr>
+          <p:cNvPr id="2" name="标题 1"/>
+          <p:cNvSpPr>
+            <a:spLocks noGrp="1"/>
+          </p:cNvSpPr>
+          <p:nvPr>
+            <p:ph type="title"/>
+          </p:nvPr>
+        </p:nvSpPr>
+        <p:spPr/>
+        <p:txBody>
+          <a:bodyPr/>
+          <a:p>
+            <a:r>
+              <a:rPr lang="zh-CN" altLang="en-US"/>
+              <a:t>边缘情况处理</a:t>
+            </a:r>
+            <a:r>
+              <a:rPr lang="en-US" altLang="zh-CN"/>
+              <a:t>-</a:t>
+            </a:r>
+            <a:r>
+              <a:rPr lang="zh-CN" altLang="en-US"/>
+              <a:t>分支</a:t>
+            </a:r>
+            <a:r>
+              <a:rPr lang="zh-CN" altLang="en-US"/>
+              <a:t>切换</a:t>
+            </a:r>
+            <a:endParaRPr lang="zh-CN" altLang="en-US"/>
+          </a:p>
+        </p:txBody>
+      </p:sp>
+      <p:sp>
+        <p:nvSpPr>
+          <p:cNvPr id="3" name="内容占位符 2"/>
+          <p:cNvSpPr>
+            <a:spLocks noGrp="1"/>
+          </p:cNvSpPr>
+          <p:nvPr>
+            <p:ph sz="half" idx="1"/>
+          </p:nvPr>
+        </p:nvSpPr>
+        <p:spPr/>
+        <p:txBody>
+          <a:bodyPr/>
+          <a:p>
+            <a:endParaRPr lang="zh-CN" altLang="en-US"/>
+          </a:p>
+        </p:txBody>
+      </p:sp>
+    </p:spTree>
+  </p:cSld>
+  <p:clrMapOvr>
+    <a:masterClrMapping/>
+  </p:clrMapOvr>
+</p:sld>
+</file>
+
+<file path=ppt/slides/slide19.xml><?xml version="1.0" encoding="utf-8"?>
+<p:sld xmlns:a="http://schemas.openxmlformats.org/drawingml/2006/main" xmlns:r="http://schemas.openxmlformats.org/officeDocument/2006/relationships" xmlns:p="http://schemas.openxmlformats.org/presentationml/2006/main">
+  <p:cSld>
+    <p:spTree>
+      <p:nvGrpSpPr>
+        <p:cNvPr id="1" name=""/>
+        <p:cNvGrpSpPr/>
+        <p:nvPr/>
+      </p:nvGrpSpPr>
+      <p:grpSpPr>
+        <a:xfrm>
+          <a:off x="0" y="0"/>
+          <a:ext cx="0" cy="0"/>
+          <a:chOff x="0" y="0"/>
+          <a:chExt cx="0" cy="0"/>
+        </a:xfrm>
+      </p:grpSpPr>
+      <p:sp>
+        <p:nvSpPr>
+          <p:cNvPr id="2" name="标题 1"/>
+          <p:cNvSpPr>
+            <a:spLocks noGrp="1"/>
+          </p:cNvSpPr>
+          <p:nvPr>
+            <p:ph type="title"/>
+          </p:nvPr>
+        </p:nvSpPr>
+        <p:spPr/>
+        <p:txBody>
+          <a:bodyPr/>
+          <a:lstStyle/>
+          <a:p>
+            <a:r>
+              <a:rPr lang="zh-CN" altLang="en-US" dirty="0">
+                <a:sym typeface="+mn-ea"/>
+              </a:rPr>
+              <a:t>属性描述符</a:t>
+            </a:r>
+            <a:endParaRPr lang="zh-CN" altLang="en-US" dirty="0"/>
+          </a:p>
+        </p:txBody>
+      </p:sp>
+      <p:sp>
+        <p:nvSpPr>
+          <p:cNvPr id="3" name="内容占位符 2"/>
+          <p:cNvSpPr>
+            <a:spLocks noGrp="1"/>
+          </p:cNvSpPr>
+          <p:nvPr>
+            <p:ph sz="half" idx="1"/>
+          </p:nvPr>
+        </p:nvSpPr>
+        <p:spPr>
+          <a:xfrm>
+            <a:off x="1682345" y="1474554"/>
+            <a:ext cx="8828410" cy="4890135"/>
+          </a:xfrm>
+        </p:spPr>
+        <p:txBody>
+          <a:bodyPr/>
+          <a:lstStyle/>
+          <a:p>
+            <a:r>
+              <a:rPr lang="zh-CN" altLang="en-US" dirty="0"/>
+              <a:t>writable</a:t>
+            </a:r>
+            <a:endParaRPr lang="zh-CN" altLang="en-US" dirty="0"/>
+          </a:p>
+          <a:p>
+            <a:pPr lvl="1"/>
+            <a:r>
+              <a:rPr lang="en-US" altLang="zh-CN" dirty="0"/>
+              <a:t>当且仅当该属性的 writable 键值为 true 时，属性的值，也就是上面的 value，才能被赋值运算符 (en-US)改变。</a:t>
+            </a:r>
+            <a:endParaRPr lang="en-US" altLang="zh-CN" dirty="0"/>
+          </a:p>
+          <a:p>
+            <a:pPr lvl="1"/>
+            <a:r>
+              <a:rPr lang="en-US" altLang="zh-CN" dirty="0"/>
+              <a:t>默认为 false</a:t>
+            </a:r>
+            <a:endParaRPr lang="en-US" altLang="zh-CN" dirty="0"/>
+          </a:p>
+          <a:p>
+            <a:pPr lvl="0"/>
+            <a:r>
+              <a:rPr lang="en-US" altLang="zh-CN" dirty="0"/>
+              <a:t>get</a:t>
+            </a:r>
+            <a:endParaRPr lang="en-US" altLang="zh-CN" dirty="0"/>
+          </a:p>
+          <a:p>
+            <a:pPr lvl="1"/>
+            <a:r>
+              <a:rPr lang="en-US" altLang="zh-CN" dirty="0"/>
+              <a:t>属性的 getter 函数，如果没有 getter，则为 undefined。当访问该属性时，会调用此函数。执行时不传入任何参数，但是会传入 this 对象（由于继承关系，这里的this并不一定是定义该属性的对象）。该函数的返回值会被用作属性的值。</a:t>
+            </a:r>
+            <a:endParaRPr lang="en-US" altLang="zh-CN" dirty="0"/>
+          </a:p>
+          <a:p>
+            <a:pPr lvl="1"/>
+            <a:r>
+              <a:rPr lang="en-US" altLang="zh-CN" dirty="0"/>
+              <a:t>默认为 undefined</a:t>
+            </a:r>
+            <a:endParaRPr lang="en-US" altLang="zh-CN" dirty="0"/>
+          </a:p>
+          <a:p>
+            <a:pPr lvl="0"/>
+            <a:r>
+              <a:rPr lang="en-US" altLang="zh-CN" dirty="0"/>
+              <a:t>set</a:t>
+            </a:r>
+            <a:endParaRPr lang="en-US" altLang="zh-CN" dirty="0"/>
+          </a:p>
+          <a:p>
+            <a:pPr lvl="1"/>
+            <a:r>
+              <a:rPr lang="en-US" altLang="zh-CN" dirty="0"/>
+              <a:t>属性的 setter 函数，如果没有 setter，则为 undefined。当属性值被修改时，会调用此函数。该方法接受一个参数（也就是被赋予的新值），会传入赋值时的 this 对象。</a:t>
+            </a:r>
+            <a:endParaRPr lang="en-US" altLang="zh-CN" dirty="0"/>
+          </a:p>
+          <a:p>
+            <a:pPr lvl="1"/>
+            <a:r>
+              <a:rPr lang="en-US" altLang="zh-CN" dirty="0"/>
+              <a:t>默认为 undefined</a:t>
+            </a:r>
+            <a:endParaRPr lang="en-US" altLang="zh-CN" dirty="0"/>
+          </a:p>
+          <a:p>
+            <a:pPr marL="457200" lvl="1" indent="0">
+              <a:buNone/>
+            </a:pPr>
+            <a:endParaRPr lang="en-US" altLang="zh-CN" dirty="0"/>
+          </a:p>
+        </p:txBody>
+      </p:sp>
+    </p:spTree>
+  </p:cSld>
+  <p:clrMapOvr>
+    <a:masterClrMapping/>
+  </p:clrMapOvr>
+</p:sld>
+</file>
+
+<file path=ppt/slides/slide2.xml><?xml version="1.0" encoding="utf-8"?>
+<p:sld xmlns:a="http://schemas.openxmlformats.org/drawingml/2006/main" xmlns:r="http://schemas.openxmlformats.org/officeDocument/2006/relationships" xmlns:p="http://schemas.openxmlformats.org/presentationml/2006/main">
+  <p:cSld>
+    <p:spTree>
+      <p:nvGrpSpPr>
+        <p:cNvPr id="1" name=""/>
+        <p:cNvGrpSpPr/>
+        <p:nvPr/>
+      </p:nvGrpSpPr>
+      <p:grpSpPr>
+        <a:xfrm>
+          <a:off x="0" y="0"/>
+          <a:ext cx="0" cy="0"/>
+          <a:chOff x="0" y="0"/>
+          <a:chExt cx="0" cy="0"/>
+        </a:xfrm>
+      </p:grpSpPr>
+      <p:sp>
+        <p:nvSpPr>
+          <p:cNvPr id="2" name="内容占位符 1"/>
+          <p:cNvSpPr>
+            <a:spLocks noGrp="1"/>
+          </p:cNvSpPr>
+          <p:nvPr>
+            <p:ph sz="half" idx="1"/>
+          </p:nvPr>
+        </p:nvSpPr>
+        <p:spPr>
+          <a:xfrm>
+            <a:off x="4224154" y="599485"/>
+            <a:ext cx="7701145" cy="5560015"/>
+          </a:xfrm>
+        </p:spPr>
+        <p:txBody>
+          <a:bodyPr/>
+          <a:lstStyle/>
+          <a:p>
+            <a:pPr marL="457200" lvl="0" indent="-457200" eaLnBrk="1" hangingPunct="1">
+              <a:lnSpc>
+                <a:spcPct val="150000"/>
+              </a:lnSpc>
+              <a:buFont typeface="Arial" panose="020B0604020202020204" pitchFamily="34" charset="0"/>
+              <a:buChar char="•"/>
+            </a:pPr>
+            <a:r>
+              <a:rPr lang="en-US" altLang="zh-CN" dirty="0">
+                <a:solidFill>
+                  <a:srgbClr val="4472C4">
+                    <a:lumMod val="75000"/>
+                  </a:srgbClr>
+                </a:solidFill>
+              </a:rPr>
+              <a:t>vue3</a:t>
+            </a:r>
+            <a:r>
+              <a:rPr lang="zh-CN" altLang="en-US" dirty="0">
+                <a:solidFill>
+                  <a:srgbClr val="4472C4">
+                    <a:lumMod val="75000"/>
+                  </a:srgbClr>
+                </a:solidFill>
+              </a:rPr>
+              <a:t>简介</a:t>
+            </a:r>
+            <a:endParaRPr lang="en-US" altLang="zh-CN" dirty="0">
+              <a:solidFill>
+                <a:srgbClr val="4472C4">
+                  <a:lumMod val="75000"/>
+                </a:srgbClr>
+              </a:solidFill>
+            </a:endParaRPr>
+          </a:p>
+          <a:p>
+            <a:pPr marL="457200" indent="-457200" eaLnBrk="1" hangingPunct="1">
+              <a:lnSpc>
+                <a:spcPct val="150000"/>
+              </a:lnSpc>
+              <a:buFont typeface="Arial" panose="020B0604020202020204" pitchFamily="34" charset="0"/>
+              <a:buChar char="•"/>
+            </a:pPr>
+            <a:r>
+              <a:rPr lang="en-US" altLang="zh-CN" dirty="0">
+                <a:solidFill>
+                  <a:srgbClr val="4472C4">
+                    <a:lumMod val="75000"/>
+                  </a:srgbClr>
+                </a:solidFill>
+              </a:rPr>
+              <a:t>reactivity </a:t>
+            </a:r>
+            <a:r>
+              <a:rPr lang="zh-CN" altLang="en-US" dirty="0">
+                <a:solidFill>
+                  <a:srgbClr val="4472C4">
+                    <a:lumMod val="75000"/>
+                  </a:srgbClr>
+                </a:solidFill>
+              </a:rPr>
+              <a:t>的思路及</a:t>
+            </a:r>
+            <a:r>
+              <a:rPr lang="zh-CN" altLang="en-US" dirty="0">
+                <a:solidFill>
+                  <a:srgbClr val="4472C4">
+                    <a:lumMod val="75000"/>
+                  </a:srgbClr>
+                </a:solidFill>
+              </a:rPr>
+              <a:t>最小实现</a:t>
+            </a:r>
+            <a:endParaRPr lang="zh-CN" altLang="en-US" dirty="0">
+              <a:solidFill>
+                <a:srgbClr val="4472C4">
+                  <a:lumMod val="75000"/>
+                </a:srgbClr>
+              </a:solidFill>
+            </a:endParaRPr>
+          </a:p>
+          <a:p>
+            <a:pPr marL="457200" indent="-457200" eaLnBrk="1" hangingPunct="1">
+              <a:lnSpc>
+                <a:spcPct val="150000"/>
+              </a:lnSpc>
+              <a:buFont typeface="Arial" panose="020B0604020202020204" pitchFamily="34" charset="0"/>
+              <a:buChar char="•"/>
+            </a:pPr>
+            <a:r>
+              <a:rPr lang="en-US" altLang="zh-CN" dirty="0">
+                <a:solidFill>
+                  <a:srgbClr val="4472C4">
+                    <a:lumMod val="75000"/>
+                  </a:srgbClr>
+                </a:solidFill>
+              </a:rPr>
+              <a:t>runtime </a:t>
+            </a:r>
+            <a:r>
+              <a:rPr lang="zh-CN" altLang="en-US" dirty="0">
+                <a:solidFill>
+                  <a:srgbClr val="4472C4">
+                    <a:lumMod val="75000"/>
+                  </a:srgbClr>
+                </a:solidFill>
+              </a:rPr>
+              <a:t>的思路及</a:t>
+            </a:r>
+            <a:r>
+              <a:rPr lang="zh-CN" altLang="en-US" dirty="0">
+                <a:solidFill>
+                  <a:srgbClr val="4472C4">
+                    <a:lumMod val="75000"/>
+                  </a:srgbClr>
+                </a:solidFill>
+              </a:rPr>
+              <a:t>最小实现</a:t>
+            </a:r>
+            <a:endParaRPr lang="zh-CN" altLang="en-US" dirty="0">
+              <a:solidFill>
+                <a:srgbClr val="4472C4">
+                  <a:lumMod val="75000"/>
+                </a:srgbClr>
+              </a:solidFill>
+            </a:endParaRPr>
+          </a:p>
+          <a:p>
+            <a:pPr marL="457200" indent="-457200" eaLnBrk="1" hangingPunct="1">
+              <a:lnSpc>
+                <a:spcPct val="150000"/>
+              </a:lnSpc>
+              <a:buFont typeface="Arial" panose="020B0604020202020204" pitchFamily="34" charset="0"/>
+              <a:buChar char="•"/>
+            </a:pPr>
+            <a:r>
+              <a:rPr lang="en-US" altLang="zh-CN" dirty="0">
+                <a:solidFill>
+                  <a:srgbClr val="4472C4">
+                    <a:lumMod val="75000"/>
+                  </a:srgbClr>
+                </a:solidFill>
+              </a:rPr>
+              <a:t> </a:t>
+            </a:r>
+            <a:r>
+              <a:rPr lang="zh-CN" altLang="en-US" dirty="0">
+                <a:solidFill>
+                  <a:srgbClr val="4472C4">
+                    <a:lumMod val="75000"/>
+                  </a:srgbClr>
+                </a:solidFill>
+              </a:rPr>
+              <a:t>双端对比算法</a:t>
+            </a:r>
+            <a:endParaRPr lang="zh-CN" altLang="en-US" dirty="0">
+              <a:solidFill>
+                <a:srgbClr val="4472C4">
+                  <a:lumMod val="75000"/>
+                </a:srgbClr>
+              </a:solidFill>
+            </a:endParaRPr>
+          </a:p>
+          <a:p>
+            <a:pPr marL="457200" indent="-457200" eaLnBrk="1" hangingPunct="1">
+              <a:lnSpc>
+                <a:spcPct val="150000"/>
+              </a:lnSpc>
+              <a:buFont typeface="Arial" panose="020B0604020202020204" pitchFamily="34" charset="0"/>
+              <a:buChar char="•"/>
+            </a:pPr>
+            <a:r>
+              <a:rPr lang="zh-CN" altLang="en-US" dirty="0">
+                <a:solidFill>
+                  <a:srgbClr val="4472C4">
+                    <a:lumMod val="75000"/>
+                  </a:srgbClr>
+                </a:solidFill>
+              </a:rPr>
+              <a:t>感悟</a:t>
+            </a:r>
+            <a:endParaRPr lang="zh-CN" altLang="en-US" dirty="0">
+              <a:solidFill>
+                <a:srgbClr val="4472C4">
+                  <a:lumMod val="75000"/>
+                </a:srgbClr>
+              </a:solidFill>
+            </a:endParaRPr>
+          </a:p>
+          <a:p>
+            <a:pPr marL="457200" indent="-457200" eaLnBrk="1" hangingPunct="1">
+              <a:lnSpc>
+                <a:spcPct val="150000"/>
+              </a:lnSpc>
+              <a:buFont typeface="Arial" panose="020B0604020202020204" pitchFamily="34" charset="0"/>
+              <a:buChar char="•"/>
+            </a:pPr>
+            <a:r>
+              <a:rPr lang="zh-CN" altLang="en-US" dirty="0">
+                <a:solidFill>
+                  <a:srgbClr val="4472C4">
+                    <a:lumMod val="75000"/>
+                  </a:srgbClr>
+                </a:solidFill>
+              </a:rPr>
+              <a:t>慧算账项目中的实际应用</a:t>
+            </a:r>
+            <a:endParaRPr lang="zh-CN" altLang="en-US" dirty="0">
+              <a:solidFill>
+                <a:srgbClr val="4472C4">
+                  <a:lumMod val="75000"/>
+                </a:srgbClr>
+              </a:solidFill>
+            </a:endParaRPr>
+          </a:p>
+          <a:p>
+            <a:pPr marL="457200" indent="-457200" eaLnBrk="1" hangingPunct="1">
+              <a:lnSpc>
+                <a:spcPct val="150000"/>
+              </a:lnSpc>
+              <a:buFont typeface="Arial" panose="020B0604020202020204" pitchFamily="34" charset="0"/>
+              <a:buChar char="•"/>
+            </a:pPr>
+            <a:r>
+              <a:rPr lang="zh-CN" altLang="en-US" dirty="0">
+                <a:solidFill>
+                  <a:srgbClr val="4472C4">
+                    <a:lumMod val="75000"/>
+                  </a:srgbClr>
+                </a:solidFill>
+              </a:rPr>
+              <a:t>参考资料</a:t>
+            </a:r>
+            <a:endParaRPr lang="en-US" altLang="zh-CN" dirty="0">
+              <a:solidFill>
+                <a:srgbClr val="4472C4">
+                  <a:lumMod val="75000"/>
+                </a:srgbClr>
+              </a:solidFill>
+            </a:endParaRPr>
+          </a:p>
+          <a:p>
+            <a:pPr marL="457200" indent="-457200" eaLnBrk="1" hangingPunct="1">
+              <a:lnSpc>
+                <a:spcPct val="150000"/>
+              </a:lnSpc>
+              <a:buFont typeface="Arial" panose="020B0604020202020204" pitchFamily="34" charset="0"/>
+              <a:buChar char="•"/>
+            </a:pPr>
+            <a:endParaRPr dirty="0">
+              <a:solidFill>
+                <a:srgbClr val="4472C4">
+                  <a:lumMod val="75000"/>
+                </a:srgbClr>
+              </a:solidFill>
+            </a:endParaRPr>
+          </a:p>
+        </p:txBody>
+      </p:sp>
+    </p:spTree>
+  </p:cSld>
+  <p:clrMapOvr>
+    <a:masterClrMapping/>
+  </p:clrMapOvr>
+</p:sld>
+</file>
+
+<file path=ppt/slides/slide20.xml><?xml version="1.0" encoding="utf-8"?>
 <p:sld xmlns:a="http://schemas.openxmlformats.org/drawingml/2006/main" xmlns:r="http://schemas.openxmlformats.org/officeDocument/2006/relationships" xmlns:p="http://schemas.openxmlformats.org/presentationml/2006/main">
   <p:cSld>
     <p:spTree>
@@ -17748,1460 +19072,6 @@
 </p:sld>
 </file>
 
-<file path=ppt/slides/slide12.xml><?xml version="1.0" encoding="utf-8"?>
-<p:sld xmlns:a="http://schemas.openxmlformats.org/drawingml/2006/main" xmlns:r="http://schemas.openxmlformats.org/officeDocument/2006/relationships" xmlns:p="http://schemas.openxmlformats.org/presentationml/2006/main">
-  <p:cSld>
-    <p:spTree>
-      <p:nvGrpSpPr>
-        <p:cNvPr id="1" name=""/>
-        <p:cNvGrpSpPr/>
-        <p:nvPr/>
-      </p:nvGrpSpPr>
-      <p:grpSpPr>
-        <a:xfrm>
-          <a:off x="0" y="0"/>
-          <a:ext cx="0" cy="0"/>
-          <a:chOff x="0" y="0"/>
-          <a:chExt cx="0" cy="0"/>
-        </a:xfrm>
-      </p:grpSpPr>
-      <p:sp>
-        <p:nvSpPr>
-          <p:cNvPr id="2" name="标题 1"/>
-          <p:cNvSpPr>
-            <a:spLocks noGrp="1"/>
-          </p:cNvSpPr>
-          <p:nvPr>
-            <p:ph type="title"/>
-          </p:nvPr>
-        </p:nvSpPr>
-        <p:spPr/>
-        <p:txBody>
-          <a:bodyPr/>
-          <a:lstStyle/>
-          <a:p>
-            <a:r>
-              <a:rPr lang="zh-CN" altLang="en-US" dirty="0"/>
-              <a:t>简单实现</a:t>
-            </a:r>
-            <a:r>
-              <a:rPr lang="en-US" altLang="zh-CN" dirty="0"/>
-              <a:t>VUE2</a:t>
-            </a:r>
-            <a:r>
-              <a:rPr lang="zh-CN" altLang="en-US" dirty="0"/>
-              <a:t>的数据劫持</a:t>
-            </a:r>
-            <a:endParaRPr lang="zh-CN" altLang="en-US" dirty="0"/>
-          </a:p>
-        </p:txBody>
-      </p:sp>
-      <p:pic>
-        <p:nvPicPr>
-          <p:cNvPr id="4" name="图片 3"/>
-          <p:cNvPicPr>
-            <a:picLocks noChangeAspect="1"/>
-          </p:cNvPicPr>
-          <p:nvPr/>
-        </p:nvPicPr>
-        <p:blipFill>
-          <a:blip r:embed="rId1"/>
-          <a:stretch>
-            <a:fillRect/>
-          </a:stretch>
-        </p:blipFill>
-        <p:spPr>
-          <a:xfrm>
-            <a:off x="1676400" y="1890395"/>
-            <a:ext cx="8839200" cy="3076575"/>
-          </a:xfrm>
-          <a:prstGeom prst="rect">
-            <a:avLst/>
-          </a:prstGeom>
-        </p:spPr>
-      </p:pic>
-    </p:spTree>
-  </p:cSld>
-  <p:clrMapOvr>
-    <a:masterClrMapping/>
-  </p:clrMapOvr>
-</p:sld>
-</file>
-
-<file path=ppt/slides/slide13.xml><?xml version="1.0" encoding="utf-8"?>
-<p:sld xmlns:a="http://schemas.openxmlformats.org/drawingml/2006/main" xmlns:r="http://schemas.openxmlformats.org/officeDocument/2006/relationships" xmlns:p="http://schemas.openxmlformats.org/presentationml/2006/main">
-  <p:cSld>
-    <p:spTree>
-      <p:nvGrpSpPr>
-        <p:cNvPr id="1" name=""/>
-        <p:cNvGrpSpPr/>
-        <p:nvPr/>
-      </p:nvGrpSpPr>
-      <p:grpSpPr>
-        <a:xfrm>
-          <a:off x="0" y="0"/>
-          <a:ext cx="0" cy="0"/>
-          <a:chOff x="0" y="0"/>
-          <a:chExt cx="0" cy="0"/>
-        </a:xfrm>
-      </p:grpSpPr>
-      <p:sp>
-        <p:nvSpPr>
-          <p:cNvPr id="2" name="标题 1"/>
-          <p:cNvSpPr>
-            <a:spLocks noGrp="1"/>
-          </p:cNvSpPr>
-          <p:nvPr>
-            <p:ph type="title"/>
-          </p:nvPr>
-        </p:nvSpPr>
-        <p:spPr/>
-        <p:txBody>
-          <a:bodyPr/>
-          <a:lstStyle/>
-          <a:p>
-            <a:r>
-              <a:rPr lang="zh-CN" altLang="en-US" dirty="0"/>
-              <a:t>简单实现</a:t>
-            </a:r>
-            <a:r>
-              <a:rPr lang="en-US" altLang="zh-CN" dirty="0"/>
-              <a:t>VUE2</a:t>
-            </a:r>
-            <a:r>
-              <a:rPr lang="zh-CN" altLang="en-US" dirty="0"/>
-              <a:t>的数据劫持</a:t>
-            </a:r>
-            <a:endParaRPr lang="zh-CN" altLang="en-US" dirty="0"/>
-          </a:p>
-        </p:txBody>
-      </p:sp>
-      <p:pic>
-        <p:nvPicPr>
-          <p:cNvPr id="3" name="图片 2"/>
-          <p:cNvPicPr>
-            <a:picLocks noChangeAspect="1"/>
-          </p:cNvPicPr>
-          <p:nvPr/>
-        </p:nvPicPr>
-        <p:blipFill>
-          <a:blip r:embed="rId1"/>
-          <a:stretch>
-            <a:fillRect/>
-          </a:stretch>
-        </p:blipFill>
-        <p:spPr>
-          <a:xfrm>
-            <a:off x="2365375" y="1518285"/>
-            <a:ext cx="7461885" cy="4509135"/>
-          </a:xfrm>
-          <a:prstGeom prst="rect">
-            <a:avLst/>
-          </a:prstGeom>
-        </p:spPr>
-      </p:pic>
-    </p:spTree>
-  </p:cSld>
-  <p:clrMapOvr>
-    <a:masterClrMapping/>
-  </p:clrMapOvr>
-</p:sld>
-</file>
-
-<file path=ppt/slides/slide14.xml><?xml version="1.0" encoding="utf-8"?>
-<p:sld xmlns:a="http://schemas.openxmlformats.org/drawingml/2006/main" xmlns:r="http://schemas.openxmlformats.org/officeDocument/2006/relationships" xmlns:p="http://schemas.openxmlformats.org/presentationml/2006/main">
-  <p:cSld>
-    <p:spTree>
-      <p:nvGrpSpPr>
-        <p:cNvPr id="1" name=""/>
-        <p:cNvGrpSpPr/>
-        <p:nvPr/>
-      </p:nvGrpSpPr>
-      <p:grpSpPr/>
-      <p:sp>
-        <p:nvSpPr>
-          <p:cNvPr id="2" name="标题 1"/>
-          <p:cNvSpPr>
-            <a:spLocks noGrp="1"/>
-          </p:cNvSpPr>
-          <p:nvPr>
-            <p:ph type="title"/>
-          </p:nvPr>
-        </p:nvSpPr>
-        <p:spPr/>
-        <p:txBody>
-          <a:bodyPr/>
-          <a:p>
-            <a:r>
-              <a:rPr lang="zh-CN" altLang="en-US" dirty="0">
-                <a:solidFill>
-                  <a:srgbClr val="4472C4">
-                    <a:lumMod val="75000"/>
-                  </a:srgbClr>
-                </a:solidFill>
-                <a:sym typeface="+mn-ea"/>
-              </a:rPr>
-              <a:t>Proxy</a:t>
-            </a:r>
-            <a:r>
-              <a:rPr lang="en-US" altLang="zh-CN" dirty="0">
-                <a:solidFill>
-                  <a:srgbClr val="4472C4">
-                    <a:lumMod val="75000"/>
-                  </a:srgbClr>
-                </a:solidFill>
-                <a:sym typeface="+mn-ea"/>
-              </a:rPr>
-              <a:t> </a:t>
-            </a:r>
-            <a:r>
-              <a:rPr lang="zh-CN" altLang="en-US" dirty="0">
-                <a:solidFill>
-                  <a:srgbClr val="4472C4">
-                    <a:lumMod val="75000"/>
-                  </a:srgbClr>
-                </a:solidFill>
-                <a:sym typeface="+mn-ea"/>
-              </a:rPr>
-              <a:t>介绍</a:t>
-            </a:r>
-            <a:endParaRPr lang="zh-CN" altLang="en-US"/>
-          </a:p>
-        </p:txBody>
-      </p:sp>
-      <p:sp>
-        <p:nvSpPr>
-          <p:cNvPr id="3" name="内容占位符 2"/>
-          <p:cNvSpPr>
-            <a:spLocks noGrp="1"/>
-          </p:cNvSpPr>
-          <p:nvPr>
-            <p:ph sz="half" idx="1"/>
-          </p:nvPr>
-        </p:nvSpPr>
-        <p:spPr>
-          <a:xfrm>
-            <a:off x="1691235" y="1663784"/>
-            <a:ext cx="8828410" cy="1732915"/>
-          </a:xfrm>
-        </p:spPr>
-        <p:txBody>
-          <a:bodyPr/>
-          <a:p>
-            <a:r>
-              <a:rPr lang="zh-CN" altLang="en-US"/>
-              <a:t>Proxy概述</a:t>
-            </a:r>
-            <a:endParaRPr lang="zh-CN" altLang="en-US"/>
-          </a:p>
-          <a:p>
-            <a:r>
-              <a:rPr lang="zh-CN" altLang="en-US"/>
-              <a:t>Proxy简介</a:t>
-            </a:r>
-            <a:endParaRPr lang="zh-CN" altLang="en-US"/>
-          </a:p>
-          <a:p>
-            <a:r>
-              <a:rPr lang="zh-CN" altLang="en-US"/>
-              <a:t>Proxy的处理函数</a:t>
-            </a:r>
-            <a:endParaRPr lang="zh-CN" altLang="en-US"/>
-          </a:p>
-        </p:txBody>
-      </p:sp>
-    </p:spTree>
-  </p:cSld>
-  <p:clrMapOvr>
-    <a:masterClrMapping/>
-  </p:clrMapOvr>
-</p:sld>
-</file>
-
-<file path=ppt/slides/slide15.xml><?xml version="1.0" encoding="utf-8"?>
-<p:sld xmlns:a="http://schemas.openxmlformats.org/drawingml/2006/main" xmlns:r="http://schemas.openxmlformats.org/officeDocument/2006/relationships" xmlns:p="http://schemas.openxmlformats.org/presentationml/2006/main">
-  <p:cSld>
-    <p:spTree>
-      <p:nvGrpSpPr>
-        <p:cNvPr id="1" name=""/>
-        <p:cNvGrpSpPr/>
-        <p:nvPr/>
-      </p:nvGrpSpPr>
-      <p:grpSpPr>
-        <a:xfrm>
-          <a:off x="0" y="0"/>
-          <a:ext cx="0" cy="0"/>
-          <a:chOff x="0" y="0"/>
-          <a:chExt cx="0" cy="0"/>
-        </a:xfrm>
-      </p:grpSpPr>
-      <p:sp>
-        <p:nvSpPr>
-          <p:cNvPr id="2" name="标题 1"/>
-          <p:cNvSpPr>
-            <a:spLocks noGrp="1"/>
-          </p:cNvSpPr>
-          <p:nvPr>
-            <p:ph type="title"/>
-          </p:nvPr>
-        </p:nvSpPr>
-        <p:spPr/>
-        <p:txBody>
-          <a:bodyPr/>
-          <a:lstStyle/>
-          <a:p>
-            <a:r>
-              <a:rPr lang="en-US" altLang="zh-CN" dirty="0">
-                <a:solidFill>
-                  <a:srgbClr val="2E75B6"/>
-                </a:solidFill>
-                <a:sym typeface="+mn-ea"/>
-              </a:rPr>
-              <a:t>Proxy概述</a:t>
-            </a:r>
-            <a:br>
-              <a:rPr lang="en-US" altLang="zh-CN" dirty="0">
-                <a:solidFill>
-                  <a:srgbClr val="2E75B6"/>
-                </a:solidFill>
-                <a:sym typeface="+mn-ea"/>
-              </a:rPr>
-            </a:br>
-            <a:br>
-              <a:rPr lang="en-US" altLang="zh-CN" dirty="0">
-                <a:solidFill>
-                  <a:srgbClr val="2E75B6"/>
-                </a:solidFill>
-                <a:sym typeface="+mn-ea"/>
-              </a:rPr>
-            </a:br>
-            <a:endParaRPr lang="zh-CN" altLang="en-US" dirty="0"/>
-          </a:p>
-        </p:txBody>
-      </p:sp>
-      <p:sp>
-        <p:nvSpPr>
-          <p:cNvPr id="3" name="内容占位符 2"/>
-          <p:cNvSpPr>
-            <a:spLocks noGrp="1"/>
-          </p:cNvSpPr>
-          <p:nvPr>
-            <p:ph sz="half" idx="1"/>
-          </p:nvPr>
-        </p:nvSpPr>
-        <p:spPr>
-          <a:xfrm>
-            <a:off x="1691235" y="1663784"/>
-            <a:ext cx="8828410" cy="3579495"/>
-          </a:xfrm>
-        </p:spPr>
-        <p:txBody>
-          <a:bodyPr/>
-          <a:lstStyle/>
-          <a:p>
-            <a:r>
-              <a:rPr lang="zh-CN" altLang="en-US" dirty="0"/>
-              <a:t>Proxy 用于修改某些操作的默认行为，等同于在语言层面做出修改，所以属于一种“元编程”（meta programming），即对编程语言进行编程。</a:t>
-            </a:r>
-            <a:endParaRPr lang="zh-CN" altLang="en-US" dirty="0"/>
-          </a:p>
-          <a:p>
-            <a:endParaRPr lang="zh-CN" altLang="en-US" dirty="0"/>
-          </a:p>
-          <a:p>
-            <a:r>
-              <a:rPr lang="zh-CN" altLang="en-US" dirty="0"/>
-              <a:t>Proxy 可以理解成，在目标对象之前架设一层“拦截”，外界对该对象的访问，都必须先通过这层拦截，因此提供了一种机制，可以对外界的访问进行过滤和改写。Proxy 这个词的原意是代理，用在这里表示由它来“代理”某些操作，可以译为“代理器”。</a:t>
-            </a:r>
-            <a:endParaRPr lang="zh-CN" altLang="en-US" dirty="0"/>
-          </a:p>
-        </p:txBody>
-      </p:sp>
-    </p:spTree>
-  </p:cSld>
-  <p:clrMapOvr>
-    <a:masterClrMapping/>
-  </p:clrMapOvr>
-</p:sld>
-</file>
-
-<file path=ppt/slides/slide16.xml><?xml version="1.0" encoding="utf-8"?>
-<p:sld xmlns:a="http://schemas.openxmlformats.org/drawingml/2006/main" xmlns:r="http://schemas.openxmlformats.org/officeDocument/2006/relationships" xmlns:p="http://schemas.openxmlformats.org/presentationml/2006/main">
-  <p:cSld>
-    <p:spTree>
-      <p:nvGrpSpPr>
-        <p:cNvPr id="1" name=""/>
-        <p:cNvGrpSpPr/>
-        <p:nvPr/>
-      </p:nvGrpSpPr>
-      <p:grpSpPr/>
-      <p:sp>
-        <p:nvSpPr>
-          <p:cNvPr id="2" name="标题 1"/>
-          <p:cNvSpPr>
-            <a:spLocks noGrp="1"/>
-          </p:cNvSpPr>
-          <p:nvPr>
-            <p:ph type="title"/>
-          </p:nvPr>
-        </p:nvSpPr>
-        <p:spPr/>
-        <p:txBody>
-          <a:bodyPr/>
-          <a:p>
-            <a:r>
-              <a:rPr dirty="0">
-                <a:solidFill>
-                  <a:srgbClr val="2E75B6"/>
-                </a:solidFill>
-                <a:sym typeface="+mn-ea"/>
-              </a:rPr>
-              <a:t>Proxy</a:t>
-            </a:r>
-            <a:r>
-              <a:rPr lang="zh-CN" altLang="en-US">
-                <a:sym typeface="+mn-ea"/>
-              </a:rPr>
-              <a:t>简介</a:t>
-            </a:r>
-            <a:br>
-              <a:rPr lang="zh-CN" altLang="en-US"/>
-            </a:br>
-            <a:br>
-              <a:rPr dirty="0">
-                <a:solidFill>
-                  <a:srgbClr val="2E75B6"/>
-                </a:solidFill>
-                <a:sym typeface="+mn-ea"/>
-              </a:rPr>
-            </a:br>
-            <a:endParaRPr dirty="0">
-              <a:solidFill>
-                <a:srgbClr val="2E75B6"/>
-              </a:solidFill>
-              <a:sym typeface="+mn-ea"/>
-            </a:endParaRPr>
-          </a:p>
-        </p:txBody>
-      </p:sp>
-      <p:sp>
-        <p:nvSpPr>
-          <p:cNvPr id="3" name="内容占位符 2"/>
-          <p:cNvSpPr>
-            <a:spLocks noGrp="1"/>
-          </p:cNvSpPr>
-          <p:nvPr>
-            <p:ph sz="half" idx="1"/>
-          </p:nvPr>
-        </p:nvSpPr>
-        <p:spPr>
-          <a:xfrm>
-            <a:off x="1681710" y="1501224"/>
-            <a:ext cx="8828410" cy="4397375"/>
-          </a:xfrm>
-        </p:spPr>
-        <p:txBody>
-          <a:bodyPr/>
-          <a:p>
-            <a:r>
-              <a:rPr lang="zh-CN" altLang="en-US"/>
-              <a:t>语法</a:t>
-            </a:r>
-            <a:endParaRPr lang="zh-CN" altLang="en-US"/>
-          </a:p>
-          <a:p>
-            <a:pPr lvl="1"/>
-            <a:r>
-              <a:rPr lang="zh-CN" altLang="en-US"/>
-              <a:t>new Proxy(target, handler)</a:t>
-            </a:r>
-            <a:endParaRPr lang="zh-CN" altLang="en-US"/>
-          </a:p>
-          <a:p>
-            <a:pPr lvl="0"/>
-            <a:r>
-              <a:rPr lang="zh-CN" altLang="en-US"/>
-              <a:t>参数</a:t>
-            </a:r>
-            <a:endParaRPr lang="zh-CN" altLang="en-US"/>
-          </a:p>
-          <a:p>
-            <a:pPr lvl="1"/>
-            <a:r>
-              <a:rPr lang="zh-CN" altLang="en-US"/>
-              <a:t>target   Proxy 会对 target 对象进行包装。它可以是任何类型的对象，包括内置的数组，函数甚至是另一个代理对象。</a:t>
-            </a:r>
-            <a:endParaRPr lang="zh-CN" altLang="en-US"/>
-          </a:p>
-          <a:p>
-            <a:pPr lvl="1"/>
-            <a:r>
-              <a:rPr lang="zh-CN" altLang="en-US"/>
-              <a:t>handler 它是一个对象，它的属性提供了某些操作发生时所对应的处理函数。</a:t>
-            </a:r>
-            <a:endParaRPr lang="zh-CN" altLang="en-US"/>
-          </a:p>
-          <a:p>
-            <a:pPr lvl="0"/>
-            <a:r>
-              <a:rPr lang="zh-CN" altLang="en-US"/>
-              <a:t>描述</a:t>
-            </a:r>
-            <a:endParaRPr lang="zh-CN" altLang="en-US"/>
-          </a:p>
-          <a:p>
-            <a:pPr lvl="1"/>
-            <a:r>
-              <a:rPr lang="zh-CN" altLang="en-US"/>
-              <a:t>我们可以使用 Proxy() 构造器来创建一个新的 Proxy 对象。 构造器接收两个主要参数：</a:t>
-            </a:r>
-            <a:endParaRPr lang="zh-CN" altLang="en-US"/>
-          </a:p>
-          <a:p>
-            <a:pPr lvl="1"/>
-            <a:r>
-              <a:rPr lang="zh-CN" altLang="en-US"/>
-              <a:t>target 被代理的对象</a:t>
-            </a:r>
-            <a:endParaRPr lang="zh-CN" altLang="en-US"/>
-          </a:p>
-          <a:p>
-            <a:pPr lvl="1"/>
-            <a:r>
-              <a:rPr lang="zh-CN" altLang="en-US"/>
-              <a:t>handler 被代理对象上的自定义行为</a:t>
-            </a:r>
-            <a:endParaRPr lang="zh-CN" altLang="en-US"/>
-          </a:p>
-          <a:p>
-            <a:pPr lvl="1"/>
-            <a:r>
-              <a:rPr lang="zh-CN" altLang="en-US"/>
-              <a:t>一个空的 handler 参数将会创建一个与被代理对象行为几乎完全相同的代理对象。通过在 handler 对象上定义一组处理函数，你可以自定义被代理对象的一些特定行为。</a:t>
-            </a:r>
-            <a:endParaRPr lang="zh-CN" altLang="en-US"/>
-          </a:p>
-        </p:txBody>
-      </p:sp>
-    </p:spTree>
-  </p:cSld>
-  <p:clrMapOvr>
-    <a:masterClrMapping/>
-  </p:clrMapOvr>
-</p:sld>
-</file>
-
-<file path=ppt/slides/slide17.xml><?xml version="1.0" encoding="utf-8"?>
-<p:sld xmlns:a="http://schemas.openxmlformats.org/drawingml/2006/main" xmlns:r="http://schemas.openxmlformats.org/officeDocument/2006/relationships" xmlns:p="http://schemas.openxmlformats.org/presentationml/2006/main">
-  <p:cSld>
-    <p:spTree>
-      <p:nvGrpSpPr>
-        <p:cNvPr id="1" name=""/>
-        <p:cNvGrpSpPr/>
-        <p:nvPr/>
-      </p:nvGrpSpPr>
-      <p:grpSpPr/>
-      <p:sp>
-        <p:nvSpPr>
-          <p:cNvPr id="2" name="标题 1"/>
-          <p:cNvSpPr>
-            <a:spLocks noGrp="1"/>
-          </p:cNvSpPr>
-          <p:nvPr>
-            <p:ph type="title"/>
-          </p:nvPr>
-        </p:nvSpPr>
-        <p:spPr/>
-        <p:txBody>
-          <a:bodyPr/>
-          <a:p>
-            <a:r>
-              <a:rPr lang="en-US" altLang="zh-CN" dirty="0">
-                <a:solidFill>
-                  <a:srgbClr val="2E75B6"/>
-                </a:solidFill>
-                <a:sym typeface="+mn-ea"/>
-              </a:rPr>
-              <a:t>Proxy</a:t>
-            </a:r>
-            <a:r>
-              <a:rPr lang="zh-CN" altLang="en-US" dirty="0">
-                <a:solidFill>
-                  <a:srgbClr val="2E75B6"/>
-                </a:solidFill>
-                <a:sym typeface="+mn-ea"/>
-              </a:rPr>
-              <a:t>的处理函数</a:t>
-            </a:r>
-            <a:br>
-              <a:rPr lang="zh-CN" altLang="en-US" dirty="0">
-                <a:solidFill>
-                  <a:srgbClr val="2E75B6"/>
-                </a:solidFill>
-                <a:sym typeface="+mn-ea"/>
-              </a:rPr>
-            </a:br>
-            <a:endParaRPr lang="zh-CN" altLang="en-US"/>
-          </a:p>
-        </p:txBody>
-      </p:sp>
-      <p:sp>
-        <p:nvSpPr>
-          <p:cNvPr id="3" name="内容占位符 2"/>
-          <p:cNvSpPr>
-            <a:spLocks noGrp="1"/>
-          </p:cNvSpPr>
-          <p:nvPr>
-            <p:ph sz="half" idx="1"/>
-          </p:nvPr>
-        </p:nvSpPr>
-        <p:spPr>
-          <a:xfrm>
-            <a:off x="1691235" y="1663784"/>
-            <a:ext cx="8828410" cy="4399915"/>
-          </a:xfrm>
-        </p:spPr>
-        <p:txBody>
-          <a:bodyPr/>
-          <a:p>
-            <a:r>
-              <a:rPr lang="zh-CN" altLang="en-US" sz="2000">
-                <a:sym typeface="+mn-ea"/>
-              </a:rPr>
-              <a:t>handler.apply() </a:t>
-            </a:r>
-            <a:endParaRPr lang="zh-CN" altLang="en-US" sz="2000"/>
-          </a:p>
-          <a:p>
-            <a:pPr lvl="1"/>
-            <a:r>
-              <a:rPr lang="zh-CN" altLang="en-US" sz="2000">
-                <a:sym typeface="+mn-ea"/>
-              </a:rPr>
-              <a:t>函数调用劫持。</a:t>
-            </a:r>
-            <a:endParaRPr lang="zh-CN" altLang="en-US" sz="2000"/>
-          </a:p>
-          <a:p>
-            <a:r>
-              <a:rPr lang="zh-CN" altLang="en-US" sz="2000">
-                <a:sym typeface="+mn-ea"/>
-              </a:rPr>
-              <a:t>handler.construct()</a:t>
-            </a:r>
-            <a:endParaRPr lang="zh-CN" altLang="en-US" sz="2000"/>
-          </a:p>
-          <a:p>
-            <a:pPr lvl="1"/>
-            <a:r>
-              <a:rPr lang="zh-CN" altLang="en-US" sz="2000">
-                <a:sym typeface="+mn-ea"/>
-              </a:rPr>
-              <a:t>new 操作符劫持</a:t>
-            </a:r>
-            <a:endParaRPr lang="zh-CN" altLang="en-US" sz="2000"/>
-          </a:p>
-          <a:p>
-            <a:r>
-              <a:rPr lang="zh-CN" altLang="en-US" sz="2000">
-                <a:sym typeface="+mn-ea"/>
-              </a:rPr>
-              <a:t>handler.defineProperty()</a:t>
-            </a:r>
-            <a:endParaRPr lang="zh-CN" altLang="en-US" sz="2000"/>
-          </a:p>
-          <a:p>
-            <a:pPr lvl="1"/>
-            <a:r>
-              <a:rPr lang="zh-CN" altLang="en-US" sz="2000">
-                <a:sym typeface="+mn-ea"/>
-              </a:rPr>
-              <a:t>Object.defineProperty调用劫持。</a:t>
-            </a:r>
-            <a:endParaRPr lang="zh-CN" altLang="en-US" sz="2000"/>
-          </a:p>
-          <a:p>
-            <a:r>
-              <a:rPr lang="zh-CN" altLang="en-US" sz="2000">
-                <a:sym typeface="+mn-ea"/>
-              </a:rPr>
-              <a:t>handler.deleteProperty()</a:t>
-            </a:r>
-            <a:endParaRPr lang="zh-CN" altLang="en-US" sz="2000"/>
-          </a:p>
-          <a:p>
-            <a:pPr lvl="1"/>
-            <a:r>
-              <a:rPr lang="zh-CN" altLang="en-US" sz="2000">
-                <a:sym typeface="+mn-ea"/>
-              </a:rPr>
-              <a:t>delete 操作符劫持。</a:t>
-            </a:r>
-            <a:endParaRPr lang="zh-CN" altLang="en-US" sz="2000"/>
-          </a:p>
-          <a:p>
-            <a:endParaRPr lang="zh-CN" altLang="en-US"/>
-          </a:p>
-        </p:txBody>
-      </p:sp>
-    </p:spTree>
-  </p:cSld>
-  <p:clrMapOvr>
-    <a:masterClrMapping/>
-  </p:clrMapOvr>
-</p:sld>
-</file>
-
-<file path=ppt/slides/slide18.xml><?xml version="1.0" encoding="utf-8"?>
-<p:sld xmlns:a="http://schemas.openxmlformats.org/drawingml/2006/main" xmlns:r="http://schemas.openxmlformats.org/officeDocument/2006/relationships" xmlns:p="http://schemas.openxmlformats.org/presentationml/2006/main">
-  <p:cSld>
-    <p:spTree>
-      <p:nvGrpSpPr>
-        <p:cNvPr id="1" name=""/>
-        <p:cNvGrpSpPr/>
-        <p:nvPr/>
-      </p:nvGrpSpPr>
-      <p:grpSpPr/>
-      <p:sp>
-        <p:nvSpPr>
-          <p:cNvPr id="2" name="标题 1"/>
-          <p:cNvSpPr>
-            <a:spLocks noGrp="1"/>
-          </p:cNvSpPr>
-          <p:nvPr>
-            <p:ph type="title"/>
-          </p:nvPr>
-        </p:nvSpPr>
-        <p:spPr/>
-        <p:txBody>
-          <a:bodyPr/>
-          <a:p>
-            <a:r>
-              <a:rPr lang="en-US" altLang="zh-CN" dirty="0">
-                <a:solidFill>
-                  <a:srgbClr val="2E75B6"/>
-                </a:solidFill>
-                <a:sym typeface="+mn-ea"/>
-              </a:rPr>
-              <a:t>Proxy</a:t>
-            </a:r>
-            <a:r>
-              <a:rPr lang="zh-CN" altLang="en-US" dirty="0">
-                <a:solidFill>
-                  <a:srgbClr val="2E75B6"/>
-                </a:solidFill>
-                <a:sym typeface="+mn-ea"/>
-              </a:rPr>
-              <a:t>的处理函数</a:t>
-            </a:r>
-            <a:endParaRPr lang="zh-CN" altLang="en-US" dirty="0">
-              <a:solidFill>
-                <a:srgbClr val="2E75B6"/>
-              </a:solidFill>
-              <a:sym typeface="+mn-ea"/>
-            </a:endParaRPr>
-          </a:p>
-        </p:txBody>
-      </p:sp>
-      <p:sp>
-        <p:nvSpPr>
-          <p:cNvPr id="3" name="内容占位符 2"/>
-          <p:cNvSpPr>
-            <a:spLocks noGrp="1"/>
-          </p:cNvSpPr>
-          <p:nvPr>
-            <p:ph sz="half" idx="1"/>
-          </p:nvPr>
-        </p:nvSpPr>
-        <p:spPr>
-          <a:xfrm>
-            <a:off x="1691235" y="1663784"/>
-            <a:ext cx="8828410" cy="3564255"/>
-          </a:xfrm>
-        </p:spPr>
-        <p:txBody>
-          <a:bodyPr/>
-          <a:p>
-            <a:r>
-              <a:rPr lang="zh-CN" altLang="en-US"/>
-              <a:t>handler.get()</a:t>
-            </a:r>
-            <a:endParaRPr lang="zh-CN" altLang="en-US"/>
-          </a:p>
-          <a:p>
-            <a:pPr lvl="1"/>
-            <a:r>
-              <a:rPr lang="zh-CN" altLang="en-US"/>
-              <a:t>获取属性值劫持。</a:t>
-            </a:r>
-            <a:endParaRPr lang="zh-CN" altLang="en-US"/>
-          </a:p>
-          <a:p>
-            <a:r>
-              <a:rPr lang="zh-CN" altLang="en-US"/>
-              <a:t>handler.getOwnPropertyDescriptor()</a:t>
-            </a:r>
-            <a:endParaRPr lang="zh-CN" altLang="en-US"/>
-          </a:p>
-          <a:p>
-            <a:pPr lvl="1"/>
-            <a:r>
-              <a:rPr lang="zh-CN" altLang="en-US"/>
-              <a:t>Object.getOwnPropertyDescriptor 调用劫持。</a:t>
-            </a:r>
-            <a:endParaRPr lang="zh-CN" altLang="en-US"/>
-          </a:p>
-          <a:p>
-            <a:r>
-              <a:rPr lang="zh-CN" altLang="en-US"/>
-              <a:t>handler.getPrototypeOf()</a:t>
-            </a:r>
-            <a:endParaRPr lang="zh-CN" altLang="en-US"/>
-          </a:p>
-          <a:p>
-            <a:pPr lvl="1"/>
-            <a:r>
-              <a:rPr lang="zh-CN" altLang="en-US"/>
-              <a:t>Object.getPrototypeOf调用劫持。</a:t>
-            </a:r>
-            <a:endParaRPr lang="zh-CN" altLang="en-US"/>
-          </a:p>
-          <a:p>
-            <a:r>
-              <a:rPr lang="zh-CN" altLang="en-US"/>
-              <a:t>handler.has()</a:t>
-            </a:r>
-            <a:endParaRPr lang="zh-CN" altLang="en-US"/>
-          </a:p>
-          <a:p>
-            <a:pPr lvl="1"/>
-            <a:r>
-              <a:rPr lang="zh-CN" altLang="en-US"/>
-              <a:t>in 操作符劫持。</a:t>
-            </a:r>
-            <a:endParaRPr lang="zh-CN" altLang="en-US"/>
-          </a:p>
-        </p:txBody>
-      </p:sp>
-    </p:spTree>
-  </p:cSld>
-  <p:clrMapOvr>
-    <a:masterClrMapping/>
-  </p:clrMapOvr>
-</p:sld>
-</file>
-
-<file path=ppt/slides/slide19.xml><?xml version="1.0" encoding="utf-8"?>
-<p:sld xmlns:a="http://schemas.openxmlformats.org/drawingml/2006/main" xmlns:r="http://schemas.openxmlformats.org/officeDocument/2006/relationships" xmlns:p="http://schemas.openxmlformats.org/presentationml/2006/main">
-  <p:cSld>
-    <p:spTree>
-      <p:nvGrpSpPr>
-        <p:cNvPr id="1" name=""/>
-        <p:cNvGrpSpPr/>
-        <p:nvPr/>
-      </p:nvGrpSpPr>
-      <p:grpSpPr/>
-      <p:sp>
-        <p:nvSpPr>
-          <p:cNvPr id="2" name="标题 1"/>
-          <p:cNvSpPr>
-            <a:spLocks noGrp="1"/>
-          </p:cNvSpPr>
-          <p:nvPr>
-            <p:ph type="title"/>
-          </p:nvPr>
-        </p:nvSpPr>
-        <p:spPr/>
-        <p:txBody>
-          <a:bodyPr/>
-          <a:p>
-            <a:r>
-              <a:rPr lang="en-US" altLang="zh-CN" dirty="0">
-                <a:solidFill>
-                  <a:srgbClr val="2E75B6"/>
-                </a:solidFill>
-                <a:sym typeface="+mn-ea"/>
-              </a:rPr>
-              <a:t>Proxy</a:t>
-            </a:r>
-            <a:r>
-              <a:rPr lang="zh-CN" altLang="en-US" dirty="0">
-                <a:solidFill>
-                  <a:srgbClr val="2E75B6"/>
-                </a:solidFill>
-                <a:sym typeface="+mn-ea"/>
-              </a:rPr>
-              <a:t>的处理函数</a:t>
-            </a:r>
-            <a:br>
-              <a:rPr lang="zh-CN" altLang="en-US" dirty="0">
-                <a:solidFill>
-                  <a:srgbClr val="2E75B6"/>
-                </a:solidFill>
-                <a:sym typeface="+mn-ea"/>
-              </a:rPr>
-            </a:br>
-            <a:endParaRPr lang="zh-CN" altLang="en-US"/>
-          </a:p>
-        </p:txBody>
-      </p:sp>
-      <p:sp>
-        <p:nvSpPr>
-          <p:cNvPr id="3" name="内容占位符 2"/>
-          <p:cNvSpPr>
-            <a:spLocks noGrp="1"/>
-          </p:cNvSpPr>
-          <p:nvPr>
-            <p:ph sz="half" idx="1"/>
-          </p:nvPr>
-        </p:nvSpPr>
-        <p:spPr>
-          <a:xfrm>
-            <a:off x="1679170" y="1465029"/>
-            <a:ext cx="8828410" cy="4464050"/>
-          </a:xfrm>
-        </p:spPr>
-        <p:txBody>
-          <a:bodyPr wrap="square"/>
-          <a:p>
-            <a:r>
-              <a:rPr lang="zh-CN" altLang="en-US">
-                <a:sym typeface="+mn-ea"/>
-              </a:rPr>
-              <a:t>handler.isExtensible()</a:t>
-            </a:r>
-            <a:endParaRPr lang="zh-CN" altLang="en-US"/>
-          </a:p>
-          <a:p>
-            <a:pPr lvl="1"/>
-            <a:r>
-              <a:rPr lang="zh-CN" altLang="en-US">
-                <a:sym typeface="+mn-ea"/>
-              </a:rPr>
-              <a:t> Object.isExtensible调用劫持。</a:t>
-            </a:r>
-            <a:endParaRPr lang="zh-CN" altLang="en-US"/>
-          </a:p>
-          <a:p>
-            <a:r>
-              <a:rPr lang="zh-CN" altLang="en-US">
-                <a:sym typeface="+mn-ea"/>
-              </a:rPr>
-              <a:t>handler.ownKeys()</a:t>
-            </a:r>
-            <a:endParaRPr lang="zh-CN" altLang="en-US"/>
-          </a:p>
-          <a:p>
-            <a:pPr lvl="1"/>
-            <a:r>
-              <a:rPr lang="zh-CN" altLang="en-US">
-                <a:sym typeface="+mn-ea"/>
-              </a:rPr>
-              <a:t>Object.getOwnPropertyNames 和Object.getOwnPropertySymbols调用劫持。</a:t>
-            </a:r>
-            <a:endParaRPr lang="zh-CN" altLang="en-US"/>
-          </a:p>
-          <a:p>
-            <a:r>
-              <a:rPr lang="zh-CN" altLang="en-US">
-                <a:sym typeface="+mn-ea"/>
-              </a:rPr>
-              <a:t>handler.preventExtensions()</a:t>
-            </a:r>
-            <a:endParaRPr lang="zh-CN" altLang="en-US"/>
-          </a:p>
-          <a:p>
-            <a:pPr lvl="1"/>
-            <a:r>
-              <a:rPr lang="zh-CN" altLang="en-US">
-                <a:sym typeface="+mn-ea"/>
-              </a:rPr>
-              <a:t>Object.preventExtensions调用劫持。</a:t>
-            </a:r>
-            <a:endParaRPr lang="zh-CN" altLang="en-US"/>
-          </a:p>
-          <a:p>
-            <a:r>
-              <a:rPr lang="zh-CN" altLang="en-US">
-                <a:sym typeface="+mn-ea"/>
-              </a:rPr>
-              <a:t>handler.set()</a:t>
-            </a:r>
-            <a:endParaRPr lang="zh-CN" altLang="en-US"/>
-          </a:p>
-          <a:p>
-            <a:pPr lvl="1"/>
-            <a:r>
-              <a:rPr lang="zh-CN" altLang="en-US">
-                <a:sym typeface="+mn-ea"/>
-              </a:rPr>
-              <a:t>设置属性值劫持。</a:t>
-            </a:r>
-            <a:endParaRPr lang="zh-CN" altLang="en-US"/>
-          </a:p>
-          <a:p>
-            <a:r>
-              <a:rPr lang="zh-CN" altLang="en-US">
-                <a:sym typeface="+mn-ea"/>
-              </a:rPr>
-              <a:t>handler.setPrototypeOf()</a:t>
-            </a:r>
-            <a:endParaRPr lang="zh-CN" altLang="en-US"/>
-          </a:p>
-          <a:p>
-            <a:pPr lvl="1"/>
-            <a:r>
-              <a:rPr lang="zh-CN" altLang="en-US">
-                <a:sym typeface="+mn-ea"/>
-              </a:rPr>
-              <a:t>Object.setPrototypeOf调用劫持。</a:t>
-            </a:r>
-            <a:endParaRPr lang="zh-CN" altLang="en-US"/>
-          </a:p>
-        </p:txBody>
-      </p:sp>
-    </p:spTree>
-  </p:cSld>
-  <p:clrMapOvr>
-    <a:masterClrMapping/>
-  </p:clrMapOvr>
-</p:sld>
-</file>
-
-<file path=ppt/slides/slide2.xml><?xml version="1.0" encoding="utf-8"?>
-<p:sld xmlns:a="http://schemas.openxmlformats.org/drawingml/2006/main" xmlns:r="http://schemas.openxmlformats.org/officeDocument/2006/relationships" xmlns:p="http://schemas.openxmlformats.org/presentationml/2006/main">
-  <p:cSld>
-    <p:spTree>
-      <p:nvGrpSpPr>
-        <p:cNvPr id="1" name=""/>
-        <p:cNvGrpSpPr/>
-        <p:nvPr/>
-      </p:nvGrpSpPr>
-      <p:grpSpPr>
-        <a:xfrm>
-          <a:off x="0" y="0"/>
-          <a:ext cx="0" cy="0"/>
-          <a:chOff x="0" y="0"/>
-          <a:chExt cx="0" cy="0"/>
-        </a:xfrm>
-      </p:grpSpPr>
-      <p:sp>
-        <p:nvSpPr>
-          <p:cNvPr id="2" name="内容占位符 1"/>
-          <p:cNvSpPr>
-            <a:spLocks noGrp="1"/>
-          </p:cNvSpPr>
-          <p:nvPr>
-            <p:ph sz="half" idx="1"/>
-          </p:nvPr>
-        </p:nvSpPr>
-        <p:spPr>
-          <a:xfrm>
-            <a:off x="4224154" y="599485"/>
-            <a:ext cx="7701145" cy="5560015"/>
-          </a:xfrm>
-        </p:spPr>
-        <p:txBody>
-          <a:bodyPr/>
-          <a:lstStyle/>
-          <a:p>
-            <a:pPr marL="457200" lvl="0" indent="-457200" eaLnBrk="1" hangingPunct="1">
-              <a:lnSpc>
-                <a:spcPct val="150000"/>
-              </a:lnSpc>
-              <a:buFont typeface="Arial" panose="020B0604020202020204" pitchFamily="34" charset="0"/>
-              <a:buChar char="•"/>
-            </a:pPr>
-            <a:r>
-              <a:rPr lang="en-US" altLang="zh-CN" dirty="0">
-                <a:solidFill>
-                  <a:srgbClr val="4472C4">
-                    <a:lumMod val="75000"/>
-                  </a:srgbClr>
-                </a:solidFill>
-              </a:rPr>
-              <a:t>vue3</a:t>
-            </a:r>
-            <a:r>
-              <a:rPr lang="zh-CN" altLang="en-US" dirty="0">
-                <a:solidFill>
-                  <a:srgbClr val="4472C4">
-                    <a:lumMod val="75000"/>
-                  </a:srgbClr>
-                </a:solidFill>
-              </a:rPr>
-              <a:t>简介</a:t>
-            </a:r>
-            <a:endParaRPr lang="en-US" altLang="zh-CN" dirty="0">
-              <a:solidFill>
-                <a:srgbClr val="4472C4">
-                  <a:lumMod val="75000"/>
-                </a:srgbClr>
-              </a:solidFill>
-            </a:endParaRPr>
-          </a:p>
-          <a:p>
-            <a:pPr marL="457200" indent="-457200" eaLnBrk="1" hangingPunct="1">
-              <a:lnSpc>
-                <a:spcPct val="150000"/>
-              </a:lnSpc>
-              <a:buFont typeface="Arial" panose="020B0604020202020204" pitchFamily="34" charset="0"/>
-              <a:buChar char="•"/>
-            </a:pPr>
-            <a:r>
-              <a:rPr lang="en-US" altLang="zh-CN" dirty="0">
-                <a:solidFill>
-                  <a:srgbClr val="4472C4">
-                    <a:lumMod val="75000"/>
-                  </a:srgbClr>
-                </a:solidFill>
-              </a:rPr>
-              <a:t>reactivity </a:t>
-            </a:r>
-            <a:r>
-              <a:rPr lang="zh-CN" altLang="en-US" dirty="0">
-                <a:solidFill>
-                  <a:srgbClr val="4472C4">
-                    <a:lumMod val="75000"/>
-                  </a:srgbClr>
-                </a:solidFill>
-              </a:rPr>
-              <a:t>的思路及</a:t>
-            </a:r>
-            <a:r>
-              <a:rPr lang="zh-CN" altLang="en-US" dirty="0">
-                <a:solidFill>
-                  <a:srgbClr val="4472C4">
-                    <a:lumMod val="75000"/>
-                  </a:srgbClr>
-                </a:solidFill>
-              </a:rPr>
-              <a:t>最小实现</a:t>
-            </a:r>
-            <a:endParaRPr lang="zh-CN" altLang="en-US" dirty="0">
-              <a:solidFill>
-                <a:srgbClr val="4472C4">
-                  <a:lumMod val="75000"/>
-                </a:srgbClr>
-              </a:solidFill>
-            </a:endParaRPr>
-          </a:p>
-          <a:p>
-            <a:pPr marL="457200" indent="-457200" eaLnBrk="1" hangingPunct="1">
-              <a:lnSpc>
-                <a:spcPct val="150000"/>
-              </a:lnSpc>
-              <a:buFont typeface="Arial" panose="020B0604020202020204" pitchFamily="34" charset="0"/>
-              <a:buChar char="•"/>
-            </a:pPr>
-            <a:r>
-              <a:rPr lang="en-US" altLang="zh-CN" dirty="0">
-                <a:solidFill>
-                  <a:srgbClr val="4472C4">
-                    <a:lumMod val="75000"/>
-                  </a:srgbClr>
-                </a:solidFill>
-              </a:rPr>
-              <a:t>run-time </a:t>
-            </a:r>
-            <a:r>
-              <a:rPr lang="zh-CN" altLang="en-US" dirty="0">
-                <a:solidFill>
-                  <a:srgbClr val="4472C4">
-                    <a:lumMod val="75000"/>
-                  </a:srgbClr>
-                </a:solidFill>
-              </a:rPr>
-              <a:t>的思路及</a:t>
-            </a:r>
-            <a:r>
-              <a:rPr lang="zh-CN" altLang="en-US" dirty="0">
-                <a:solidFill>
-                  <a:srgbClr val="4472C4">
-                    <a:lumMod val="75000"/>
-                  </a:srgbClr>
-                </a:solidFill>
-              </a:rPr>
-              <a:t>最小实现</a:t>
-            </a:r>
-            <a:endParaRPr lang="zh-CN" altLang="en-US" dirty="0">
-              <a:solidFill>
-                <a:srgbClr val="4472C4">
-                  <a:lumMod val="75000"/>
-                </a:srgbClr>
-              </a:solidFill>
-            </a:endParaRPr>
-          </a:p>
-          <a:p>
-            <a:pPr marL="457200" indent="-457200" eaLnBrk="1" hangingPunct="1">
-              <a:lnSpc>
-                <a:spcPct val="150000"/>
-              </a:lnSpc>
-              <a:buFont typeface="Arial" panose="020B0604020202020204" pitchFamily="34" charset="0"/>
-              <a:buChar char="•"/>
-            </a:pPr>
-            <a:r>
-              <a:rPr lang="en-US" altLang="zh-CN" dirty="0">
-                <a:solidFill>
-                  <a:srgbClr val="4472C4">
-                    <a:lumMod val="75000"/>
-                  </a:srgbClr>
-                </a:solidFill>
-              </a:rPr>
-              <a:t> </a:t>
-            </a:r>
-            <a:r>
-              <a:rPr lang="zh-CN" altLang="en-US" dirty="0">
-                <a:solidFill>
-                  <a:srgbClr val="4472C4">
-                    <a:lumMod val="75000"/>
-                  </a:srgbClr>
-                </a:solidFill>
-              </a:rPr>
-              <a:t>双端对比算法</a:t>
-            </a:r>
-            <a:endParaRPr lang="zh-CN" altLang="en-US" dirty="0">
-              <a:solidFill>
-                <a:srgbClr val="4472C4">
-                  <a:lumMod val="75000"/>
-                </a:srgbClr>
-              </a:solidFill>
-            </a:endParaRPr>
-          </a:p>
-          <a:p>
-            <a:pPr marL="457200" indent="-457200" eaLnBrk="1" hangingPunct="1">
-              <a:lnSpc>
-                <a:spcPct val="150000"/>
-              </a:lnSpc>
-              <a:buFont typeface="Arial" panose="020B0604020202020204" pitchFamily="34" charset="0"/>
-              <a:buChar char="•"/>
-            </a:pPr>
-            <a:r>
-              <a:rPr lang="zh-CN" altLang="en-US" dirty="0">
-                <a:solidFill>
-                  <a:srgbClr val="4472C4">
-                    <a:lumMod val="75000"/>
-                  </a:srgbClr>
-                </a:solidFill>
-              </a:rPr>
-              <a:t>感悟</a:t>
-            </a:r>
-            <a:endParaRPr lang="zh-CN" altLang="en-US" dirty="0">
-              <a:solidFill>
-                <a:srgbClr val="4472C4">
-                  <a:lumMod val="75000"/>
-                </a:srgbClr>
-              </a:solidFill>
-            </a:endParaRPr>
-          </a:p>
-          <a:p>
-            <a:pPr marL="457200" indent="-457200" eaLnBrk="1" hangingPunct="1">
-              <a:lnSpc>
-                <a:spcPct val="150000"/>
-              </a:lnSpc>
-              <a:buFont typeface="Arial" panose="020B0604020202020204" pitchFamily="34" charset="0"/>
-              <a:buChar char="•"/>
-            </a:pPr>
-            <a:r>
-              <a:rPr lang="zh-CN" altLang="en-US" dirty="0">
-                <a:solidFill>
-                  <a:srgbClr val="4472C4">
-                    <a:lumMod val="75000"/>
-                  </a:srgbClr>
-                </a:solidFill>
-              </a:rPr>
-              <a:t>慧算账项目中的实际应用</a:t>
-            </a:r>
-            <a:endParaRPr lang="zh-CN" altLang="en-US" dirty="0">
-              <a:solidFill>
-                <a:srgbClr val="4472C4">
-                  <a:lumMod val="75000"/>
-                </a:srgbClr>
-              </a:solidFill>
-            </a:endParaRPr>
-          </a:p>
-          <a:p>
-            <a:pPr marL="457200" indent="-457200" eaLnBrk="1" hangingPunct="1">
-              <a:lnSpc>
-                <a:spcPct val="150000"/>
-              </a:lnSpc>
-              <a:buFont typeface="Arial" panose="020B0604020202020204" pitchFamily="34" charset="0"/>
-              <a:buChar char="•"/>
-            </a:pPr>
-            <a:r>
-              <a:rPr lang="zh-CN" altLang="en-US" dirty="0">
-                <a:solidFill>
-                  <a:srgbClr val="4472C4">
-                    <a:lumMod val="75000"/>
-                  </a:srgbClr>
-                </a:solidFill>
-              </a:rPr>
-              <a:t>参考资料</a:t>
-            </a:r>
-            <a:endParaRPr lang="en-US" altLang="zh-CN" dirty="0">
-              <a:solidFill>
-                <a:srgbClr val="4472C4">
-                  <a:lumMod val="75000"/>
-                </a:srgbClr>
-              </a:solidFill>
-            </a:endParaRPr>
-          </a:p>
-          <a:p>
-            <a:pPr marL="457200" indent="-457200" eaLnBrk="1" hangingPunct="1">
-              <a:lnSpc>
-                <a:spcPct val="150000"/>
-              </a:lnSpc>
-              <a:buFont typeface="Arial" panose="020B0604020202020204" pitchFamily="34" charset="0"/>
-              <a:buChar char="•"/>
-            </a:pPr>
-            <a:endParaRPr dirty="0">
-              <a:solidFill>
-                <a:srgbClr val="4472C4">
-                  <a:lumMod val="75000"/>
-                </a:srgbClr>
-              </a:solidFill>
-            </a:endParaRPr>
-          </a:p>
-        </p:txBody>
-      </p:sp>
-    </p:spTree>
-  </p:cSld>
-  <p:clrMapOvr>
-    <a:masterClrMapping/>
-  </p:clrMapOvr>
-</p:sld>
-</file>
-
-<file path=ppt/slides/slide20.xml><?xml version="1.0" encoding="utf-8"?>
-<p:sld xmlns:a="http://schemas.openxmlformats.org/drawingml/2006/main" xmlns:r="http://schemas.openxmlformats.org/officeDocument/2006/relationships" xmlns:p="http://schemas.openxmlformats.org/presentationml/2006/main">
-  <p:cSld>
-    <p:spTree>
-      <p:nvGrpSpPr>
-        <p:cNvPr id="1" name=""/>
-        <p:cNvGrpSpPr/>
-        <p:nvPr/>
-      </p:nvGrpSpPr>
-      <p:grpSpPr/>
-      <p:sp>
-        <p:nvSpPr>
-          <p:cNvPr id="2" name="标题 1"/>
-          <p:cNvSpPr>
-            <a:spLocks noGrp="1"/>
-          </p:cNvSpPr>
-          <p:nvPr>
-            <p:ph type="title"/>
-          </p:nvPr>
-        </p:nvSpPr>
-        <p:spPr/>
-        <p:txBody>
-          <a:bodyPr/>
-          <a:p>
-            <a:r>
-              <a:rPr lang="en-US" altLang="zh-CN" dirty="0">
-                <a:solidFill>
-                  <a:srgbClr val="4472C4">
-                    <a:lumMod val="75000"/>
-                  </a:srgbClr>
-                </a:solidFill>
-                <a:sym typeface="+mn-ea"/>
-              </a:rPr>
-              <a:t>Reflect </a:t>
-            </a:r>
-            <a:r>
-              <a:rPr lang="zh-CN" altLang="en-US" dirty="0">
-                <a:solidFill>
-                  <a:srgbClr val="4472C4">
-                    <a:lumMod val="75000"/>
-                  </a:srgbClr>
-                </a:solidFill>
-                <a:sym typeface="+mn-ea"/>
-              </a:rPr>
-              <a:t>介绍</a:t>
-            </a:r>
-            <a:endParaRPr lang="zh-CN" altLang="en-US"/>
-          </a:p>
-        </p:txBody>
-      </p:sp>
-      <p:sp>
-        <p:nvSpPr>
-          <p:cNvPr id="3" name="内容占位符 2"/>
-          <p:cNvSpPr>
-            <a:spLocks noGrp="1"/>
-          </p:cNvSpPr>
-          <p:nvPr>
-            <p:ph sz="half" idx="1"/>
-          </p:nvPr>
-        </p:nvSpPr>
-        <p:spPr>
-          <a:xfrm>
-            <a:off x="1691235" y="1663784"/>
-            <a:ext cx="8828410" cy="3502660"/>
-          </a:xfrm>
-        </p:spPr>
-        <p:txBody>
-          <a:bodyPr/>
-          <a:p>
-            <a:r>
-              <a:rPr lang="zh-CN" altLang="en-US"/>
-              <a:t>Reflect概述</a:t>
-            </a:r>
-            <a:endParaRPr lang="zh-CN" altLang="en-US"/>
-          </a:p>
-          <a:p>
-            <a:r>
-              <a:rPr lang="zh-CN" altLang="en-US"/>
-              <a:t>Reflect简介</a:t>
-            </a:r>
-            <a:endParaRPr lang="zh-CN" altLang="en-US"/>
-          </a:p>
-          <a:p>
-            <a:r>
-              <a:rPr lang="zh-CN" altLang="en-US"/>
-              <a:t>Reflect返回值</a:t>
-            </a:r>
-            <a:endParaRPr lang="zh-CN" altLang="en-US"/>
-          </a:p>
-          <a:p>
-            <a:r>
-              <a:rPr lang="zh-CN" altLang="en-US">
-                <a:sym typeface="+mn-ea"/>
-              </a:rPr>
-              <a:t>Reflect的receiver参数</a:t>
-            </a:r>
-            <a:endParaRPr lang="zh-CN" altLang="en-US">
-              <a:sym typeface="+mn-ea"/>
-            </a:endParaRPr>
-          </a:p>
-          <a:p>
-            <a:r>
-              <a:rPr lang="zh-CN" altLang="en-US">
-                <a:sym typeface="+mn-ea"/>
-              </a:rPr>
-              <a:t>为什么Reflect和Proxy经常一起使用</a:t>
-            </a:r>
-            <a:endParaRPr lang="zh-CN" altLang="en-US">
-              <a:sym typeface="+mn-ea"/>
-            </a:endParaRPr>
-          </a:p>
-          <a:p>
-            <a:r>
-              <a:rPr lang="zh-CN" altLang="en-US">
-                <a:sym typeface="+mn-ea"/>
-              </a:rPr>
-              <a:t>Reflect静态方法和对应的其他函数或功能符</a:t>
-            </a:r>
-            <a:endParaRPr lang="zh-CN" altLang="en-US"/>
-          </a:p>
-        </p:txBody>
-      </p:sp>
-    </p:spTree>
-  </p:cSld>
-  <p:clrMapOvr>
-    <a:masterClrMapping/>
-  </p:clrMapOvr>
-</p:sld>
-</file>
-
 <file path=ppt/slides/slide21.xml><?xml version="1.0" encoding="utf-8"?>
 <p:sld xmlns:a="http://schemas.openxmlformats.org/drawingml/2006/main" xmlns:r="http://schemas.openxmlformats.org/officeDocument/2006/relationships" xmlns:p="http://schemas.openxmlformats.org/presentationml/2006/main">
   <p:cSld>
@@ -19235,82 +19105,45 @@
           <a:lstStyle/>
           <a:p>
             <a:r>
-              <a:rPr lang="en-US" altLang="zh-CN" dirty="0">
-                <a:solidFill>
-                  <a:srgbClr val="2E75B6"/>
-                </a:solidFill>
-                <a:sym typeface="+mn-ea"/>
-              </a:rPr>
-              <a:t>Reflect</a:t>
-            </a:r>
-            <a:r>
-              <a:rPr lang="zh-CN" altLang="en-US" dirty="0">
-                <a:solidFill>
-                  <a:srgbClr val="2E75B6"/>
-                </a:solidFill>
-                <a:sym typeface="+mn-ea"/>
-              </a:rPr>
-              <a:t>概述</a:t>
-            </a:r>
-            <a:br>
-              <a:rPr lang="en-US" altLang="zh-CN" dirty="0">
-                <a:solidFill>
-                  <a:srgbClr val="2E75B6"/>
-                </a:solidFill>
-                <a:sym typeface="+mn-ea"/>
-              </a:rPr>
-            </a:br>
+              <a:rPr lang="zh-CN" altLang="en-US" dirty="0"/>
+              <a:t>简单实现</a:t>
+            </a:r>
+            <a:r>
+              <a:rPr lang="en-US" altLang="zh-CN" dirty="0"/>
+              <a:t>VUE2</a:t>
+            </a:r>
+            <a:r>
+              <a:rPr lang="zh-CN" altLang="en-US" dirty="0"/>
+              <a:t>的数据劫持</a:t>
+            </a:r>
             <a:endParaRPr lang="zh-CN" altLang="en-US" dirty="0"/>
           </a:p>
         </p:txBody>
       </p:sp>
-      <p:sp>
-        <p:nvSpPr>
-          <p:cNvPr id="3" name="内容占位符 2"/>
-          <p:cNvSpPr>
-            <a:spLocks noGrp="1"/>
-          </p:cNvSpPr>
-          <p:nvPr>
-            <p:ph sz="half" idx="1"/>
-          </p:nvPr>
-        </p:nvSpPr>
-        <p:spPr>
-          <a:xfrm>
-            <a:off x="1691235" y="1663784"/>
-            <a:ext cx="8828410" cy="3117850"/>
-          </a:xfrm>
-        </p:spPr>
-        <p:txBody>
-          <a:bodyPr/>
-          <a:lstStyle/>
-          <a:p>
-            <a:pPr marL="0" indent="0">
-              <a:buNone/>
-            </a:pPr>
-            <a:r>
-              <a:rPr lang="zh-CN" altLang="en-US" dirty="0"/>
-              <a:t>Reflect更像是一种语法变体，其挂在的所有方法都能找到对应的原始语法，也就是Reflect的替代性非常强。</a:t>
-            </a:r>
-            <a:endParaRPr lang="zh-CN" altLang="en-US" dirty="0"/>
-          </a:p>
-          <a:p>
-            <a:pPr marL="0" indent="0">
-              <a:buNone/>
-            </a:pPr>
-            <a:endParaRPr lang="zh-CN" altLang="en-US" dirty="0"/>
-          </a:p>
-          <a:p>
-            <a:pPr marL="0" indent="0">
-              <a:buNone/>
-            </a:pPr>
-            <a:r>
-              <a:rPr lang="zh-CN" altLang="en-US" dirty="0"/>
-              <a:t>其实从Reflect这个单词本身字面意思就能体会出Reflect的神韵，Reflect的中文意思是“反射”，阳光照在镜子上反射，其实光子还是那些光子，只是变化了方向。</a:t>
-            </a:r>
-            <a:endParaRPr lang="zh-CN" altLang="en-US" dirty="0"/>
-          </a:p>
-        </p:txBody>
-      </p:sp>
+      <p:pic>
+        <p:nvPicPr>
+          <p:cNvPr id="4" name="图片 3"/>
+          <p:cNvPicPr>
+            <a:picLocks noChangeAspect="1"/>
+          </p:cNvPicPr>
+          <p:nvPr/>
+        </p:nvPicPr>
+        <p:blipFill>
+          <a:blip r:embed="rId1"/>
+          <a:stretch>
+            <a:fillRect/>
+          </a:stretch>
+        </p:blipFill>
+        <p:spPr>
+          <a:xfrm>
+            <a:off x="1676400" y="1890395"/>
+            <a:ext cx="8839200" cy="3076575"/>
+          </a:xfrm>
+          <a:prstGeom prst="rect">
+            <a:avLst/>
+          </a:prstGeom>
+        </p:spPr>
+      </p:pic>
     </p:spTree>
   </p:cSld>
   <p:clrMapOvr>
@@ -19328,7 +19161,14 @@
         <p:cNvGrpSpPr/>
         <p:nvPr/>
       </p:nvGrpSpPr>
-      <p:grpSpPr/>
+      <p:grpSpPr>
+        <a:xfrm>
+          <a:off x="0" y="0"/>
+          <a:ext cx="0" cy="0"/>
+          <a:chOff x="0" y="0"/>
+          <a:chExt cx="0" cy="0"/>
+        </a:xfrm>
+      </p:grpSpPr>
       <p:sp>
         <p:nvSpPr>
           <p:cNvPr id="2" name="标题 1"/>
@@ -19342,76 +19182,48 @@
         <p:spPr/>
         <p:txBody>
           <a:bodyPr/>
-          <a:p>
-            <a:r>
-              <a:rPr lang="en-US" altLang="zh-CN" dirty="0">
-                <a:solidFill>
-                  <a:srgbClr val="2E75B6"/>
-                </a:solidFill>
-                <a:sym typeface="+mn-ea"/>
-              </a:rPr>
-              <a:t>Reflect</a:t>
-            </a:r>
-            <a:r>
-              <a:rPr lang="zh-CN" altLang="en-US" dirty="0">
-                <a:solidFill>
-                  <a:srgbClr val="2E75B6"/>
-                </a:solidFill>
-                <a:sym typeface="+mn-ea"/>
-              </a:rPr>
-              <a:t>简介</a:t>
-            </a:r>
-            <a:endParaRPr lang="zh-CN" altLang="en-US" dirty="0">
-              <a:solidFill>
-                <a:srgbClr val="2E75B6"/>
-              </a:solidFill>
-              <a:sym typeface="+mn-ea"/>
-            </a:endParaRPr>
-          </a:p>
-        </p:txBody>
-      </p:sp>
-      <p:sp>
-        <p:nvSpPr>
-          <p:cNvPr id="3" name="内容占位符 2"/>
-          <p:cNvSpPr>
-            <a:spLocks noGrp="1"/>
-          </p:cNvSpPr>
-          <p:nvPr>
-            <p:ph sz="half" idx="1"/>
-          </p:nvPr>
-        </p:nvSpPr>
-        <p:spPr>
-          <a:xfrm>
-            <a:off x="1691235" y="1663784"/>
-            <a:ext cx="8828410" cy="2868930"/>
-          </a:xfrm>
-        </p:spPr>
-        <p:txBody>
-          <a:bodyPr/>
-          <a:p>
-            <a:r>
-              <a:rPr lang="zh-CN" altLang="en-US"/>
-              <a:t>Reflect 是一个内置的对象，它提供拦截 JavaScript 操作的方法。这些方法与proxy handlers (en-US)的方法相同。Reflect不是一个函数对象，因此它是不可构造的。</a:t>
-            </a:r>
-            <a:endParaRPr lang="zh-CN" altLang="en-US"/>
-          </a:p>
-          <a:p>
-            <a:r>
-              <a:rPr lang="zh-CN" altLang="en-US"/>
-              <a:t>描述</a:t>
-            </a:r>
-            <a:endParaRPr lang="zh-CN" altLang="en-US"/>
-          </a:p>
-          <a:p>
-            <a:pPr lvl="1"/>
-            <a:r>
-              <a:rPr lang="zh-CN" altLang="en-US"/>
-              <a:t>与大多数全局对象不同Reflect并非一个构造函数，所以不能通过new运算符对其进行调用，或者将Reflect对象作为一个函数来调用。Reflect的所有属性和方法都是静态的（就像Math对象）。</a:t>
-            </a:r>
-            <a:endParaRPr lang="zh-CN" altLang="en-US"/>
-          </a:p>
-        </p:txBody>
-      </p:sp>
+          <a:lstStyle/>
+          <a:p>
+            <a:r>
+              <a:rPr lang="zh-CN" altLang="en-US" dirty="0"/>
+              <a:t>简单实现</a:t>
+            </a:r>
+            <a:r>
+              <a:rPr lang="en-US" altLang="zh-CN" dirty="0"/>
+              <a:t>VUE2</a:t>
+            </a:r>
+            <a:r>
+              <a:rPr lang="zh-CN" altLang="en-US" dirty="0"/>
+              <a:t>的数据劫持</a:t>
+            </a:r>
+            <a:endParaRPr lang="zh-CN" altLang="en-US" dirty="0"/>
+          </a:p>
+        </p:txBody>
+      </p:sp>
+      <p:pic>
+        <p:nvPicPr>
+          <p:cNvPr id="3" name="图片 2"/>
+          <p:cNvPicPr>
+            <a:picLocks noChangeAspect="1"/>
+          </p:cNvPicPr>
+          <p:nvPr/>
+        </p:nvPicPr>
+        <p:blipFill>
+          <a:blip r:embed="rId1"/>
+          <a:stretch>
+            <a:fillRect/>
+          </a:stretch>
+        </p:blipFill>
+        <p:spPr>
+          <a:xfrm>
+            <a:off x="2365375" y="1518285"/>
+            <a:ext cx="7461885" cy="4509135"/>
+          </a:xfrm>
+          <a:prstGeom prst="rect">
+            <a:avLst/>
+          </a:prstGeom>
+        </p:spPr>
+      </p:pic>
     </p:spTree>
   </p:cSld>
   <p:clrMapOvr>
@@ -19445,17 +19257,37 @@
           <a:bodyPr/>
           <a:p>
             <a:r>
-              <a:rPr lang="en-US" altLang="zh-CN" dirty="0">
+              <a:rPr lang="zh-CN" altLang="en-US" dirty="0">
                 <a:solidFill>
-                  <a:srgbClr val="2E75B6"/>
+                  <a:srgbClr val="4472C4">
+                    <a:lumMod val="75000"/>
+                  </a:srgbClr>
                 </a:solidFill>
                 <a:sym typeface="+mn-ea"/>
               </a:rPr>
-              <a:t>Reflect</a:t>
-            </a:r>
-            <a:r>
-              <a:rPr lang="zh-CN" altLang="en-US"/>
-              <a:t>返回值</a:t>
+              <a:t>Proxy</a:t>
+            </a:r>
+            <a:r>
+              <a:rPr lang="en-US" altLang="zh-CN" dirty="0">
+                <a:solidFill>
+                  <a:srgbClr val="4472C4">
+                    <a:lumMod val="75000"/>
+                  </a:srgbClr>
+                </a:solidFill>
+                <a:sym typeface="+mn-ea"/>
+              </a:rPr>
+              <a:t> </a:t>
+            </a:r>
+            <a:r>
+              <a:rPr lang="zh-CN" altLang="en-US" dirty="0">
+                <a:solidFill>
+                  <a:srgbClr val="4472C4">
+                    <a:lumMod val="75000"/>
+                  </a:srgbClr>
+                </a:solidFill>
+                <a:sym typeface="+mn-ea"/>
+              </a:rPr>
+              <a:t>介绍</a:t>
             </a:r>
             <a:endParaRPr lang="zh-CN" altLang="en-US"/>
           </a:p>
@@ -19474,7 +19306,7 @@
         <p:spPr>
           <a:xfrm>
             <a:off x="1691235" y="1663784"/>
-            <a:ext cx="8828410" cy="2912745"/>
+            <a:ext cx="8828410" cy="1732915"/>
           </a:xfrm>
         </p:spPr>
         <p:txBody>
@@ -19482,73 +19314,23 @@
           <a:p>
             <a:r>
               <a:rPr lang="zh-CN" altLang="en-US"/>
-              <a:t>对于某个对象，赋值并不总是成功的。</a:t>
+              <a:t>Proxy概述</a:t>
             </a:r>
             <a:endParaRPr lang="zh-CN" altLang="en-US"/>
           </a:p>
           <a:p>
-            <a:pPr marL="0" indent="0">
-              <a:buNone/>
-            </a:pPr>
             <a:r>
               <a:rPr lang="zh-CN" altLang="en-US"/>
-              <a:t>以下代码：</a:t>
+              <a:t>Proxy简介</a:t>
             </a:r>
             <a:endParaRPr lang="zh-CN" altLang="en-US"/>
           </a:p>
           <a:p>
-            <a:pPr marL="0" indent="0">
-              <a:buNone/>
-            </a:pPr>
-            <a:r>
-              <a:rPr lang="en-US" altLang="zh-CN"/>
-              <a:t>	var obj = { a:10 };  Object.freeze(obj); </a:t>
-            </a:r>
-            <a:endParaRPr lang="en-US" altLang="zh-CN"/>
-          </a:p>
-          <a:p>
-            <a:pPr marL="0" indent="0">
-              <a:buNone/>
-            </a:pPr>
-            <a:r>
-              <a:rPr lang="en-US" altLang="zh-CN"/>
-              <a:t>	</a:t>
-            </a:r>
-            <a:r>
-              <a:rPr lang="en-US" altLang="zh-CN">
-                <a:sym typeface="+mn-ea"/>
-              </a:rPr>
-              <a:t>obj.a = 1; //</a:t>
-            </a:r>
-            <a:r>
-              <a:rPr lang="zh-CN" altLang="en-US">
-                <a:sym typeface="+mn-ea"/>
-              </a:rPr>
-              <a:t>不会有任何返回</a:t>
-            </a:r>
-            <a:endParaRPr lang="en-US" altLang="zh-CN">
-              <a:sym typeface="+mn-ea"/>
-            </a:endParaRPr>
-          </a:p>
-          <a:p>
-            <a:pPr marL="0" indent="0">
-              <a:buNone/>
-            </a:pPr>
-            <a:r>
-              <a:rPr lang="en-US" altLang="zh-CN">
-                <a:sym typeface="+mn-ea"/>
-              </a:rPr>
-              <a:t>	Reflect.set(obj,'a',1); //</a:t>
-            </a:r>
-            <a:r>
-              <a:rPr lang="zh-CN" altLang="en-US">
-                <a:sym typeface="+mn-ea"/>
-              </a:rPr>
-              <a:t>当赋值成功或失败时候有返回值</a:t>
-            </a:r>
-            <a:endParaRPr lang="zh-CN" altLang="en-US">
-              <a:sym typeface="+mn-ea"/>
-            </a:endParaRPr>
+            <a:r>
+              <a:rPr lang="zh-CN" altLang="en-US"/>
+              <a:t>Proxy的处理函数</a:t>
+            </a:r>
+            <a:endParaRPr lang="zh-CN" altLang="en-US"/>
           </a:p>
         </p:txBody>
       </p:sp>
@@ -19569,7 +19351,14 @@
         <p:cNvGrpSpPr/>
         <p:nvPr/>
       </p:nvGrpSpPr>
-      <p:grpSpPr/>
+      <p:grpSpPr>
+        <a:xfrm>
+          <a:off x="0" y="0"/>
+          <a:ext cx="0" cy="0"/>
+          <a:chOff x="0" y="0"/>
+          <a:chExt cx="0" cy="0"/>
+        </a:xfrm>
+      </p:grpSpPr>
       <p:sp>
         <p:nvSpPr>
           <p:cNvPr id="2" name="标题 1"/>
@@ -19583,12 +19372,34 @@
         <p:spPr/>
         <p:txBody>
           <a:bodyPr/>
-          <a:p>
-            <a:r>
-              <a:rPr lang="zh-CN" altLang="en-US"/>
-              <a:t>receiver参数</a:t>
-            </a:r>
-            <a:endParaRPr lang="zh-CN" altLang="en-US"/>
+          <a:lstStyle/>
+          <a:p>
+            <a:r>
+              <a:rPr lang="en-US" altLang="zh-CN" dirty="0">
+                <a:solidFill>
+                  <a:srgbClr val="2E75B6"/>
+                </a:solidFill>
+                <a:sym typeface="+mn-ea"/>
+              </a:rPr>
+              <a:t>Proxy概述</a:t>
+            </a:r>
+            <a:br>
+              <a:rPr lang="en-US" altLang="zh-CN" dirty="0">
+                <a:solidFill>
+                  <a:srgbClr val="2E75B6"/>
+                </a:solidFill>
+                <a:sym typeface="+mn-ea"/>
+              </a:rPr>
+            </a:br>
+            <a:br>
+              <a:rPr lang="en-US" altLang="zh-CN" dirty="0">
+                <a:solidFill>
+                  <a:srgbClr val="2E75B6"/>
+                </a:solidFill>
+                <a:sym typeface="+mn-ea"/>
+              </a:rPr>
+            </a:br>
+            <a:endParaRPr lang="zh-CN" altLang="en-US" dirty="0"/>
           </a:p>
         </p:txBody>
       </p:sp>
@@ -19605,80 +19416,31 @@
         <p:spPr>
           <a:xfrm>
             <a:off x="1691235" y="1663784"/>
-            <a:ext cx="8828410" cy="2378710"/>
+            <a:ext cx="8828410" cy="3579495"/>
           </a:xfrm>
         </p:spPr>
         <p:txBody>
           <a:bodyPr/>
-          <a:p>
-            <a:r>
-              <a:rPr lang="zh-CN" altLang="en-US"/>
-              <a:t>receiver是接受者的意思，表示调用对应属性或方法的主体对象，通常情况下，receiver参数是无需使用的，但是如果发生了继承，为了明确调用主体，就必须使用receiver参数了。</a:t>
-            </a:r>
-            <a:endParaRPr lang="zh-CN" altLang="en-US"/>
-          </a:p>
-          <a:p>
-            <a:pPr marL="0" indent="0">
-              <a:buNone/>
-            </a:pPr>
-            <a:endParaRPr lang="zh-CN" altLang="en-US"/>
-          </a:p>
-          <a:p>
-            <a:pPr marL="0" indent="0">
-              <a:buNone/>
-            </a:pPr>
-            <a:endParaRPr lang="zh-CN" altLang="en-US" sz="800"/>
-          </a:p>
-        </p:txBody>
-      </p:sp>
-      <p:pic>
-        <p:nvPicPr>
-          <p:cNvPr id="4" name="图片 3"/>
-          <p:cNvPicPr>
-            <a:picLocks noChangeAspect="1"/>
-          </p:cNvPicPr>
-          <p:nvPr/>
-        </p:nvPicPr>
-        <p:blipFill>
-          <a:blip r:embed="rId1"/>
-          <a:stretch>
-            <a:fillRect/>
-          </a:stretch>
-        </p:blipFill>
-        <p:spPr>
-          <a:xfrm>
-            <a:off x="1977390" y="3284220"/>
-            <a:ext cx="2652395" cy="2615565"/>
-          </a:xfrm>
-          <a:prstGeom prst="rect">
-            <a:avLst/>
-          </a:prstGeom>
-        </p:spPr>
-      </p:pic>
-      <p:pic>
-        <p:nvPicPr>
-          <p:cNvPr id="5" name="图片 4"/>
-          <p:cNvPicPr>
-            <a:picLocks noChangeAspect="1"/>
-          </p:cNvPicPr>
-          <p:nvPr/>
-        </p:nvPicPr>
-        <p:blipFill>
-          <a:blip r:embed="rId2"/>
-          <a:stretch>
-            <a:fillRect/>
-          </a:stretch>
-        </p:blipFill>
-        <p:spPr>
-          <a:xfrm>
-            <a:off x="6071870" y="3284220"/>
-            <a:ext cx="2689860" cy="2662555"/>
-          </a:xfrm>
-          <a:prstGeom prst="rect">
-            <a:avLst/>
-          </a:prstGeom>
-        </p:spPr>
-      </p:pic>
+          <a:lstStyle/>
+          <a:p>
+            <a:r>
+              <a:rPr lang="zh-CN" altLang="en-US" dirty="0"/>
+              <a:t>Proxy 用于修改某些操作的默认行为，等同于在语言层面做出修改，所以属于一种“元编程”（meta programming），即对编程语言进行编程。</a:t>
+            </a:r>
+            <a:endParaRPr lang="zh-CN" altLang="en-US" dirty="0"/>
+          </a:p>
+          <a:p>
+            <a:endParaRPr lang="zh-CN" altLang="en-US" dirty="0"/>
+          </a:p>
+          <a:p>
+            <a:r>
+              <a:rPr lang="zh-CN" altLang="en-US" dirty="0"/>
+              <a:t>Proxy 可以理解成，在目标对象之前架设一层“拦截”，外界对该对象的访问，都必须先通过这层拦截，因此提供了一种机制，可以对外界的访问进行过滤和改写。Proxy 这个词的原意是代理，用在这里表示由它来“代理”某些操作，可以译为“代理器”。</a:t>
+            </a:r>
+            <a:endParaRPr lang="zh-CN" altLang="en-US" dirty="0"/>
+          </a:p>
+        </p:txBody>
+      </p:sp>
     </p:spTree>
   </p:cSld>
   <p:clrMapOvr>
@@ -19712,15 +19474,37 @@
           <a:bodyPr/>
           <a:p>
             <a:r>
+              <a:rPr dirty="0">
+                <a:solidFill>
+                  <a:srgbClr val="2E75B6"/>
+                </a:solidFill>
+                <a:sym typeface="+mn-ea"/>
+              </a:rPr>
+              <a:t>Proxy</a:t>
+            </a:r>
+            <a:r>
               <a:rPr lang="zh-CN" altLang="en-US">
                 <a:sym typeface="+mn-ea"/>
               </a:rPr>
-              <a:t>为什么Reflect和Proxy经常一起使用</a:t>
+              <a:t>简介</a:t>
             </a:r>
             <a:br>
               <a:rPr lang="zh-CN" altLang="en-US"/>
             </a:br>
-            <a:endParaRPr lang="zh-CN" altLang="en-US"/>
+            <a:br>
+              <a:rPr dirty="0">
+                <a:solidFill>
+                  <a:srgbClr val="2E75B6"/>
+                </a:solidFill>
+                <a:sym typeface="+mn-ea"/>
+              </a:rPr>
+            </a:br>
+            <a:endParaRPr dirty="0">
+              <a:solidFill>
+                <a:srgbClr val="2E75B6"/>
+              </a:solidFill>
+              <a:sym typeface="+mn-ea"/>
+            </a:endParaRPr>
           </a:p>
         </p:txBody>
       </p:sp>
@@ -19736,8 +19520,8 @@
         </p:nvSpPr>
         <p:spPr>
           <a:xfrm>
-            <a:off x="1691235" y="1663784"/>
-            <a:ext cx="8828410" cy="2656205"/>
+            <a:off x="1681710" y="1501224"/>
+            <a:ext cx="8828410" cy="4397375"/>
           </a:xfrm>
         </p:spPr>
         <p:txBody>
@@ -19745,21 +19529,79 @@
           <a:p>
             <a:r>
               <a:rPr lang="zh-CN" altLang="en-US"/>
-              <a:t>Reflect提供的所有静态方法和Proxy第2个handle参数方法是一模一样的。具体见后面的对比描述。</a:t>
+              <a:t>语法</a:t>
             </a:r>
             <a:endParaRPr lang="zh-CN" altLang="en-US"/>
           </a:p>
           <a:p>
+            <a:pPr lvl="1"/>
             <a:r>
               <a:rPr lang="zh-CN" altLang="en-US"/>
-              <a:t>Proxy get/set()方法需要的返回值正是Reflect的get/set方法的返回值，可以天然配合使用，比直接对象赋值/获取值要更方便和准确。</a:t>
+              <a:t>new Proxy(target, handler)</a:t>
             </a:r>
             <a:endParaRPr lang="zh-CN" altLang="en-US"/>
           </a:p>
           <a:p>
+            <a:pPr lvl="0"/>
             <a:r>
               <a:rPr lang="zh-CN" altLang="en-US"/>
-              <a:t>receiver参数具有不可替代性。</a:t>
+              <a:t>参数</a:t>
+            </a:r>
+            <a:endParaRPr lang="zh-CN" altLang="en-US"/>
+          </a:p>
+          <a:p>
+            <a:pPr lvl="1"/>
+            <a:r>
+              <a:rPr lang="zh-CN" altLang="en-US"/>
+              <a:t>target   Proxy 会对 target 对象进行包装。它可以是任何类型的对象，包括内置的数组，函数甚至是另一个代理对象。</a:t>
+            </a:r>
+            <a:endParaRPr lang="zh-CN" altLang="en-US"/>
+          </a:p>
+          <a:p>
+            <a:pPr lvl="1"/>
+            <a:r>
+              <a:rPr lang="zh-CN" altLang="en-US"/>
+              <a:t>handler 它是一个对象，它的属性提供了某些操作发生时所对应的处理函数。</a:t>
+            </a:r>
+            <a:endParaRPr lang="zh-CN" altLang="en-US"/>
+          </a:p>
+          <a:p>
+            <a:pPr lvl="0"/>
+            <a:r>
+              <a:rPr lang="zh-CN" altLang="en-US"/>
+              <a:t>描述</a:t>
+            </a:r>
+            <a:endParaRPr lang="zh-CN" altLang="en-US"/>
+          </a:p>
+          <a:p>
+            <a:pPr lvl="1"/>
+            <a:r>
+              <a:rPr lang="zh-CN" altLang="en-US"/>
+              <a:t>我们可以使用 Proxy() 构造器来创建一个新的 Proxy 对象。 构造器接收两个主要参数：</a:t>
+            </a:r>
+            <a:endParaRPr lang="zh-CN" altLang="en-US"/>
+          </a:p>
+          <a:p>
+            <a:pPr lvl="1"/>
+            <a:r>
+              <a:rPr lang="zh-CN" altLang="en-US"/>
+              <a:t>target 被代理的对象</a:t>
+            </a:r>
+            <a:endParaRPr lang="zh-CN" altLang="en-US"/>
+          </a:p>
+          <a:p>
+            <a:pPr lvl="1"/>
+            <a:r>
+              <a:rPr lang="zh-CN" altLang="en-US"/>
+              <a:t>handler 被代理对象上的自定义行为</a:t>
+            </a:r>
+            <a:endParaRPr lang="zh-CN" altLang="en-US"/>
+          </a:p>
+          <a:p>
+            <a:pPr lvl="1"/>
+            <a:r>
+              <a:rPr lang="zh-CN" altLang="en-US"/>
+              <a:t>一个空的 handler 参数将会创建一个与被代理对象行为几乎完全相同的代理对象。通过在 handler 对象上定义一组处理函数，你可以自定义被代理对象的一些特定行为。</a:t>
             </a:r>
             <a:endParaRPr lang="zh-CN" altLang="en-US"/>
           </a:p>
@@ -19774,6 +19616,1380 @@
 </file>
 
 <file path=ppt/slides/slide26.xml><?xml version="1.0" encoding="utf-8"?>
+<p:sld xmlns:a="http://schemas.openxmlformats.org/drawingml/2006/main" xmlns:r="http://schemas.openxmlformats.org/officeDocument/2006/relationships" xmlns:p="http://schemas.openxmlformats.org/presentationml/2006/main">
+  <p:cSld>
+    <p:spTree>
+      <p:nvGrpSpPr>
+        <p:cNvPr id="1" name=""/>
+        <p:cNvGrpSpPr/>
+        <p:nvPr/>
+      </p:nvGrpSpPr>
+      <p:grpSpPr/>
+      <p:sp>
+        <p:nvSpPr>
+          <p:cNvPr id="2" name="标题 1"/>
+          <p:cNvSpPr>
+            <a:spLocks noGrp="1"/>
+          </p:cNvSpPr>
+          <p:nvPr>
+            <p:ph type="title"/>
+          </p:nvPr>
+        </p:nvSpPr>
+        <p:spPr/>
+        <p:txBody>
+          <a:bodyPr/>
+          <a:p>
+            <a:r>
+              <a:rPr lang="en-US" altLang="zh-CN" dirty="0">
+                <a:solidFill>
+                  <a:srgbClr val="2E75B6"/>
+                </a:solidFill>
+                <a:sym typeface="+mn-ea"/>
+              </a:rPr>
+              <a:t>Proxy</a:t>
+            </a:r>
+            <a:r>
+              <a:rPr lang="zh-CN" altLang="en-US" dirty="0">
+                <a:solidFill>
+                  <a:srgbClr val="2E75B6"/>
+                </a:solidFill>
+                <a:sym typeface="+mn-ea"/>
+              </a:rPr>
+              <a:t>的处理函数</a:t>
+            </a:r>
+            <a:br>
+              <a:rPr lang="zh-CN" altLang="en-US" dirty="0">
+                <a:solidFill>
+                  <a:srgbClr val="2E75B6"/>
+                </a:solidFill>
+                <a:sym typeface="+mn-ea"/>
+              </a:rPr>
+            </a:br>
+            <a:endParaRPr lang="zh-CN" altLang="en-US"/>
+          </a:p>
+        </p:txBody>
+      </p:sp>
+      <p:sp>
+        <p:nvSpPr>
+          <p:cNvPr id="3" name="内容占位符 2"/>
+          <p:cNvSpPr>
+            <a:spLocks noGrp="1"/>
+          </p:cNvSpPr>
+          <p:nvPr>
+            <p:ph sz="half" idx="1"/>
+          </p:nvPr>
+        </p:nvSpPr>
+        <p:spPr>
+          <a:xfrm>
+            <a:off x="1691235" y="1663784"/>
+            <a:ext cx="8828410" cy="4399915"/>
+          </a:xfrm>
+        </p:spPr>
+        <p:txBody>
+          <a:bodyPr/>
+          <a:p>
+            <a:r>
+              <a:rPr lang="zh-CN" altLang="en-US" sz="2000">
+                <a:sym typeface="+mn-ea"/>
+              </a:rPr>
+              <a:t>handler.apply() </a:t>
+            </a:r>
+            <a:endParaRPr lang="zh-CN" altLang="en-US" sz="2000"/>
+          </a:p>
+          <a:p>
+            <a:pPr lvl="1"/>
+            <a:r>
+              <a:rPr lang="zh-CN" altLang="en-US" sz="2000">
+                <a:sym typeface="+mn-ea"/>
+              </a:rPr>
+              <a:t>函数调用劫持。</a:t>
+            </a:r>
+            <a:endParaRPr lang="zh-CN" altLang="en-US" sz="2000"/>
+          </a:p>
+          <a:p>
+            <a:r>
+              <a:rPr lang="zh-CN" altLang="en-US" sz="2000">
+                <a:sym typeface="+mn-ea"/>
+              </a:rPr>
+              <a:t>handler.construct()</a:t>
+            </a:r>
+            <a:endParaRPr lang="zh-CN" altLang="en-US" sz="2000"/>
+          </a:p>
+          <a:p>
+            <a:pPr lvl="1"/>
+            <a:r>
+              <a:rPr lang="zh-CN" altLang="en-US" sz="2000">
+                <a:sym typeface="+mn-ea"/>
+              </a:rPr>
+              <a:t>new 操作符劫持</a:t>
+            </a:r>
+            <a:endParaRPr lang="zh-CN" altLang="en-US" sz="2000"/>
+          </a:p>
+          <a:p>
+            <a:r>
+              <a:rPr lang="zh-CN" altLang="en-US" sz="2000">
+                <a:sym typeface="+mn-ea"/>
+              </a:rPr>
+              <a:t>handler.defineProperty()</a:t>
+            </a:r>
+            <a:endParaRPr lang="zh-CN" altLang="en-US" sz="2000"/>
+          </a:p>
+          <a:p>
+            <a:pPr lvl="1"/>
+            <a:r>
+              <a:rPr lang="zh-CN" altLang="en-US" sz="2000">
+                <a:sym typeface="+mn-ea"/>
+              </a:rPr>
+              <a:t>Object.defineProperty调用劫持。</a:t>
+            </a:r>
+            <a:endParaRPr lang="zh-CN" altLang="en-US" sz="2000"/>
+          </a:p>
+          <a:p>
+            <a:r>
+              <a:rPr lang="zh-CN" altLang="en-US" sz="2000">
+                <a:sym typeface="+mn-ea"/>
+              </a:rPr>
+              <a:t>handler.deleteProperty()</a:t>
+            </a:r>
+            <a:endParaRPr lang="zh-CN" altLang="en-US" sz="2000"/>
+          </a:p>
+          <a:p>
+            <a:pPr lvl="1"/>
+            <a:r>
+              <a:rPr lang="zh-CN" altLang="en-US" sz="2000">
+                <a:sym typeface="+mn-ea"/>
+              </a:rPr>
+              <a:t>delete 操作符劫持。</a:t>
+            </a:r>
+            <a:endParaRPr lang="zh-CN" altLang="en-US" sz="2000"/>
+          </a:p>
+          <a:p>
+            <a:endParaRPr lang="zh-CN" altLang="en-US"/>
+          </a:p>
+        </p:txBody>
+      </p:sp>
+    </p:spTree>
+  </p:cSld>
+  <p:clrMapOvr>
+    <a:masterClrMapping/>
+  </p:clrMapOvr>
+</p:sld>
+</file>
+
+<file path=ppt/slides/slide27.xml><?xml version="1.0" encoding="utf-8"?>
+<p:sld xmlns:a="http://schemas.openxmlformats.org/drawingml/2006/main" xmlns:r="http://schemas.openxmlformats.org/officeDocument/2006/relationships" xmlns:p="http://schemas.openxmlformats.org/presentationml/2006/main">
+  <p:cSld>
+    <p:spTree>
+      <p:nvGrpSpPr>
+        <p:cNvPr id="1" name=""/>
+        <p:cNvGrpSpPr/>
+        <p:nvPr/>
+      </p:nvGrpSpPr>
+      <p:grpSpPr/>
+      <p:sp>
+        <p:nvSpPr>
+          <p:cNvPr id="2" name="标题 1"/>
+          <p:cNvSpPr>
+            <a:spLocks noGrp="1"/>
+          </p:cNvSpPr>
+          <p:nvPr>
+            <p:ph type="title"/>
+          </p:nvPr>
+        </p:nvSpPr>
+        <p:spPr/>
+        <p:txBody>
+          <a:bodyPr/>
+          <a:p>
+            <a:r>
+              <a:rPr lang="en-US" altLang="zh-CN" dirty="0">
+                <a:solidFill>
+                  <a:srgbClr val="2E75B6"/>
+                </a:solidFill>
+                <a:sym typeface="+mn-ea"/>
+              </a:rPr>
+              <a:t>Proxy</a:t>
+            </a:r>
+            <a:r>
+              <a:rPr lang="zh-CN" altLang="en-US" dirty="0">
+                <a:solidFill>
+                  <a:srgbClr val="2E75B6"/>
+                </a:solidFill>
+                <a:sym typeface="+mn-ea"/>
+              </a:rPr>
+              <a:t>的处理函数</a:t>
+            </a:r>
+            <a:endParaRPr lang="zh-CN" altLang="en-US" dirty="0">
+              <a:solidFill>
+                <a:srgbClr val="2E75B6"/>
+              </a:solidFill>
+              <a:sym typeface="+mn-ea"/>
+            </a:endParaRPr>
+          </a:p>
+        </p:txBody>
+      </p:sp>
+      <p:sp>
+        <p:nvSpPr>
+          <p:cNvPr id="3" name="内容占位符 2"/>
+          <p:cNvSpPr>
+            <a:spLocks noGrp="1"/>
+          </p:cNvSpPr>
+          <p:nvPr>
+            <p:ph sz="half" idx="1"/>
+          </p:nvPr>
+        </p:nvSpPr>
+        <p:spPr>
+          <a:xfrm>
+            <a:off x="1691235" y="1663784"/>
+            <a:ext cx="8828410" cy="3564255"/>
+          </a:xfrm>
+        </p:spPr>
+        <p:txBody>
+          <a:bodyPr/>
+          <a:p>
+            <a:r>
+              <a:rPr lang="zh-CN" altLang="en-US"/>
+              <a:t>handler.get()</a:t>
+            </a:r>
+            <a:endParaRPr lang="zh-CN" altLang="en-US"/>
+          </a:p>
+          <a:p>
+            <a:pPr lvl="1"/>
+            <a:r>
+              <a:rPr lang="zh-CN" altLang="en-US"/>
+              <a:t>获取属性值劫持。</a:t>
+            </a:r>
+            <a:endParaRPr lang="zh-CN" altLang="en-US"/>
+          </a:p>
+          <a:p>
+            <a:r>
+              <a:rPr lang="zh-CN" altLang="en-US"/>
+              <a:t>handler.getOwnPropertyDescriptor()</a:t>
+            </a:r>
+            <a:endParaRPr lang="zh-CN" altLang="en-US"/>
+          </a:p>
+          <a:p>
+            <a:pPr lvl="1"/>
+            <a:r>
+              <a:rPr lang="zh-CN" altLang="en-US"/>
+              <a:t>Object.getOwnPropertyDescriptor 调用劫持。</a:t>
+            </a:r>
+            <a:endParaRPr lang="zh-CN" altLang="en-US"/>
+          </a:p>
+          <a:p>
+            <a:r>
+              <a:rPr lang="zh-CN" altLang="en-US"/>
+              <a:t>handler.getPrototypeOf()</a:t>
+            </a:r>
+            <a:endParaRPr lang="zh-CN" altLang="en-US"/>
+          </a:p>
+          <a:p>
+            <a:pPr lvl="1"/>
+            <a:r>
+              <a:rPr lang="zh-CN" altLang="en-US"/>
+              <a:t>Object.getPrototypeOf调用劫持。</a:t>
+            </a:r>
+            <a:endParaRPr lang="zh-CN" altLang="en-US"/>
+          </a:p>
+          <a:p>
+            <a:r>
+              <a:rPr lang="zh-CN" altLang="en-US"/>
+              <a:t>handler.has()</a:t>
+            </a:r>
+            <a:endParaRPr lang="zh-CN" altLang="en-US"/>
+          </a:p>
+          <a:p>
+            <a:pPr lvl="1"/>
+            <a:r>
+              <a:rPr lang="zh-CN" altLang="en-US"/>
+              <a:t>in 操作符劫持。</a:t>
+            </a:r>
+            <a:endParaRPr lang="zh-CN" altLang="en-US"/>
+          </a:p>
+        </p:txBody>
+      </p:sp>
+    </p:spTree>
+  </p:cSld>
+  <p:clrMapOvr>
+    <a:masterClrMapping/>
+  </p:clrMapOvr>
+</p:sld>
+</file>
+
+<file path=ppt/slides/slide28.xml><?xml version="1.0" encoding="utf-8"?>
+<p:sld xmlns:a="http://schemas.openxmlformats.org/drawingml/2006/main" xmlns:r="http://schemas.openxmlformats.org/officeDocument/2006/relationships" xmlns:p="http://schemas.openxmlformats.org/presentationml/2006/main">
+  <p:cSld>
+    <p:spTree>
+      <p:nvGrpSpPr>
+        <p:cNvPr id="1" name=""/>
+        <p:cNvGrpSpPr/>
+        <p:nvPr/>
+      </p:nvGrpSpPr>
+      <p:grpSpPr/>
+      <p:sp>
+        <p:nvSpPr>
+          <p:cNvPr id="2" name="标题 1"/>
+          <p:cNvSpPr>
+            <a:spLocks noGrp="1"/>
+          </p:cNvSpPr>
+          <p:nvPr>
+            <p:ph type="title"/>
+          </p:nvPr>
+        </p:nvSpPr>
+        <p:spPr/>
+        <p:txBody>
+          <a:bodyPr/>
+          <a:p>
+            <a:r>
+              <a:rPr lang="en-US" altLang="zh-CN" dirty="0">
+                <a:solidFill>
+                  <a:srgbClr val="2E75B6"/>
+                </a:solidFill>
+                <a:sym typeface="+mn-ea"/>
+              </a:rPr>
+              <a:t>Proxy</a:t>
+            </a:r>
+            <a:r>
+              <a:rPr lang="zh-CN" altLang="en-US" dirty="0">
+                <a:solidFill>
+                  <a:srgbClr val="2E75B6"/>
+                </a:solidFill>
+                <a:sym typeface="+mn-ea"/>
+              </a:rPr>
+              <a:t>的处理函数</a:t>
+            </a:r>
+            <a:br>
+              <a:rPr lang="zh-CN" altLang="en-US" dirty="0">
+                <a:solidFill>
+                  <a:srgbClr val="2E75B6"/>
+                </a:solidFill>
+                <a:sym typeface="+mn-ea"/>
+              </a:rPr>
+            </a:br>
+            <a:endParaRPr lang="zh-CN" altLang="en-US"/>
+          </a:p>
+        </p:txBody>
+      </p:sp>
+      <p:sp>
+        <p:nvSpPr>
+          <p:cNvPr id="3" name="内容占位符 2"/>
+          <p:cNvSpPr>
+            <a:spLocks noGrp="1"/>
+          </p:cNvSpPr>
+          <p:nvPr>
+            <p:ph sz="half" idx="1"/>
+          </p:nvPr>
+        </p:nvSpPr>
+        <p:spPr>
+          <a:xfrm>
+            <a:off x="1679170" y="1465029"/>
+            <a:ext cx="8828410" cy="4464050"/>
+          </a:xfrm>
+        </p:spPr>
+        <p:txBody>
+          <a:bodyPr wrap="square"/>
+          <a:p>
+            <a:r>
+              <a:rPr lang="zh-CN" altLang="en-US">
+                <a:sym typeface="+mn-ea"/>
+              </a:rPr>
+              <a:t>handler.isExtensible()</a:t>
+            </a:r>
+            <a:endParaRPr lang="zh-CN" altLang="en-US"/>
+          </a:p>
+          <a:p>
+            <a:pPr lvl="1"/>
+            <a:r>
+              <a:rPr lang="zh-CN" altLang="en-US">
+                <a:sym typeface="+mn-ea"/>
+              </a:rPr>
+              <a:t> Object.isExtensible调用劫持。</a:t>
+            </a:r>
+            <a:endParaRPr lang="zh-CN" altLang="en-US"/>
+          </a:p>
+          <a:p>
+            <a:r>
+              <a:rPr lang="zh-CN" altLang="en-US">
+                <a:sym typeface="+mn-ea"/>
+              </a:rPr>
+              <a:t>handler.ownKeys()</a:t>
+            </a:r>
+            <a:endParaRPr lang="zh-CN" altLang="en-US"/>
+          </a:p>
+          <a:p>
+            <a:pPr lvl="1"/>
+            <a:r>
+              <a:rPr lang="zh-CN" altLang="en-US">
+                <a:sym typeface="+mn-ea"/>
+              </a:rPr>
+              <a:t>Object.getOwnPropertyNames 和Object.getOwnPropertySymbols调用劫持。</a:t>
+            </a:r>
+            <a:endParaRPr lang="zh-CN" altLang="en-US"/>
+          </a:p>
+          <a:p>
+            <a:r>
+              <a:rPr lang="zh-CN" altLang="en-US">
+                <a:sym typeface="+mn-ea"/>
+              </a:rPr>
+              <a:t>handler.preventExtensions()</a:t>
+            </a:r>
+            <a:endParaRPr lang="zh-CN" altLang="en-US"/>
+          </a:p>
+          <a:p>
+            <a:pPr lvl="1"/>
+            <a:r>
+              <a:rPr lang="zh-CN" altLang="en-US">
+                <a:sym typeface="+mn-ea"/>
+              </a:rPr>
+              <a:t>Object.preventExtensions调用劫持。</a:t>
+            </a:r>
+            <a:endParaRPr lang="zh-CN" altLang="en-US"/>
+          </a:p>
+          <a:p>
+            <a:r>
+              <a:rPr lang="zh-CN" altLang="en-US">
+                <a:sym typeface="+mn-ea"/>
+              </a:rPr>
+              <a:t>handler.set()</a:t>
+            </a:r>
+            <a:endParaRPr lang="zh-CN" altLang="en-US"/>
+          </a:p>
+          <a:p>
+            <a:pPr lvl="1"/>
+            <a:r>
+              <a:rPr lang="zh-CN" altLang="en-US">
+                <a:sym typeface="+mn-ea"/>
+              </a:rPr>
+              <a:t>设置属性值劫持。</a:t>
+            </a:r>
+            <a:endParaRPr lang="zh-CN" altLang="en-US"/>
+          </a:p>
+          <a:p>
+            <a:r>
+              <a:rPr lang="zh-CN" altLang="en-US">
+                <a:sym typeface="+mn-ea"/>
+              </a:rPr>
+              <a:t>handler.setPrototypeOf()</a:t>
+            </a:r>
+            <a:endParaRPr lang="zh-CN" altLang="en-US"/>
+          </a:p>
+          <a:p>
+            <a:pPr lvl="1"/>
+            <a:r>
+              <a:rPr lang="zh-CN" altLang="en-US">
+                <a:sym typeface="+mn-ea"/>
+              </a:rPr>
+              <a:t>Object.setPrototypeOf调用劫持。</a:t>
+            </a:r>
+            <a:endParaRPr lang="zh-CN" altLang="en-US"/>
+          </a:p>
+        </p:txBody>
+      </p:sp>
+    </p:spTree>
+  </p:cSld>
+  <p:clrMapOvr>
+    <a:masterClrMapping/>
+  </p:clrMapOvr>
+</p:sld>
+</file>
+
+<file path=ppt/slides/slide29.xml><?xml version="1.0" encoding="utf-8"?>
+<p:sld xmlns:a="http://schemas.openxmlformats.org/drawingml/2006/main" xmlns:r="http://schemas.openxmlformats.org/officeDocument/2006/relationships" xmlns:p="http://schemas.openxmlformats.org/presentationml/2006/main">
+  <p:cSld>
+    <p:spTree>
+      <p:nvGrpSpPr>
+        <p:cNvPr id="1" name=""/>
+        <p:cNvGrpSpPr/>
+        <p:nvPr/>
+      </p:nvGrpSpPr>
+      <p:grpSpPr/>
+      <p:sp>
+        <p:nvSpPr>
+          <p:cNvPr id="2" name="标题 1"/>
+          <p:cNvSpPr>
+            <a:spLocks noGrp="1"/>
+          </p:cNvSpPr>
+          <p:nvPr>
+            <p:ph type="title"/>
+          </p:nvPr>
+        </p:nvSpPr>
+        <p:spPr/>
+        <p:txBody>
+          <a:bodyPr/>
+          <a:p>
+            <a:r>
+              <a:rPr lang="en-US" altLang="zh-CN" dirty="0">
+                <a:solidFill>
+                  <a:srgbClr val="4472C4">
+                    <a:lumMod val="75000"/>
+                  </a:srgbClr>
+                </a:solidFill>
+                <a:sym typeface="+mn-ea"/>
+              </a:rPr>
+              <a:t>Reflect </a:t>
+            </a:r>
+            <a:r>
+              <a:rPr lang="zh-CN" altLang="en-US" dirty="0">
+                <a:solidFill>
+                  <a:srgbClr val="4472C4">
+                    <a:lumMod val="75000"/>
+                  </a:srgbClr>
+                </a:solidFill>
+                <a:sym typeface="+mn-ea"/>
+              </a:rPr>
+              <a:t>介绍</a:t>
+            </a:r>
+            <a:endParaRPr lang="zh-CN" altLang="en-US"/>
+          </a:p>
+        </p:txBody>
+      </p:sp>
+      <p:sp>
+        <p:nvSpPr>
+          <p:cNvPr id="3" name="内容占位符 2"/>
+          <p:cNvSpPr>
+            <a:spLocks noGrp="1"/>
+          </p:cNvSpPr>
+          <p:nvPr>
+            <p:ph sz="half" idx="1"/>
+          </p:nvPr>
+        </p:nvSpPr>
+        <p:spPr>
+          <a:xfrm>
+            <a:off x="1691235" y="1663784"/>
+            <a:ext cx="8828410" cy="3502660"/>
+          </a:xfrm>
+        </p:spPr>
+        <p:txBody>
+          <a:bodyPr/>
+          <a:p>
+            <a:r>
+              <a:rPr lang="zh-CN" altLang="en-US"/>
+              <a:t>Reflect概述</a:t>
+            </a:r>
+            <a:endParaRPr lang="zh-CN" altLang="en-US"/>
+          </a:p>
+          <a:p>
+            <a:r>
+              <a:rPr lang="zh-CN" altLang="en-US"/>
+              <a:t>Reflect简介</a:t>
+            </a:r>
+            <a:endParaRPr lang="zh-CN" altLang="en-US"/>
+          </a:p>
+          <a:p>
+            <a:r>
+              <a:rPr lang="zh-CN" altLang="en-US"/>
+              <a:t>Reflect返回值</a:t>
+            </a:r>
+            <a:endParaRPr lang="zh-CN" altLang="en-US"/>
+          </a:p>
+          <a:p>
+            <a:r>
+              <a:rPr lang="zh-CN" altLang="en-US">
+                <a:sym typeface="+mn-ea"/>
+              </a:rPr>
+              <a:t>Reflect的receiver参数</a:t>
+            </a:r>
+            <a:endParaRPr lang="zh-CN" altLang="en-US">
+              <a:sym typeface="+mn-ea"/>
+            </a:endParaRPr>
+          </a:p>
+          <a:p>
+            <a:r>
+              <a:rPr lang="zh-CN" altLang="en-US">
+                <a:sym typeface="+mn-ea"/>
+              </a:rPr>
+              <a:t>为什么Reflect和Proxy经常一起使用</a:t>
+            </a:r>
+            <a:endParaRPr lang="zh-CN" altLang="en-US">
+              <a:sym typeface="+mn-ea"/>
+            </a:endParaRPr>
+          </a:p>
+          <a:p>
+            <a:r>
+              <a:rPr lang="zh-CN" altLang="en-US">
+                <a:sym typeface="+mn-ea"/>
+              </a:rPr>
+              <a:t>Reflect静态方法和对应的其他函数或功能符</a:t>
+            </a:r>
+            <a:endParaRPr lang="zh-CN" altLang="en-US"/>
+          </a:p>
+        </p:txBody>
+      </p:sp>
+    </p:spTree>
+  </p:cSld>
+  <p:clrMapOvr>
+    <a:masterClrMapping/>
+  </p:clrMapOvr>
+</p:sld>
+</file>
+
+<file path=ppt/slides/slide3.xml><?xml version="1.0" encoding="utf-8"?>
+<p:sld xmlns:a="http://schemas.openxmlformats.org/drawingml/2006/main" xmlns:r="http://schemas.openxmlformats.org/officeDocument/2006/relationships" xmlns:p="http://schemas.openxmlformats.org/presentationml/2006/main">
+  <p:cSld>
+    <p:spTree>
+      <p:nvGrpSpPr>
+        <p:cNvPr id="1" name=""/>
+        <p:cNvGrpSpPr/>
+        <p:nvPr/>
+      </p:nvGrpSpPr>
+      <p:grpSpPr>
+        <a:xfrm>
+          <a:off x="0" y="0"/>
+          <a:ext cx="0" cy="0"/>
+          <a:chOff x="0" y="0"/>
+          <a:chExt cx="0" cy="0"/>
+        </a:xfrm>
+      </p:grpSpPr>
+      <p:sp>
+        <p:nvSpPr>
+          <p:cNvPr id="2" name="标题 1"/>
+          <p:cNvSpPr>
+            <a:spLocks noGrp="1"/>
+          </p:cNvSpPr>
+          <p:nvPr>
+            <p:ph type="title"/>
+          </p:nvPr>
+        </p:nvSpPr>
+        <p:spPr/>
+        <p:txBody>
+          <a:bodyPr/>
+          <a:lstStyle/>
+          <a:p>
+            <a:r>
+              <a:rPr lang="en-US" altLang="zh-CN" dirty="0"/>
+              <a:t>vue3</a:t>
+            </a:r>
+            <a:r>
+              <a:rPr lang="zh-CN" altLang="en-US" dirty="0"/>
+              <a:t>简介</a:t>
+            </a:r>
+            <a:endParaRPr lang="zh-CN" altLang="en-US" dirty="0"/>
+          </a:p>
+        </p:txBody>
+      </p:sp>
+      <p:sp>
+        <p:nvSpPr>
+          <p:cNvPr id="3" name="内容占位符 2"/>
+          <p:cNvSpPr>
+            <a:spLocks noGrp="1"/>
+          </p:cNvSpPr>
+          <p:nvPr>
+            <p:ph sz="half" idx="1"/>
+          </p:nvPr>
+        </p:nvSpPr>
+        <p:spPr>
+          <a:xfrm>
+            <a:off x="1691235" y="1663784"/>
+            <a:ext cx="8828410" cy="1732915"/>
+          </a:xfrm>
+        </p:spPr>
+        <p:txBody>
+          <a:bodyPr/>
+          <a:lstStyle/>
+          <a:p>
+            <a:r>
+              <a:rPr lang="zh-CN" altLang="en-US" dirty="0">
+                <a:solidFill>
+                  <a:srgbClr val="2E75B6"/>
+                </a:solidFill>
+                <a:sym typeface="+mn-ea"/>
+              </a:rPr>
+              <a:t>什么是</a:t>
+            </a:r>
+            <a:r>
+              <a:rPr lang="en-US" altLang="zh-CN" dirty="0">
+                <a:solidFill>
+                  <a:srgbClr val="2E75B6"/>
+                </a:solidFill>
+                <a:sym typeface="+mn-ea"/>
+              </a:rPr>
+              <a:t>vue3</a:t>
+            </a:r>
+            <a:r>
+              <a:rPr lang="zh-CN" altLang="en-US" dirty="0">
+                <a:solidFill>
+                  <a:srgbClr val="2E75B6"/>
+                </a:solidFill>
+                <a:sym typeface="+mn-ea"/>
+              </a:rPr>
+              <a:t>？</a:t>
+            </a:r>
+            <a:endParaRPr lang="en-US" altLang="zh-CN" dirty="0">
+              <a:solidFill>
+                <a:srgbClr val="2E75B6"/>
+              </a:solidFill>
+              <a:sym typeface="+mn-ea"/>
+            </a:endParaRPr>
+          </a:p>
+          <a:p>
+            <a:r>
+              <a:rPr lang="zh-CN" altLang="en-US" dirty="0">
+                <a:solidFill>
+                  <a:srgbClr val="2E75B6"/>
+                </a:solidFill>
+                <a:sym typeface="+mn-ea"/>
+              </a:rPr>
+              <a:t>为什么需要了解</a:t>
+            </a:r>
+            <a:r>
+              <a:rPr lang="en-US" altLang="zh-CN" dirty="0">
+                <a:solidFill>
+                  <a:srgbClr val="2E75B6"/>
+                </a:solidFill>
+                <a:sym typeface="+mn-ea"/>
+              </a:rPr>
+              <a:t>vue3</a:t>
+            </a:r>
+            <a:r>
+              <a:rPr lang="zh-CN" altLang="en-US" dirty="0">
+                <a:solidFill>
+                  <a:srgbClr val="2E75B6"/>
+                </a:solidFill>
+                <a:sym typeface="+mn-ea"/>
+              </a:rPr>
+              <a:t>的源码</a:t>
+            </a:r>
+            <a:r>
+              <a:rPr lang="zh-CN" altLang="en-US" dirty="0">
+                <a:solidFill>
+                  <a:srgbClr val="2E75B6"/>
+                </a:solidFill>
+                <a:sym typeface="+mn-ea"/>
+              </a:rPr>
+              <a:t>实现？</a:t>
+            </a:r>
+            <a:endParaRPr lang="en-US" altLang="zh-CN" dirty="0">
+              <a:solidFill>
+                <a:srgbClr val="2E75B6"/>
+              </a:solidFill>
+              <a:sym typeface="+mn-ea"/>
+            </a:endParaRPr>
+          </a:p>
+          <a:p>
+            <a:r>
+              <a:rPr lang="zh-CN" altLang="en-US" dirty="0">
+                <a:solidFill>
+                  <a:srgbClr val="2E75B6"/>
+                </a:solidFill>
+                <a:sym typeface="+mn-ea"/>
+              </a:rPr>
+              <a:t>如何能高效的学习到</a:t>
+            </a:r>
+            <a:r>
+              <a:rPr lang="en-US" altLang="zh-CN" dirty="0">
+                <a:solidFill>
+                  <a:srgbClr val="2E75B6"/>
+                </a:solidFill>
+                <a:sym typeface="+mn-ea"/>
+              </a:rPr>
+              <a:t>vue3</a:t>
+            </a:r>
+            <a:r>
+              <a:rPr lang="zh-CN" altLang="en-US" dirty="0">
+                <a:solidFill>
+                  <a:srgbClr val="2E75B6"/>
+                </a:solidFill>
+                <a:sym typeface="+mn-ea"/>
+              </a:rPr>
+              <a:t>的</a:t>
+            </a:r>
+            <a:r>
+              <a:rPr lang="zh-CN" altLang="en-US" dirty="0">
+                <a:solidFill>
+                  <a:srgbClr val="2E75B6"/>
+                </a:solidFill>
+                <a:sym typeface="+mn-ea"/>
+              </a:rPr>
+              <a:t>源码？</a:t>
+            </a:r>
+            <a:endParaRPr dirty="0">
+              <a:solidFill>
+                <a:srgbClr val="2E75B6"/>
+              </a:solidFill>
+              <a:sym typeface="+mn-ea"/>
+            </a:endParaRPr>
+          </a:p>
+        </p:txBody>
+      </p:sp>
+    </p:spTree>
+  </p:cSld>
+  <p:clrMapOvr>
+    <a:masterClrMapping/>
+  </p:clrMapOvr>
+</p:sld>
+</file>
+
+<file path=ppt/slides/slide30.xml><?xml version="1.0" encoding="utf-8"?>
+<p:sld xmlns:a="http://schemas.openxmlformats.org/drawingml/2006/main" xmlns:r="http://schemas.openxmlformats.org/officeDocument/2006/relationships" xmlns:p="http://schemas.openxmlformats.org/presentationml/2006/main">
+  <p:cSld>
+    <p:spTree>
+      <p:nvGrpSpPr>
+        <p:cNvPr id="1" name=""/>
+        <p:cNvGrpSpPr/>
+        <p:nvPr/>
+      </p:nvGrpSpPr>
+      <p:grpSpPr>
+        <a:xfrm>
+          <a:off x="0" y="0"/>
+          <a:ext cx="0" cy="0"/>
+          <a:chOff x="0" y="0"/>
+          <a:chExt cx="0" cy="0"/>
+        </a:xfrm>
+      </p:grpSpPr>
+      <p:sp>
+        <p:nvSpPr>
+          <p:cNvPr id="2" name="标题 1"/>
+          <p:cNvSpPr>
+            <a:spLocks noGrp="1"/>
+          </p:cNvSpPr>
+          <p:nvPr>
+            <p:ph type="title"/>
+          </p:nvPr>
+        </p:nvSpPr>
+        <p:spPr/>
+        <p:txBody>
+          <a:bodyPr/>
+          <a:lstStyle/>
+          <a:p>
+            <a:r>
+              <a:rPr lang="en-US" altLang="zh-CN" dirty="0">
+                <a:solidFill>
+                  <a:srgbClr val="2E75B6"/>
+                </a:solidFill>
+                <a:sym typeface="+mn-ea"/>
+              </a:rPr>
+              <a:t>Reflect</a:t>
+            </a:r>
+            <a:r>
+              <a:rPr lang="zh-CN" altLang="en-US" dirty="0">
+                <a:solidFill>
+                  <a:srgbClr val="2E75B6"/>
+                </a:solidFill>
+                <a:sym typeface="+mn-ea"/>
+              </a:rPr>
+              <a:t>概述</a:t>
+            </a:r>
+            <a:br>
+              <a:rPr lang="en-US" altLang="zh-CN" dirty="0">
+                <a:solidFill>
+                  <a:srgbClr val="2E75B6"/>
+                </a:solidFill>
+                <a:sym typeface="+mn-ea"/>
+              </a:rPr>
+            </a:br>
+            <a:endParaRPr lang="zh-CN" altLang="en-US" dirty="0"/>
+          </a:p>
+        </p:txBody>
+      </p:sp>
+      <p:sp>
+        <p:nvSpPr>
+          <p:cNvPr id="3" name="内容占位符 2"/>
+          <p:cNvSpPr>
+            <a:spLocks noGrp="1"/>
+          </p:cNvSpPr>
+          <p:nvPr>
+            <p:ph sz="half" idx="1"/>
+          </p:nvPr>
+        </p:nvSpPr>
+        <p:spPr>
+          <a:xfrm>
+            <a:off x="1691235" y="1663784"/>
+            <a:ext cx="8828410" cy="3117850"/>
+          </a:xfrm>
+        </p:spPr>
+        <p:txBody>
+          <a:bodyPr/>
+          <a:lstStyle/>
+          <a:p>
+            <a:pPr marL="0" indent="0">
+              <a:buNone/>
+            </a:pPr>
+            <a:r>
+              <a:rPr lang="zh-CN" altLang="en-US" dirty="0"/>
+              <a:t>Reflect更像是一种语法变体，其挂在的所有方法都能找到对应的原始语法，也就是Reflect的替代性非常强。</a:t>
+            </a:r>
+            <a:endParaRPr lang="zh-CN" altLang="en-US" dirty="0"/>
+          </a:p>
+          <a:p>
+            <a:pPr marL="0" indent="0">
+              <a:buNone/>
+            </a:pPr>
+            <a:endParaRPr lang="zh-CN" altLang="en-US" dirty="0"/>
+          </a:p>
+          <a:p>
+            <a:pPr marL="0" indent="0">
+              <a:buNone/>
+            </a:pPr>
+            <a:r>
+              <a:rPr lang="zh-CN" altLang="en-US" dirty="0"/>
+              <a:t>其实从Reflect这个单词本身字面意思就能体会出Reflect的神韵，Reflect的中文意思是“反射”，阳光照在镜子上反射，其实光子还是那些光子，只是变化了方向。</a:t>
+            </a:r>
+            <a:endParaRPr lang="zh-CN" altLang="en-US" dirty="0"/>
+          </a:p>
+        </p:txBody>
+      </p:sp>
+    </p:spTree>
+  </p:cSld>
+  <p:clrMapOvr>
+    <a:masterClrMapping/>
+  </p:clrMapOvr>
+</p:sld>
+</file>
+
+<file path=ppt/slides/slide31.xml><?xml version="1.0" encoding="utf-8"?>
+<p:sld xmlns:a="http://schemas.openxmlformats.org/drawingml/2006/main" xmlns:r="http://schemas.openxmlformats.org/officeDocument/2006/relationships" xmlns:p="http://schemas.openxmlformats.org/presentationml/2006/main">
+  <p:cSld>
+    <p:spTree>
+      <p:nvGrpSpPr>
+        <p:cNvPr id="1" name=""/>
+        <p:cNvGrpSpPr/>
+        <p:nvPr/>
+      </p:nvGrpSpPr>
+      <p:grpSpPr/>
+      <p:sp>
+        <p:nvSpPr>
+          <p:cNvPr id="2" name="标题 1"/>
+          <p:cNvSpPr>
+            <a:spLocks noGrp="1"/>
+          </p:cNvSpPr>
+          <p:nvPr>
+            <p:ph type="title"/>
+          </p:nvPr>
+        </p:nvSpPr>
+        <p:spPr/>
+        <p:txBody>
+          <a:bodyPr/>
+          <a:p>
+            <a:r>
+              <a:rPr lang="en-US" altLang="zh-CN" dirty="0">
+                <a:solidFill>
+                  <a:srgbClr val="2E75B6"/>
+                </a:solidFill>
+                <a:sym typeface="+mn-ea"/>
+              </a:rPr>
+              <a:t>Reflect</a:t>
+            </a:r>
+            <a:r>
+              <a:rPr lang="zh-CN" altLang="en-US" dirty="0">
+                <a:solidFill>
+                  <a:srgbClr val="2E75B6"/>
+                </a:solidFill>
+                <a:sym typeface="+mn-ea"/>
+              </a:rPr>
+              <a:t>简介</a:t>
+            </a:r>
+            <a:endParaRPr lang="zh-CN" altLang="en-US" dirty="0">
+              <a:solidFill>
+                <a:srgbClr val="2E75B6"/>
+              </a:solidFill>
+              <a:sym typeface="+mn-ea"/>
+            </a:endParaRPr>
+          </a:p>
+        </p:txBody>
+      </p:sp>
+      <p:sp>
+        <p:nvSpPr>
+          <p:cNvPr id="3" name="内容占位符 2"/>
+          <p:cNvSpPr>
+            <a:spLocks noGrp="1"/>
+          </p:cNvSpPr>
+          <p:nvPr>
+            <p:ph sz="half" idx="1"/>
+          </p:nvPr>
+        </p:nvSpPr>
+        <p:spPr>
+          <a:xfrm>
+            <a:off x="1691235" y="1663784"/>
+            <a:ext cx="8828410" cy="2868930"/>
+          </a:xfrm>
+        </p:spPr>
+        <p:txBody>
+          <a:bodyPr/>
+          <a:p>
+            <a:r>
+              <a:rPr lang="zh-CN" altLang="en-US"/>
+              <a:t>Reflect 是一个内置的对象，它提供拦截 JavaScript 操作的方法。这些方法与proxy handlers (en-US)的方法相同。Reflect不是一个函数对象，因此它是不可构造的。</a:t>
+            </a:r>
+            <a:endParaRPr lang="zh-CN" altLang="en-US"/>
+          </a:p>
+          <a:p>
+            <a:r>
+              <a:rPr lang="zh-CN" altLang="en-US"/>
+              <a:t>描述</a:t>
+            </a:r>
+            <a:endParaRPr lang="zh-CN" altLang="en-US"/>
+          </a:p>
+          <a:p>
+            <a:pPr lvl="1"/>
+            <a:r>
+              <a:rPr lang="zh-CN" altLang="en-US"/>
+              <a:t>与大多数全局对象不同Reflect并非一个构造函数，所以不能通过new运算符对其进行调用，或者将Reflect对象作为一个函数来调用。Reflect的所有属性和方法都是静态的（就像Math对象）。</a:t>
+            </a:r>
+            <a:endParaRPr lang="zh-CN" altLang="en-US"/>
+          </a:p>
+        </p:txBody>
+      </p:sp>
+    </p:spTree>
+  </p:cSld>
+  <p:clrMapOvr>
+    <a:masterClrMapping/>
+  </p:clrMapOvr>
+</p:sld>
+</file>
+
+<file path=ppt/slides/slide32.xml><?xml version="1.0" encoding="utf-8"?>
+<p:sld xmlns:a="http://schemas.openxmlformats.org/drawingml/2006/main" xmlns:r="http://schemas.openxmlformats.org/officeDocument/2006/relationships" xmlns:p="http://schemas.openxmlformats.org/presentationml/2006/main">
+  <p:cSld>
+    <p:spTree>
+      <p:nvGrpSpPr>
+        <p:cNvPr id="1" name=""/>
+        <p:cNvGrpSpPr/>
+        <p:nvPr/>
+      </p:nvGrpSpPr>
+      <p:grpSpPr/>
+      <p:sp>
+        <p:nvSpPr>
+          <p:cNvPr id="2" name="标题 1"/>
+          <p:cNvSpPr>
+            <a:spLocks noGrp="1"/>
+          </p:cNvSpPr>
+          <p:nvPr>
+            <p:ph type="title"/>
+          </p:nvPr>
+        </p:nvSpPr>
+        <p:spPr/>
+        <p:txBody>
+          <a:bodyPr/>
+          <a:p>
+            <a:r>
+              <a:rPr lang="en-US" altLang="zh-CN" dirty="0">
+                <a:solidFill>
+                  <a:srgbClr val="2E75B6"/>
+                </a:solidFill>
+                <a:sym typeface="+mn-ea"/>
+              </a:rPr>
+              <a:t>Reflect</a:t>
+            </a:r>
+            <a:r>
+              <a:rPr lang="zh-CN" altLang="en-US"/>
+              <a:t>返回值</a:t>
+            </a:r>
+            <a:endParaRPr lang="zh-CN" altLang="en-US"/>
+          </a:p>
+        </p:txBody>
+      </p:sp>
+      <p:sp>
+        <p:nvSpPr>
+          <p:cNvPr id="3" name="内容占位符 2"/>
+          <p:cNvSpPr>
+            <a:spLocks noGrp="1"/>
+          </p:cNvSpPr>
+          <p:nvPr>
+            <p:ph sz="half" idx="1"/>
+          </p:nvPr>
+        </p:nvSpPr>
+        <p:spPr>
+          <a:xfrm>
+            <a:off x="1691235" y="1663784"/>
+            <a:ext cx="8828410" cy="2912745"/>
+          </a:xfrm>
+        </p:spPr>
+        <p:txBody>
+          <a:bodyPr/>
+          <a:p>
+            <a:r>
+              <a:rPr lang="zh-CN" altLang="en-US"/>
+              <a:t>对于某个对象，赋值并不总是成功的。</a:t>
+            </a:r>
+            <a:endParaRPr lang="zh-CN" altLang="en-US"/>
+          </a:p>
+          <a:p>
+            <a:pPr marL="0" indent="0">
+              <a:buNone/>
+            </a:pPr>
+            <a:r>
+              <a:rPr lang="zh-CN" altLang="en-US"/>
+              <a:t>以下代码：</a:t>
+            </a:r>
+            <a:endParaRPr lang="zh-CN" altLang="en-US"/>
+          </a:p>
+          <a:p>
+            <a:pPr marL="0" indent="0">
+              <a:buNone/>
+            </a:pPr>
+            <a:r>
+              <a:rPr lang="en-US" altLang="zh-CN"/>
+              <a:t>	var obj = { a:10 };  Object.freeze(obj); </a:t>
+            </a:r>
+            <a:endParaRPr lang="en-US" altLang="zh-CN"/>
+          </a:p>
+          <a:p>
+            <a:pPr marL="0" indent="0">
+              <a:buNone/>
+            </a:pPr>
+            <a:r>
+              <a:rPr lang="en-US" altLang="zh-CN"/>
+              <a:t>	</a:t>
+            </a:r>
+            <a:r>
+              <a:rPr lang="en-US" altLang="zh-CN">
+                <a:sym typeface="+mn-ea"/>
+              </a:rPr>
+              <a:t>obj.a = 1; //</a:t>
+            </a:r>
+            <a:r>
+              <a:rPr lang="zh-CN" altLang="en-US">
+                <a:sym typeface="+mn-ea"/>
+              </a:rPr>
+              <a:t>不会有任何返回</a:t>
+            </a:r>
+            <a:endParaRPr lang="en-US" altLang="zh-CN">
+              <a:sym typeface="+mn-ea"/>
+            </a:endParaRPr>
+          </a:p>
+          <a:p>
+            <a:pPr marL="0" indent="0">
+              <a:buNone/>
+            </a:pPr>
+            <a:r>
+              <a:rPr lang="en-US" altLang="zh-CN">
+                <a:sym typeface="+mn-ea"/>
+              </a:rPr>
+              <a:t>	Reflect.set(obj,'a',1); //</a:t>
+            </a:r>
+            <a:r>
+              <a:rPr lang="zh-CN" altLang="en-US">
+                <a:sym typeface="+mn-ea"/>
+              </a:rPr>
+              <a:t>当赋值成功或失败时候有返回值</a:t>
+            </a:r>
+            <a:endParaRPr lang="zh-CN" altLang="en-US">
+              <a:sym typeface="+mn-ea"/>
+            </a:endParaRPr>
+          </a:p>
+        </p:txBody>
+      </p:sp>
+    </p:spTree>
+  </p:cSld>
+  <p:clrMapOvr>
+    <a:masterClrMapping/>
+  </p:clrMapOvr>
+</p:sld>
+</file>
+
+<file path=ppt/slides/slide33.xml><?xml version="1.0" encoding="utf-8"?>
+<p:sld xmlns:a="http://schemas.openxmlformats.org/drawingml/2006/main" xmlns:r="http://schemas.openxmlformats.org/officeDocument/2006/relationships" xmlns:p="http://schemas.openxmlformats.org/presentationml/2006/main">
+  <p:cSld>
+    <p:spTree>
+      <p:nvGrpSpPr>
+        <p:cNvPr id="1" name=""/>
+        <p:cNvGrpSpPr/>
+        <p:nvPr/>
+      </p:nvGrpSpPr>
+      <p:grpSpPr/>
+      <p:sp>
+        <p:nvSpPr>
+          <p:cNvPr id="2" name="标题 1"/>
+          <p:cNvSpPr>
+            <a:spLocks noGrp="1"/>
+          </p:cNvSpPr>
+          <p:nvPr>
+            <p:ph type="title"/>
+          </p:nvPr>
+        </p:nvSpPr>
+        <p:spPr/>
+        <p:txBody>
+          <a:bodyPr/>
+          <a:p>
+            <a:r>
+              <a:rPr lang="zh-CN" altLang="en-US"/>
+              <a:t>receiver参数</a:t>
+            </a:r>
+            <a:endParaRPr lang="zh-CN" altLang="en-US"/>
+          </a:p>
+        </p:txBody>
+      </p:sp>
+      <p:sp>
+        <p:nvSpPr>
+          <p:cNvPr id="3" name="内容占位符 2"/>
+          <p:cNvSpPr>
+            <a:spLocks noGrp="1"/>
+          </p:cNvSpPr>
+          <p:nvPr>
+            <p:ph sz="half" idx="1"/>
+          </p:nvPr>
+        </p:nvSpPr>
+        <p:spPr>
+          <a:xfrm>
+            <a:off x="1691235" y="1663784"/>
+            <a:ext cx="8828410" cy="2378710"/>
+          </a:xfrm>
+        </p:spPr>
+        <p:txBody>
+          <a:bodyPr/>
+          <a:p>
+            <a:r>
+              <a:rPr lang="zh-CN" altLang="en-US"/>
+              <a:t>receiver是接受者的意思，表示调用对应属性或方法的主体对象，通常情况下，receiver参数是无需使用的，但是如果发生了继承，为了明确调用主体，就必须使用receiver参数了。</a:t>
+            </a:r>
+            <a:endParaRPr lang="zh-CN" altLang="en-US"/>
+          </a:p>
+          <a:p>
+            <a:pPr marL="0" indent="0">
+              <a:buNone/>
+            </a:pPr>
+            <a:endParaRPr lang="zh-CN" altLang="en-US"/>
+          </a:p>
+          <a:p>
+            <a:pPr marL="0" indent="0">
+              <a:buNone/>
+            </a:pPr>
+            <a:endParaRPr lang="zh-CN" altLang="en-US" sz="800"/>
+          </a:p>
+        </p:txBody>
+      </p:sp>
+      <p:pic>
+        <p:nvPicPr>
+          <p:cNvPr id="4" name="图片 3"/>
+          <p:cNvPicPr>
+            <a:picLocks noChangeAspect="1"/>
+          </p:cNvPicPr>
+          <p:nvPr/>
+        </p:nvPicPr>
+        <p:blipFill>
+          <a:blip r:embed="rId1"/>
+          <a:stretch>
+            <a:fillRect/>
+          </a:stretch>
+        </p:blipFill>
+        <p:spPr>
+          <a:xfrm>
+            <a:off x="1977390" y="3284220"/>
+            <a:ext cx="2652395" cy="2615565"/>
+          </a:xfrm>
+          <a:prstGeom prst="rect">
+            <a:avLst/>
+          </a:prstGeom>
+        </p:spPr>
+      </p:pic>
+      <p:pic>
+        <p:nvPicPr>
+          <p:cNvPr id="5" name="图片 4"/>
+          <p:cNvPicPr>
+            <a:picLocks noChangeAspect="1"/>
+          </p:cNvPicPr>
+          <p:nvPr/>
+        </p:nvPicPr>
+        <p:blipFill>
+          <a:blip r:embed="rId2"/>
+          <a:stretch>
+            <a:fillRect/>
+          </a:stretch>
+        </p:blipFill>
+        <p:spPr>
+          <a:xfrm>
+            <a:off x="6071870" y="3284220"/>
+            <a:ext cx="2689860" cy="2662555"/>
+          </a:xfrm>
+          <a:prstGeom prst="rect">
+            <a:avLst/>
+          </a:prstGeom>
+        </p:spPr>
+      </p:pic>
+    </p:spTree>
+  </p:cSld>
+  <p:clrMapOvr>
+    <a:masterClrMapping/>
+  </p:clrMapOvr>
+</p:sld>
+</file>
+
+<file path=ppt/slides/slide34.xml><?xml version="1.0" encoding="utf-8"?>
+<p:sld xmlns:a="http://schemas.openxmlformats.org/drawingml/2006/main" xmlns:r="http://schemas.openxmlformats.org/officeDocument/2006/relationships" xmlns:p="http://schemas.openxmlformats.org/presentationml/2006/main">
+  <p:cSld>
+    <p:spTree>
+      <p:nvGrpSpPr>
+        <p:cNvPr id="1" name=""/>
+        <p:cNvGrpSpPr/>
+        <p:nvPr/>
+      </p:nvGrpSpPr>
+      <p:grpSpPr/>
+      <p:sp>
+        <p:nvSpPr>
+          <p:cNvPr id="2" name="标题 1"/>
+          <p:cNvSpPr>
+            <a:spLocks noGrp="1"/>
+          </p:cNvSpPr>
+          <p:nvPr>
+            <p:ph type="title"/>
+          </p:nvPr>
+        </p:nvSpPr>
+        <p:spPr/>
+        <p:txBody>
+          <a:bodyPr/>
+          <a:p>
+            <a:r>
+              <a:rPr lang="zh-CN" altLang="en-US">
+                <a:sym typeface="+mn-ea"/>
+              </a:rPr>
+              <a:t>为什么Reflect和Proxy经常一起使用</a:t>
+            </a:r>
+            <a:br>
+              <a:rPr lang="zh-CN" altLang="en-US"/>
+            </a:br>
+            <a:endParaRPr lang="zh-CN" altLang="en-US"/>
+          </a:p>
+        </p:txBody>
+      </p:sp>
+      <p:sp>
+        <p:nvSpPr>
+          <p:cNvPr id="3" name="内容占位符 2"/>
+          <p:cNvSpPr>
+            <a:spLocks noGrp="1"/>
+          </p:cNvSpPr>
+          <p:nvPr>
+            <p:ph sz="half" idx="1"/>
+          </p:nvPr>
+        </p:nvSpPr>
+        <p:spPr>
+          <a:xfrm>
+            <a:off x="1691235" y="1663784"/>
+            <a:ext cx="8828410" cy="2656205"/>
+          </a:xfrm>
+        </p:spPr>
+        <p:txBody>
+          <a:bodyPr/>
+          <a:p>
+            <a:r>
+              <a:rPr lang="zh-CN" altLang="en-US"/>
+              <a:t>Reflect提供的所有静态方法和Proxy第2个handle参数方法是一模一样的。具体见后面的对比描述。</a:t>
+            </a:r>
+            <a:endParaRPr lang="zh-CN" altLang="en-US"/>
+          </a:p>
+          <a:p>
+            <a:r>
+              <a:rPr lang="zh-CN" altLang="en-US"/>
+              <a:t>Proxy get/set()方法需要的返回值正是Reflect的get/set方法的返回值，可以天然配合使用，比直接对象赋值/获取值要更方便和准确。</a:t>
+            </a:r>
+            <a:endParaRPr lang="zh-CN" altLang="en-US"/>
+          </a:p>
+          <a:p>
+            <a:r>
+              <a:rPr lang="zh-CN" altLang="en-US"/>
+              <a:t>receiver参数具有不可替代性。</a:t>
+            </a:r>
+            <a:endParaRPr lang="zh-CN" altLang="en-US"/>
+          </a:p>
+        </p:txBody>
+      </p:sp>
+    </p:spTree>
+  </p:cSld>
+  <p:clrMapOvr>
+    <a:masterClrMapping/>
+  </p:clrMapOvr>
+</p:sld>
+</file>
+
+<file path=ppt/slides/slide35.xml><?xml version="1.0" encoding="utf-8"?>
 <p:sld xmlns:a="http://schemas.openxmlformats.org/drawingml/2006/main" xmlns:r="http://schemas.openxmlformats.org/officeDocument/2006/relationships" xmlns:p="http://schemas.openxmlformats.org/presentationml/2006/main">
   <p:cSld>
     <p:spTree>
@@ -20080,7 +21296,7 @@
 </p:sld>
 </file>
 
-<file path=ppt/slides/slide27.xml><?xml version="1.0" encoding="utf-8"?>
+<file path=ppt/slides/slide36.xml><?xml version="1.0" encoding="utf-8"?>
 <p:sld xmlns:a="http://schemas.openxmlformats.org/drawingml/2006/main" xmlns:r="http://schemas.openxmlformats.org/officeDocument/2006/relationships" xmlns:p="http://schemas.openxmlformats.org/presentationml/2006/main">
   <p:cSld>
     <p:spTree>
@@ -20389,7 +21605,7 @@
 </p:sld>
 </file>
 
-<file path=ppt/slides/slide28.xml><?xml version="1.0" encoding="utf-8"?>
+<file path=ppt/slides/slide37.xml><?xml version="1.0" encoding="utf-8"?>
 <p:sld xmlns:a="http://schemas.openxmlformats.org/drawingml/2006/main" xmlns:r="http://schemas.openxmlformats.org/officeDocument/2006/relationships" xmlns:p="http://schemas.openxmlformats.org/presentationml/2006/main">
   <p:cSld>
     <p:spTree>
@@ -20475,7 +21691,7 @@
 </p:sld>
 </file>
 
-<file path=ppt/slides/slide29.xml><?xml version="1.0" encoding="utf-8"?>
+<file path=ppt/slides/slide38.xml><?xml version="1.0" encoding="utf-8"?>
 <p:sld xmlns:a="http://schemas.openxmlformats.org/drawingml/2006/main" xmlns:r="http://schemas.openxmlformats.org/officeDocument/2006/relationships" xmlns:p="http://schemas.openxmlformats.org/presentationml/2006/main">
   <p:cSld>
     <p:spTree>
@@ -20633,203 +21849,7 @@
 </p:sld>
 </file>
 
-<file path=ppt/slides/slide3.xml><?xml version="1.0" encoding="utf-8"?>
-<p:sld xmlns:a="http://schemas.openxmlformats.org/drawingml/2006/main" xmlns:r="http://schemas.openxmlformats.org/officeDocument/2006/relationships" xmlns:p="http://schemas.openxmlformats.org/presentationml/2006/main">
-  <p:cSld>
-    <p:spTree>
-      <p:nvGrpSpPr>
-        <p:cNvPr id="1" name=""/>
-        <p:cNvGrpSpPr/>
-        <p:nvPr/>
-      </p:nvGrpSpPr>
-      <p:grpSpPr>
-        <a:xfrm>
-          <a:off x="0" y="0"/>
-          <a:ext cx="0" cy="0"/>
-          <a:chOff x="0" y="0"/>
-          <a:chExt cx="0" cy="0"/>
-        </a:xfrm>
-      </p:grpSpPr>
-      <p:sp>
-        <p:nvSpPr>
-          <p:cNvPr id="2" name="标题 1"/>
-          <p:cNvSpPr>
-            <a:spLocks noGrp="1"/>
-          </p:cNvSpPr>
-          <p:nvPr>
-            <p:ph type="title"/>
-          </p:nvPr>
-        </p:nvSpPr>
-        <p:spPr/>
-        <p:txBody>
-          <a:bodyPr/>
-          <a:lstStyle/>
-          <a:p>
-            <a:r>
-              <a:rPr lang="en-US" altLang="zh-CN" dirty="0"/>
-              <a:t>vue3</a:t>
-            </a:r>
-            <a:r>
-              <a:rPr lang="zh-CN" altLang="en-US" dirty="0"/>
-              <a:t>简介</a:t>
-            </a:r>
-            <a:endParaRPr lang="zh-CN" altLang="en-US" dirty="0"/>
-          </a:p>
-        </p:txBody>
-      </p:sp>
-      <p:sp>
-        <p:nvSpPr>
-          <p:cNvPr id="3" name="内容占位符 2"/>
-          <p:cNvSpPr>
-            <a:spLocks noGrp="1"/>
-          </p:cNvSpPr>
-          <p:nvPr>
-            <p:ph sz="half" idx="1"/>
-          </p:nvPr>
-        </p:nvSpPr>
-        <p:spPr>
-          <a:xfrm>
-            <a:off x="1691235" y="1663784"/>
-            <a:ext cx="8828410" cy="1732915"/>
-          </a:xfrm>
-        </p:spPr>
-        <p:txBody>
-          <a:bodyPr/>
-          <a:lstStyle/>
-          <a:p>
-            <a:r>
-              <a:rPr lang="zh-CN" altLang="en-US" dirty="0">
-                <a:solidFill>
-                  <a:srgbClr val="2E75B6"/>
-                </a:solidFill>
-                <a:sym typeface="+mn-ea"/>
-              </a:rPr>
-              <a:t>什么是</a:t>
-            </a:r>
-            <a:r>
-              <a:rPr lang="en-US" altLang="zh-CN" dirty="0">
-                <a:solidFill>
-                  <a:srgbClr val="2E75B6"/>
-                </a:solidFill>
-                <a:sym typeface="+mn-ea"/>
-              </a:rPr>
-              <a:t>vue3</a:t>
-            </a:r>
-            <a:r>
-              <a:rPr lang="zh-CN" altLang="en-US" dirty="0">
-                <a:solidFill>
-                  <a:srgbClr val="2E75B6"/>
-                </a:solidFill>
-                <a:sym typeface="+mn-ea"/>
-              </a:rPr>
-              <a:t>？</a:t>
-            </a:r>
-            <a:endParaRPr lang="en-US" altLang="zh-CN" dirty="0">
-              <a:solidFill>
-                <a:srgbClr val="2E75B6"/>
-              </a:solidFill>
-              <a:sym typeface="+mn-ea"/>
-            </a:endParaRPr>
-          </a:p>
-          <a:p>
-            <a:r>
-              <a:rPr lang="zh-CN" altLang="en-US" dirty="0">
-                <a:solidFill>
-                  <a:srgbClr val="2E75B6"/>
-                </a:solidFill>
-                <a:sym typeface="+mn-ea"/>
-              </a:rPr>
-              <a:t>为什么需要了解</a:t>
-            </a:r>
-            <a:r>
-              <a:rPr lang="en-US" altLang="zh-CN" dirty="0">
-                <a:solidFill>
-                  <a:srgbClr val="2E75B6"/>
-                </a:solidFill>
-                <a:sym typeface="+mn-ea"/>
-              </a:rPr>
-              <a:t>vue3</a:t>
-            </a:r>
-            <a:r>
-              <a:rPr lang="zh-CN" altLang="en-US" dirty="0">
-                <a:solidFill>
-                  <a:srgbClr val="2E75B6"/>
-                </a:solidFill>
-                <a:sym typeface="+mn-ea"/>
-              </a:rPr>
-              <a:t>的源码</a:t>
-            </a:r>
-            <a:r>
-              <a:rPr lang="zh-CN" altLang="en-US" dirty="0">
-                <a:solidFill>
-                  <a:srgbClr val="2E75B6"/>
-                </a:solidFill>
-                <a:sym typeface="+mn-ea"/>
-              </a:rPr>
-              <a:t>实现？</a:t>
-            </a:r>
-            <a:endParaRPr lang="en-US" altLang="zh-CN" dirty="0">
-              <a:solidFill>
-                <a:srgbClr val="2E75B6"/>
-              </a:solidFill>
-              <a:sym typeface="+mn-ea"/>
-            </a:endParaRPr>
-          </a:p>
-          <a:p>
-            <a:r>
-              <a:rPr lang="zh-CN" altLang="en-US" dirty="0">
-                <a:solidFill>
-                  <a:srgbClr val="2E75B6"/>
-                </a:solidFill>
-                <a:sym typeface="+mn-ea"/>
-              </a:rPr>
-              <a:t>如何能高效的学习到</a:t>
-            </a:r>
-            <a:r>
-              <a:rPr lang="en-US" altLang="zh-CN" dirty="0">
-                <a:solidFill>
-                  <a:srgbClr val="2E75B6"/>
-                </a:solidFill>
-                <a:sym typeface="+mn-ea"/>
-              </a:rPr>
-              <a:t>vue3</a:t>
-            </a:r>
-            <a:r>
-              <a:rPr lang="zh-CN" altLang="en-US" dirty="0">
-                <a:solidFill>
-                  <a:srgbClr val="2E75B6"/>
-                </a:solidFill>
-                <a:sym typeface="+mn-ea"/>
-              </a:rPr>
-              <a:t>的</a:t>
-            </a:r>
-            <a:r>
-              <a:rPr lang="zh-CN" altLang="en-US" dirty="0">
-                <a:solidFill>
-                  <a:srgbClr val="2E75B6"/>
-                </a:solidFill>
-                <a:sym typeface="+mn-ea"/>
-              </a:rPr>
-              <a:t>源码？</a:t>
-            </a:r>
-            <a:endParaRPr dirty="0">
-              <a:solidFill>
-                <a:srgbClr val="2E75B6"/>
-              </a:solidFill>
-              <a:sym typeface="+mn-ea"/>
-            </a:endParaRPr>
-          </a:p>
-        </p:txBody>
-      </p:sp>
-    </p:spTree>
-  </p:cSld>
-  <p:clrMapOvr>
-    <a:masterClrMapping/>
-  </p:clrMapOvr>
-</p:sld>
-</file>
-
-<file path=ppt/slides/slide30.xml><?xml version="1.0" encoding="utf-8"?>
+<file path=ppt/slides/slide39.xml><?xml version="1.0" encoding="utf-8"?>
 <p:sld xmlns:a="http://schemas.openxmlformats.org/drawingml/2006/main" xmlns:r="http://schemas.openxmlformats.org/officeDocument/2006/relationships" xmlns:p="http://schemas.openxmlformats.org/presentationml/2006/main">
   <p:cSld>
     <p:spTree>
@@ -20917,734 +21937,6 @@
               <a:t>兼容性</a:t>
             </a:r>
             <a:endParaRPr lang="zh-CN" altLang="en-US"/>
-          </a:p>
-        </p:txBody>
-      </p:sp>
-    </p:spTree>
-  </p:cSld>
-  <p:clrMapOvr>
-    <a:masterClrMapping/>
-  </p:clrMapOvr>
-</p:sld>
-</file>
-
-<file path=ppt/slides/slide31.xml><?xml version="1.0" encoding="utf-8"?>
-<p:sld xmlns:a="http://schemas.openxmlformats.org/drawingml/2006/main" xmlns:r="http://schemas.openxmlformats.org/officeDocument/2006/relationships" xmlns:p="http://schemas.openxmlformats.org/presentationml/2006/main">
-  <p:cSld>
-    <p:spTree>
-      <p:nvGrpSpPr>
-        <p:cNvPr id="1" name=""/>
-        <p:cNvGrpSpPr/>
-        <p:nvPr/>
-      </p:nvGrpSpPr>
-      <p:grpSpPr/>
-      <p:sp>
-        <p:nvSpPr>
-          <p:cNvPr id="2" name="标题 1"/>
-          <p:cNvSpPr>
-            <a:spLocks noGrp="1"/>
-          </p:cNvSpPr>
-          <p:nvPr>
-            <p:ph type="title"/>
-          </p:nvPr>
-        </p:nvSpPr>
-        <p:spPr/>
-        <p:txBody>
-          <a:bodyPr/>
-          <a:p>
-            <a:r>
-              <a:rPr lang="zh-CN" altLang="en-US">
-                <a:sym typeface="+mn-ea"/>
-              </a:rPr>
-              <a:t>兼容性对比</a:t>
-            </a:r>
-            <a:br>
-              <a:rPr lang="zh-CN" altLang="en-US"/>
-            </a:br>
-            <a:endParaRPr lang="zh-CN" altLang="en-US"/>
-          </a:p>
-        </p:txBody>
-      </p:sp>
-      <p:pic>
-        <p:nvPicPr>
-          <p:cNvPr id="4" name="内容占位符 3"/>
-          <p:cNvPicPr>
-            <a:picLocks noChangeAspect="1"/>
-          </p:cNvPicPr>
-          <p:nvPr>
-            <p:ph sz="half" idx="1"/>
-          </p:nvPr>
-        </p:nvPicPr>
-        <p:blipFill>
-          <a:blip r:embed="rId1"/>
-          <a:stretch>
-            <a:fillRect/>
-          </a:stretch>
-        </p:blipFill>
-        <p:spPr>
-          <a:xfrm>
-            <a:off x="2486660" y="1663700"/>
-            <a:ext cx="7236460" cy="2385060"/>
-          </a:xfrm>
-          <a:prstGeom prst="rect">
-            <a:avLst/>
-          </a:prstGeom>
-        </p:spPr>
-      </p:pic>
-      <p:sp>
-        <p:nvSpPr>
-          <p:cNvPr id="5" name="文本框 4"/>
-          <p:cNvSpPr txBox="1"/>
-          <p:nvPr/>
-        </p:nvSpPr>
-        <p:spPr>
-          <a:xfrm>
-            <a:off x="1689735" y="4575810"/>
-            <a:ext cx="3110865" cy="368300"/>
-          </a:xfrm>
-          <a:prstGeom prst="rect">
-            <a:avLst/>
-          </a:prstGeom>
-          <a:noFill/>
-        </p:spPr>
-        <p:txBody>
-          <a:bodyPr wrap="none" rtlCol="0">
-            <a:spAutoFit/>
-          </a:bodyPr>
-          <a:p>
-            <a:pPr algn="l"/>
-            <a:r>
-              <a:rPr lang="zh-CN" altLang="en-US"/>
-              <a:t>Object.defineProperty兼容性</a:t>
-            </a:r>
-            <a:endParaRPr lang="zh-CN" altLang="en-US"/>
-          </a:p>
-        </p:txBody>
-      </p:sp>
-    </p:spTree>
-  </p:cSld>
-  <p:clrMapOvr>
-    <a:masterClrMapping/>
-  </p:clrMapOvr>
-</p:sld>
-</file>
-
-<file path=ppt/slides/slide32.xml><?xml version="1.0" encoding="utf-8"?>
-<p:sld xmlns:a="http://schemas.openxmlformats.org/drawingml/2006/main" xmlns:r="http://schemas.openxmlformats.org/officeDocument/2006/relationships" xmlns:p="http://schemas.openxmlformats.org/presentationml/2006/main">
-  <p:cSld>
-    <p:spTree>
-      <p:nvGrpSpPr>
-        <p:cNvPr id="1" name=""/>
-        <p:cNvGrpSpPr/>
-        <p:nvPr/>
-      </p:nvGrpSpPr>
-      <p:grpSpPr/>
-      <p:sp>
-        <p:nvSpPr>
-          <p:cNvPr id="2" name="标题 1"/>
-          <p:cNvSpPr>
-            <a:spLocks noGrp="1"/>
-          </p:cNvSpPr>
-          <p:nvPr>
-            <p:ph type="title"/>
-          </p:nvPr>
-        </p:nvSpPr>
-        <p:spPr/>
-        <p:txBody>
-          <a:bodyPr/>
-          <a:p>
-            <a:r>
-              <a:rPr lang="en-US" altLang="zh-CN" dirty="0">
-                <a:solidFill>
-                  <a:srgbClr val="2E75B6"/>
-                </a:solidFill>
-                <a:sym typeface="+mn-ea"/>
-              </a:rPr>
-              <a:t>Proxy</a:t>
-            </a:r>
-            <a:r>
-              <a:rPr lang="zh-CN" altLang="en-US" dirty="0">
-                <a:solidFill>
-                  <a:srgbClr val="2E75B6"/>
-                </a:solidFill>
-                <a:sym typeface="+mn-ea"/>
-              </a:rPr>
-              <a:t>的优势</a:t>
-            </a:r>
-            <a:endParaRPr lang="zh-CN" altLang="en-US"/>
-          </a:p>
-        </p:txBody>
-      </p:sp>
-      <p:sp>
-        <p:nvSpPr>
-          <p:cNvPr id="3" name="内容占位符 2"/>
-          <p:cNvSpPr>
-            <a:spLocks noGrp="1"/>
-          </p:cNvSpPr>
-          <p:nvPr>
-            <p:ph sz="half" idx="1"/>
-          </p:nvPr>
-        </p:nvSpPr>
-        <p:spPr>
-          <a:xfrm>
-            <a:off x="1691235" y="1663784"/>
-            <a:ext cx="8828410" cy="4297680"/>
-          </a:xfrm>
-        </p:spPr>
-        <p:txBody>
-          <a:bodyPr/>
-          <a:p>
-            <a:r>
-              <a:rPr lang="zh-CN" altLang="en-US"/>
-              <a:t>Proxy可以直接监听整个对象而非属性。</a:t>
-            </a:r>
-            <a:endParaRPr lang="zh-CN" altLang="en-US"/>
-          </a:p>
-          <a:p>
-            <a:r>
-              <a:rPr lang="zh-CN" altLang="en-US"/>
-              <a:t>Proxy可以直接监听数组的变化。</a:t>
-            </a:r>
-            <a:endParaRPr lang="zh-CN" altLang="en-US"/>
-          </a:p>
-          <a:p>
-            <a:r>
-              <a:rPr lang="zh-CN" altLang="en-US"/>
-              <a:t>Proxy有13中拦截方法，如ownKeys、deleteProperty、has 等是 Object.defineProperty 不具备的。</a:t>
-            </a:r>
-            <a:endParaRPr lang="zh-CN" altLang="en-US"/>
-          </a:p>
-          <a:p>
-            <a:r>
-              <a:rPr lang="zh-CN" altLang="en-US"/>
-              <a:t>Proxy返回的是一个新对象，我们可以只操作新的对象达到目的，而Object.defineProperty只能遍历对象属性直接修改;</a:t>
-            </a:r>
-            <a:endParaRPr lang="zh-CN" altLang="en-US"/>
-          </a:p>
-          <a:p>
-            <a:r>
-              <a:rPr lang="zh-CN" altLang="en-US"/>
-              <a:t>Proxy做为新标准将受到浏览器产商重点持续的性能优化,也就是传说中的新标准的性能红利。</a:t>
-            </a:r>
-            <a:endParaRPr lang="zh-CN" altLang="en-US"/>
-          </a:p>
-        </p:txBody>
-      </p:sp>
-    </p:spTree>
-  </p:cSld>
-  <p:clrMapOvr>
-    <a:masterClrMapping/>
-  </p:clrMapOvr>
-</p:sld>
-</file>
-
-<file path=ppt/slides/slide33.xml><?xml version="1.0" encoding="utf-8"?>
-<p:sld xmlns:a="http://schemas.openxmlformats.org/drawingml/2006/main" xmlns:r="http://schemas.openxmlformats.org/officeDocument/2006/relationships" xmlns:p="http://schemas.openxmlformats.org/presentationml/2006/main">
-  <p:cSld>
-    <p:spTree>
-      <p:nvGrpSpPr>
-        <p:cNvPr id="1" name=""/>
-        <p:cNvGrpSpPr/>
-        <p:nvPr/>
-      </p:nvGrpSpPr>
-      <p:grpSpPr/>
-      <p:sp>
-        <p:nvSpPr>
-          <p:cNvPr id="2" name="标题 1"/>
-          <p:cNvSpPr>
-            <a:spLocks noGrp="1"/>
-          </p:cNvSpPr>
-          <p:nvPr>
-            <p:ph type="title"/>
-          </p:nvPr>
-        </p:nvSpPr>
-        <p:spPr/>
-        <p:txBody>
-          <a:bodyPr/>
-          <a:p>
-            <a:r>
-              <a:rPr lang="en-US" dirty="0">
-                <a:solidFill>
-                  <a:srgbClr val="2E75B6"/>
-                </a:solidFill>
-                <a:sym typeface="+mn-ea"/>
-              </a:rPr>
-              <a:t>Object.defineProperty</a:t>
-            </a:r>
-            <a:r>
-              <a:rPr lang="zh-CN" altLang="en-US" dirty="0">
-                <a:solidFill>
-                  <a:srgbClr val="2E75B6"/>
-                </a:solidFill>
-                <a:sym typeface="+mn-ea"/>
-              </a:rPr>
-              <a:t>的优势与不足</a:t>
-            </a:r>
-            <a:br>
-              <a:rPr lang="zh-CN" altLang="en-US" dirty="0">
-                <a:solidFill>
-                  <a:srgbClr val="2E75B6"/>
-                </a:solidFill>
-                <a:sym typeface="+mn-ea"/>
-              </a:rPr>
-            </a:br>
-            <a:endParaRPr lang="zh-CN" altLang="en-US"/>
-          </a:p>
-        </p:txBody>
-      </p:sp>
-      <p:sp>
-        <p:nvSpPr>
-          <p:cNvPr id="3" name="内容占位符 2"/>
-          <p:cNvSpPr>
-            <a:spLocks noGrp="1"/>
-          </p:cNvSpPr>
-          <p:nvPr>
-            <p:ph sz="half" idx="1"/>
-          </p:nvPr>
-        </p:nvSpPr>
-        <p:spPr>
-          <a:xfrm>
-            <a:off x="1691235" y="1663784"/>
-            <a:ext cx="8828410" cy="3433445"/>
-          </a:xfrm>
-        </p:spPr>
-        <p:txBody>
-          <a:bodyPr/>
-          <a:p>
-            <a:r>
-              <a:rPr lang="zh-CN" altLang="en-US"/>
-              <a:t>Object.defineProperty 的优势如下</a:t>
-            </a:r>
-            <a:endParaRPr lang="zh-CN" altLang="en-US"/>
-          </a:p>
-          <a:p>
-            <a:pPr lvl="1"/>
-            <a:r>
-              <a:rPr lang="zh-CN" altLang="en-US"/>
-              <a:t>兼容性好，支持 IE9，而 Proxy 的存在浏览器兼容性问题,而且无法用 polyfill 磨平。</a:t>
-            </a:r>
-            <a:endParaRPr lang="zh-CN" altLang="en-US"/>
-          </a:p>
-          <a:p>
-            <a:r>
-              <a:rPr lang="zh-CN" altLang="en-US"/>
-              <a:t>Object.defineProperty 不足在于：</a:t>
-            </a:r>
-            <a:endParaRPr lang="zh-CN" altLang="en-US"/>
-          </a:p>
-          <a:p>
-            <a:pPr lvl="1"/>
-            <a:r>
-              <a:rPr lang="zh-CN" altLang="en-US"/>
-              <a:t>Object.defineProperty 只能劫持对象的属性,因此我们需要对每个对象的每个属性进行遍历。</a:t>
-            </a:r>
-            <a:endParaRPr lang="zh-CN" altLang="en-US"/>
-          </a:p>
-          <a:p>
-            <a:pPr lvl="1"/>
-            <a:r>
-              <a:rPr lang="zh-CN" altLang="en-US"/>
-              <a:t>Object.defineProperty不能监听数组。是通过重写数据的那7个可以改变数据的方法来对数组进行监听的。</a:t>
-            </a:r>
-            <a:endParaRPr lang="zh-CN" altLang="en-US"/>
-          </a:p>
-          <a:p>
-            <a:pPr lvl="1"/>
-            <a:r>
-              <a:rPr lang="zh-CN" altLang="en-US"/>
-              <a:t>Object.defineProperty 也不能对 es6 新产生的 Map,Set 这些数据结构做出监听。</a:t>
-            </a:r>
-            <a:endParaRPr lang="zh-CN" altLang="en-US"/>
-          </a:p>
-          <a:p>
-            <a:pPr lvl="1"/>
-            <a:r>
-              <a:rPr lang="zh-CN" altLang="en-US"/>
-              <a:t>Object.defineProperty也不能监听新增和删除操作，只能通过 Vue.set()和 Vue.delete来实现响应式的。</a:t>
-            </a:r>
-            <a:endParaRPr lang="zh-CN" altLang="en-US"/>
-          </a:p>
-        </p:txBody>
-      </p:sp>
-    </p:spTree>
-  </p:cSld>
-  <p:clrMapOvr>
-    <a:masterClrMapping/>
-  </p:clrMapOvr>
-</p:sld>
-</file>
-
-<file path=ppt/slides/slide34.xml><?xml version="1.0" encoding="utf-8"?>
-<p:sld xmlns:a="http://schemas.openxmlformats.org/drawingml/2006/main" xmlns:r="http://schemas.openxmlformats.org/officeDocument/2006/relationships" xmlns:p="http://schemas.openxmlformats.org/presentationml/2006/main">
-  <p:cSld>
-    <p:spTree>
-      <p:nvGrpSpPr>
-        <p:cNvPr id="1" name=""/>
-        <p:cNvGrpSpPr/>
-        <p:nvPr/>
-      </p:nvGrpSpPr>
-      <p:grpSpPr>
-        <a:xfrm>
-          <a:off x="0" y="0"/>
-          <a:ext cx="0" cy="0"/>
-          <a:chOff x="0" y="0"/>
-          <a:chExt cx="0" cy="0"/>
-        </a:xfrm>
-      </p:grpSpPr>
-      <p:sp>
-        <p:nvSpPr>
-          <p:cNvPr id="2" name="标题 1"/>
-          <p:cNvSpPr>
-            <a:spLocks noGrp="1"/>
-          </p:cNvSpPr>
-          <p:nvPr>
-            <p:ph type="title"/>
-          </p:nvPr>
-        </p:nvSpPr>
-        <p:spPr/>
-        <p:txBody>
-          <a:bodyPr/>
-          <a:lstStyle/>
-          <a:p>
-            <a:r>
-              <a:rPr lang="zh-CN" altLang="en-US" dirty="0"/>
-              <a:t>参考资料</a:t>
-            </a:r>
-            <a:endParaRPr lang="zh-CN" altLang="en-US" dirty="0"/>
-          </a:p>
-        </p:txBody>
-      </p:sp>
-      <p:sp>
-        <p:nvSpPr>
-          <p:cNvPr id="3" name="内容占位符 2"/>
-          <p:cNvSpPr>
-            <a:spLocks noGrp="1"/>
-          </p:cNvSpPr>
-          <p:nvPr>
-            <p:ph sz="half" idx="1"/>
-          </p:nvPr>
-        </p:nvSpPr>
-        <p:spPr>
-          <a:xfrm>
-            <a:off x="1691235" y="1663784"/>
-            <a:ext cx="8828410" cy="3681730"/>
-          </a:xfrm>
-        </p:spPr>
-        <p:txBody>
-          <a:bodyPr/>
-          <a:lstStyle/>
-          <a:p>
-            <a:r>
-              <a:rPr lang="en-US" altLang="zh-CN" dirty="0"/>
-              <a:t>https://zhuanlan.zhihu.com/p/95021220 </a:t>
-            </a:r>
-            <a:endParaRPr lang="en-US" altLang="zh-CN" dirty="0"/>
-          </a:p>
-          <a:p>
-            <a:r>
-              <a:rPr lang="en-US" altLang="zh-CN" dirty="0">
-                <a:sym typeface="+mn-ea"/>
-              </a:rPr>
-              <a:t>《JavaScript</a:t>
-            </a:r>
-            <a:r>
-              <a:rPr lang="zh-CN" altLang="en-US" dirty="0">
-                <a:sym typeface="+mn-ea"/>
-              </a:rPr>
-              <a:t>高级程序设计（第</a:t>
-            </a:r>
-            <a:r>
-              <a:rPr lang="en-US" altLang="zh-CN" dirty="0">
-                <a:sym typeface="+mn-ea"/>
-              </a:rPr>
-              <a:t>3</a:t>
-            </a:r>
-            <a:r>
-              <a:rPr lang="zh-CN" altLang="en-US" dirty="0">
-                <a:sym typeface="+mn-ea"/>
-              </a:rPr>
-              <a:t>版）</a:t>
-            </a:r>
-            <a:r>
-              <a:rPr lang="en-US" altLang="zh-CN" dirty="0">
-                <a:sym typeface="+mn-ea"/>
-              </a:rPr>
-              <a:t>》</a:t>
-            </a:r>
-            <a:endParaRPr lang="en-US" altLang="zh-CN" dirty="0">
-              <a:sym typeface="+mn-ea"/>
-            </a:endParaRPr>
-          </a:p>
-          <a:p>
-            <a:r>
-              <a:rPr lang="en-US" altLang="zh-CN" dirty="0">
-                <a:sym typeface="+mn-ea"/>
-              </a:rPr>
-              <a:t>MDN Web Docs :</a:t>
-            </a:r>
-            <a:endParaRPr lang="en-US" altLang="zh-CN" dirty="0">
-              <a:sym typeface="+mn-ea"/>
-            </a:endParaRPr>
-          </a:p>
-          <a:p>
-            <a:pPr marL="685800" lvl="1" indent="-228600">
-              <a:buFont typeface="Arial" panose="020B0604020202020204" pitchFamily="34" charset="0"/>
-              <a:buChar char="•"/>
-            </a:pPr>
-            <a:r>
-              <a:rPr lang="en-US" altLang="zh-CN" sz="2000" dirty="0">
-                <a:solidFill>
-                  <a:schemeClr val="tx1"/>
-                </a:solidFill>
-                <a:sym typeface="+mn-ea"/>
-              </a:rPr>
-              <a:t>https://developer.mozilla.org/zh-CN/docs/Web/JavaScript/Reference/Global_Objects/Object/defineProperty</a:t>
-            </a:r>
-            <a:endParaRPr lang="en-US" altLang="zh-CN" sz="2000" dirty="0">
-              <a:solidFill>
-                <a:schemeClr val="tx1"/>
-              </a:solidFill>
-              <a:sym typeface="+mn-ea"/>
-            </a:endParaRPr>
-          </a:p>
-          <a:p>
-            <a:pPr marL="685800" lvl="1" indent="-228600">
-              <a:buFont typeface="Arial" panose="020B0604020202020204" pitchFamily="34" charset="0"/>
-              <a:buChar char="•"/>
-            </a:pPr>
-            <a:r>
-              <a:rPr lang="en-US" altLang="zh-CN" sz="2000" dirty="0">
-                <a:solidFill>
-                  <a:schemeClr val="tx1"/>
-                </a:solidFill>
-                <a:sym typeface="+mn-ea"/>
-              </a:rPr>
-              <a:t>https://developer.mozilla.org/zh-CN/docs/Web/JavaScript/Reference/Global_Objects/Proxy</a:t>
-            </a:r>
-            <a:endParaRPr lang="en-US" altLang="zh-CN" sz="2000" dirty="0">
-              <a:solidFill>
-                <a:schemeClr val="tx1"/>
-              </a:solidFill>
-              <a:sym typeface="+mn-ea"/>
-            </a:endParaRPr>
-          </a:p>
-          <a:p>
-            <a:r>
-              <a:rPr dirty="0"/>
-              <a:t>Proxy和Object.defineProperty的对比</a:t>
-            </a:r>
-            <a:r>
-              <a:rPr lang="en-US" dirty="0"/>
-              <a:t> : </a:t>
-            </a:r>
-            <a:r>
-              <a:rPr lang="zh-CN" altLang="en-US" dirty="0"/>
-              <a:t>https://zhuanlan.zhihu.com/p/195542026</a:t>
-            </a:r>
-            <a:endParaRPr lang="zh-CN" altLang="en-US" dirty="0"/>
-          </a:p>
-        </p:txBody>
-      </p:sp>
-    </p:spTree>
-  </p:cSld>
-  <p:clrMapOvr>
-    <a:masterClrMapping/>
-  </p:clrMapOvr>
-</p:sld>
-</file>
-
-<file path=ppt/slides/slide35.xml><?xml version="1.0" encoding="utf-8"?>
-<p:sld xmlns:a="http://schemas.openxmlformats.org/drawingml/2006/main" xmlns:r="http://schemas.openxmlformats.org/officeDocument/2006/relationships" xmlns:p="http://schemas.openxmlformats.org/presentationml/2006/main">
-  <p:cSld>
-    <p:spTree>
-      <p:nvGrpSpPr>
-        <p:cNvPr id="1" name=""/>
-        <p:cNvGrpSpPr/>
-        <p:nvPr/>
-      </p:nvGrpSpPr>
-      <p:grpSpPr/>
-      <p:sp>
-        <p:nvSpPr>
-          <p:cNvPr id="2" name="标题 1"/>
-          <p:cNvSpPr>
-            <a:spLocks noGrp="1"/>
-          </p:cNvSpPr>
-          <p:nvPr>
-            <p:ph type="title"/>
-          </p:nvPr>
-        </p:nvSpPr>
-        <p:spPr/>
-        <p:txBody>
-          <a:bodyPr/>
-          <a:p>
-            <a:r>
-              <a:rPr lang="zh-CN" altLang="en-US" dirty="0">
-                <a:sym typeface="+mn-ea"/>
-              </a:rPr>
-              <a:t>参考资料</a:t>
-            </a:r>
-            <a:endParaRPr lang="zh-CN" altLang="en-US"/>
-          </a:p>
-        </p:txBody>
-      </p:sp>
-      <p:sp>
-        <p:nvSpPr>
-          <p:cNvPr id="3" name="内容占位符 2"/>
-          <p:cNvSpPr>
-            <a:spLocks noGrp="1"/>
-          </p:cNvSpPr>
-          <p:nvPr>
-            <p:ph sz="half" idx="1"/>
-          </p:nvPr>
-        </p:nvSpPr>
-        <p:spPr>
-          <a:xfrm>
-            <a:off x="1691235" y="1663784"/>
-            <a:ext cx="8828410" cy="1452880"/>
-          </a:xfrm>
-        </p:spPr>
-        <p:txBody>
-          <a:bodyPr/>
-          <a:p>
-            <a:r>
-              <a:rPr lang="zh-CN" altLang="en-US">
-                <a:sym typeface="+mn-ea"/>
-              </a:rPr>
-              <a:t>Proxy是代理，Reflect是干嘛用的？</a:t>
-            </a:r>
-            <a:endParaRPr lang="zh-CN" altLang="en-US">
-              <a:sym typeface="+mn-ea"/>
-            </a:endParaRPr>
-          </a:p>
-          <a:p>
-            <a:pPr lvl="1"/>
-            <a:r>
-              <a:rPr lang="zh-CN" altLang="en-US">
-                <a:sym typeface="+mn-ea"/>
-              </a:rPr>
-              <a:t>https://www.zhangxinxu.com/wordpress/2021/07/js-proxy-reflect/</a:t>
-            </a:r>
-            <a:endParaRPr lang="zh-CN" altLang="en-US"/>
-          </a:p>
-          <a:p>
-            <a:endParaRPr lang="zh-CN" altLang="en-US"/>
-          </a:p>
-        </p:txBody>
-      </p:sp>
-    </p:spTree>
-  </p:cSld>
-  <p:clrMapOvr>
-    <a:masterClrMapping/>
-  </p:clrMapOvr>
-</p:sld>
-</file>
-
-<file path=ppt/slides/slide36.xml><?xml version="1.0" encoding="utf-8"?>
-<p:sld xmlns:a="http://schemas.openxmlformats.org/drawingml/2006/main" xmlns:r="http://schemas.openxmlformats.org/officeDocument/2006/relationships" xmlns:p="http://schemas.openxmlformats.org/presentationml/2006/main">
-  <p:cSld>
-    <p:spTree>
-      <p:nvGrpSpPr>
-        <p:cNvPr id="1" name=""/>
-        <p:cNvGrpSpPr/>
-        <p:nvPr/>
-      </p:nvGrpSpPr>
-      <p:grpSpPr>
-        <a:xfrm>
-          <a:off x="0" y="0"/>
-          <a:ext cx="0" cy="0"/>
-          <a:chOff x="0" y="0"/>
-          <a:chExt cx="0" cy="0"/>
-        </a:xfrm>
-      </p:grpSpPr>
-      <p:sp>
-        <p:nvSpPr>
-          <p:cNvPr id="2" name="标题 1"/>
-          <p:cNvSpPr>
-            <a:spLocks noGrp="1"/>
-          </p:cNvSpPr>
-          <p:nvPr>
-            <p:ph type="title"/>
-          </p:nvPr>
-        </p:nvSpPr>
-        <p:spPr>
-          <a:xfrm>
-            <a:off x="1062596" y="536490"/>
-            <a:ext cx="10066493" cy="533091"/>
-          </a:xfrm>
-        </p:spPr>
-        <p:txBody>
-          <a:bodyPr/>
-          <a:lstStyle/>
-          <a:p>
-            <a:r>
-              <a:rPr lang="zh-CN" altLang="en-US" dirty="0"/>
-              <a:t>谢谢观看</a:t>
-            </a:r>
-            <a:endParaRPr lang="zh-CN" altLang="en-US" dirty="0"/>
-          </a:p>
-        </p:txBody>
-      </p:sp>
-      <p:sp>
-        <p:nvSpPr>
-          <p:cNvPr id="4" name="矩形 3"/>
-          <p:cNvSpPr/>
-          <p:nvPr/>
-        </p:nvSpPr>
-        <p:spPr>
-          <a:xfrm>
-            <a:off x="3914140" y="2472690"/>
-            <a:ext cx="4488815" cy="1628140"/>
-          </a:xfrm>
-          <a:prstGeom prst="rect">
-            <a:avLst/>
-          </a:prstGeom>
-          <a:noFill/>
-          <a:ln>
-            <a:noFill/>
-          </a:ln>
-        </p:spPr>
-        <p:txBody>
-          <a:bodyPr wrap="square" rtlCol="0" anchor="t">
-            <a:prstTxWarp prst="textSlantUp">
-              <a:avLst/>
-            </a:prstTxWarp>
-            <a:spAutoFit/>
-            <a:scene3d>
-              <a:camera prst="orthographicFront"/>
-              <a:lightRig rig="threePt" dir="t"/>
-            </a:scene3d>
-          </a:bodyPr>
-          <a:p>
-            <a:pPr algn="ctr"/>
-            <a:r>
-              <a:rPr lang="zh-CN" altLang="en-US" sz="7200" dirty="0">
-                <a:solidFill>
-                  <a:schemeClr val="accent1"/>
-                </a:solidFill>
-                <a:effectLst>
-                  <a:outerShdw blurRad="38100" dist="25400" dir="5400000" algn="ctr" rotWithShape="0">
-                    <a:srgbClr val="6E747A">
-                      <a:alpha val="43000"/>
-                    </a:srgbClr>
-                  </a:outerShdw>
-                </a:effectLst>
-                <a:sym typeface="+mn-ea"/>
-              </a:rPr>
-              <a:t>谢谢观看</a:t>
-            </a:r>
-            <a:endParaRPr lang="zh-CN" altLang="en-US" sz="7200" b="1" dirty="0">
-              <a:solidFill>
-                <a:schemeClr val="accent1"/>
-              </a:solidFill>
-              <a:effectLst>
-                <a:outerShdw blurRad="38100" dist="25400" dir="5400000" algn="ctr" rotWithShape="0">
-                  <a:srgbClr val="6E747A">
-                    <a:alpha val="43000"/>
-                  </a:srgbClr>
-                </a:outerShdw>
-              </a:effectLst>
-              <a:sym typeface="+mn-ea"/>
-            </a:endParaRPr>
           </a:p>
         </p:txBody>
       </p:sp>
@@ -21776,6 +22068,734 @@
 </p:sld>
 </file>
 
+<file path=ppt/slides/slide40.xml><?xml version="1.0" encoding="utf-8"?>
+<p:sld xmlns:a="http://schemas.openxmlformats.org/drawingml/2006/main" xmlns:r="http://schemas.openxmlformats.org/officeDocument/2006/relationships" xmlns:p="http://schemas.openxmlformats.org/presentationml/2006/main">
+  <p:cSld>
+    <p:spTree>
+      <p:nvGrpSpPr>
+        <p:cNvPr id="1" name=""/>
+        <p:cNvGrpSpPr/>
+        <p:nvPr/>
+      </p:nvGrpSpPr>
+      <p:grpSpPr/>
+      <p:sp>
+        <p:nvSpPr>
+          <p:cNvPr id="2" name="标题 1"/>
+          <p:cNvSpPr>
+            <a:spLocks noGrp="1"/>
+          </p:cNvSpPr>
+          <p:nvPr>
+            <p:ph type="title"/>
+          </p:nvPr>
+        </p:nvSpPr>
+        <p:spPr/>
+        <p:txBody>
+          <a:bodyPr/>
+          <a:p>
+            <a:r>
+              <a:rPr lang="zh-CN" altLang="en-US">
+                <a:sym typeface="+mn-ea"/>
+              </a:rPr>
+              <a:t>兼容性对比</a:t>
+            </a:r>
+            <a:br>
+              <a:rPr lang="zh-CN" altLang="en-US"/>
+            </a:br>
+            <a:endParaRPr lang="zh-CN" altLang="en-US"/>
+          </a:p>
+        </p:txBody>
+      </p:sp>
+      <p:pic>
+        <p:nvPicPr>
+          <p:cNvPr id="4" name="内容占位符 3"/>
+          <p:cNvPicPr>
+            <a:picLocks noChangeAspect="1"/>
+          </p:cNvPicPr>
+          <p:nvPr>
+            <p:ph sz="half" idx="1"/>
+          </p:nvPr>
+        </p:nvPicPr>
+        <p:blipFill>
+          <a:blip r:embed="rId1"/>
+          <a:stretch>
+            <a:fillRect/>
+          </a:stretch>
+        </p:blipFill>
+        <p:spPr>
+          <a:xfrm>
+            <a:off x="2486660" y="1663700"/>
+            <a:ext cx="7236460" cy="2385060"/>
+          </a:xfrm>
+          <a:prstGeom prst="rect">
+            <a:avLst/>
+          </a:prstGeom>
+        </p:spPr>
+      </p:pic>
+      <p:sp>
+        <p:nvSpPr>
+          <p:cNvPr id="5" name="文本框 4"/>
+          <p:cNvSpPr txBox="1"/>
+          <p:nvPr/>
+        </p:nvSpPr>
+        <p:spPr>
+          <a:xfrm>
+            <a:off x="1689735" y="4575810"/>
+            <a:ext cx="3110865" cy="368300"/>
+          </a:xfrm>
+          <a:prstGeom prst="rect">
+            <a:avLst/>
+          </a:prstGeom>
+          <a:noFill/>
+        </p:spPr>
+        <p:txBody>
+          <a:bodyPr wrap="none" rtlCol="0">
+            <a:spAutoFit/>
+          </a:bodyPr>
+          <a:p>
+            <a:pPr algn="l"/>
+            <a:r>
+              <a:rPr lang="zh-CN" altLang="en-US"/>
+              <a:t>Object.defineProperty兼容性</a:t>
+            </a:r>
+            <a:endParaRPr lang="zh-CN" altLang="en-US"/>
+          </a:p>
+        </p:txBody>
+      </p:sp>
+    </p:spTree>
+  </p:cSld>
+  <p:clrMapOvr>
+    <a:masterClrMapping/>
+  </p:clrMapOvr>
+</p:sld>
+</file>
+
+<file path=ppt/slides/slide41.xml><?xml version="1.0" encoding="utf-8"?>
+<p:sld xmlns:a="http://schemas.openxmlformats.org/drawingml/2006/main" xmlns:r="http://schemas.openxmlformats.org/officeDocument/2006/relationships" xmlns:p="http://schemas.openxmlformats.org/presentationml/2006/main">
+  <p:cSld>
+    <p:spTree>
+      <p:nvGrpSpPr>
+        <p:cNvPr id="1" name=""/>
+        <p:cNvGrpSpPr/>
+        <p:nvPr/>
+      </p:nvGrpSpPr>
+      <p:grpSpPr/>
+      <p:sp>
+        <p:nvSpPr>
+          <p:cNvPr id="2" name="标题 1"/>
+          <p:cNvSpPr>
+            <a:spLocks noGrp="1"/>
+          </p:cNvSpPr>
+          <p:nvPr>
+            <p:ph type="title"/>
+          </p:nvPr>
+        </p:nvSpPr>
+        <p:spPr/>
+        <p:txBody>
+          <a:bodyPr/>
+          <a:p>
+            <a:r>
+              <a:rPr lang="en-US" altLang="zh-CN" dirty="0">
+                <a:solidFill>
+                  <a:srgbClr val="2E75B6"/>
+                </a:solidFill>
+                <a:sym typeface="+mn-ea"/>
+              </a:rPr>
+              <a:t>Proxy</a:t>
+            </a:r>
+            <a:r>
+              <a:rPr lang="zh-CN" altLang="en-US" dirty="0">
+                <a:solidFill>
+                  <a:srgbClr val="2E75B6"/>
+                </a:solidFill>
+                <a:sym typeface="+mn-ea"/>
+              </a:rPr>
+              <a:t>的优势</a:t>
+            </a:r>
+            <a:endParaRPr lang="zh-CN" altLang="en-US"/>
+          </a:p>
+        </p:txBody>
+      </p:sp>
+      <p:sp>
+        <p:nvSpPr>
+          <p:cNvPr id="3" name="内容占位符 2"/>
+          <p:cNvSpPr>
+            <a:spLocks noGrp="1"/>
+          </p:cNvSpPr>
+          <p:nvPr>
+            <p:ph sz="half" idx="1"/>
+          </p:nvPr>
+        </p:nvSpPr>
+        <p:spPr>
+          <a:xfrm>
+            <a:off x="1691235" y="1663784"/>
+            <a:ext cx="8828410" cy="4297680"/>
+          </a:xfrm>
+        </p:spPr>
+        <p:txBody>
+          <a:bodyPr/>
+          <a:p>
+            <a:r>
+              <a:rPr lang="zh-CN" altLang="en-US"/>
+              <a:t>Proxy可以直接监听整个对象而非属性。</a:t>
+            </a:r>
+            <a:endParaRPr lang="zh-CN" altLang="en-US"/>
+          </a:p>
+          <a:p>
+            <a:r>
+              <a:rPr lang="zh-CN" altLang="en-US"/>
+              <a:t>Proxy可以直接监听数组的变化。</a:t>
+            </a:r>
+            <a:endParaRPr lang="zh-CN" altLang="en-US"/>
+          </a:p>
+          <a:p>
+            <a:r>
+              <a:rPr lang="zh-CN" altLang="en-US"/>
+              <a:t>Proxy有13中拦截方法，如ownKeys、deleteProperty、has 等是 Object.defineProperty 不具备的。</a:t>
+            </a:r>
+            <a:endParaRPr lang="zh-CN" altLang="en-US"/>
+          </a:p>
+          <a:p>
+            <a:r>
+              <a:rPr lang="zh-CN" altLang="en-US"/>
+              <a:t>Proxy返回的是一个新对象，我们可以只操作新的对象达到目的，而Object.defineProperty只能遍历对象属性直接修改;</a:t>
+            </a:r>
+            <a:endParaRPr lang="zh-CN" altLang="en-US"/>
+          </a:p>
+          <a:p>
+            <a:r>
+              <a:rPr lang="zh-CN" altLang="en-US"/>
+              <a:t>Proxy做为新标准将受到浏览器产商重点持续的性能优化,也就是传说中的新标准的性能红利。</a:t>
+            </a:r>
+            <a:endParaRPr lang="zh-CN" altLang="en-US"/>
+          </a:p>
+        </p:txBody>
+      </p:sp>
+    </p:spTree>
+  </p:cSld>
+  <p:clrMapOvr>
+    <a:masterClrMapping/>
+  </p:clrMapOvr>
+</p:sld>
+</file>
+
+<file path=ppt/slides/slide42.xml><?xml version="1.0" encoding="utf-8"?>
+<p:sld xmlns:a="http://schemas.openxmlformats.org/drawingml/2006/main" xmlns:r="http://schemas.openxmlformats.org/officeDocument/2006/relationships" xmlns:p="http://schemas.openxmlformats.org/presentationml/2006/main">
+  <p:cSld>
+    <p:spTree>
+      <p:nvGrpSpPr>
+        <p:cNvPr id="1" name=""/>
+        <p:cNvGrpSpPr/>
+        <p:nvPr/>
+      </p:nvGrpSpPr>
+      <p:grpSpPr/>
+      <p:sp>
+        <p:nvSpPr>
+          <p:cNvPr id="2" name="标题 1"/>
+          <p:cNvSpPr>
+            <a:spLocks noGrp="1"/>
+          </p:cNvSpPr>
+          <p:nvPr>
+            <p:ph type="title"/>
+          </p:nvPr>
+        </p:nvSpPr>
+        <p:spPr/>
+        <p:txBody>
+          <a:bodyPr/>
+          <a:p>
+            <a:r>
+              <a:rPr lang="en-US" dirty="0">
+                <a:solidFill>
+                  <a:srgbClr val="2E75B6"/>
+                </a:solidFill>
+                <a:sym typeface="+mn-ea"/>
+              </a:rPr>
+              <a:t>Object.defineProperty</a:t>
+            </a:r>
+            <a:r>
+              <a:rPr lang="zh-CN" altLang="en-US" dirty="0">
+                <a:solidFill>
+                  <a:srgbClr val="2E75B6"/>
+                </a:solidFill>
+                <a:sym typeface="+mn-ea"/>
+              </a:rPr>
+              <a:t>的优势与不足</a:t>
+            </a:r>
+            <a:br>
+              <a:rPr lang="zh-CN" altLang="en-US" dirty="0">
+                <a:solidFill>
+                  <a:srgbClr val="2E75B6"/>
+                </a:solidFill>
+                <a:sym typeface="+mn-ea"/>
+              </a:rPr>
+            </a:br>
+            <a:endParaRPr lang="zh-CN" altLang="en-US"/>
+          </a:p>
+        </p:txBody>
+      </p:sp>
+      <p:sp>
+        <p:nvSpPr>
+          <p:cNvPr id="3" name="内容占位符 2"/>
+          <p:cNvSpPr>
+            <a:spLocks noGrp="1"/>
+          </p:cNvSpPr>
+          <p:nvPr>
+            <p:ph sz="half" idx="1"/>
+          </p:nvPr>
+        </p:nvSpPr>
+        <p:spPr>
+          <a:xfrm>
+            <a:off x="1691235" y="1663784"/>
+            <a:ext cx="8828410" cy="3433445"/>
+          </a:xfrm>
+        </p:spPr>
+        <p:txBody>
+          <a:bodyPr/>
+          <a:p>
+            <a:r>
+              <a:rPr lang="zh-CN" altLang="en-US"/>
+              <a:t>Object.defineProperty 的优势如下</a:t>
+            </a:r>
+            <a:endParaRPr lang="zh-CN" altLang="en-US"/>
+          </a:p>
+          <a:p>
+            <a:pPr lvl="1"/>
+            <a:r>
+              <a:rPr lang="zh-CN" altLang="en-US"/>
+              <a:t>兼容性好，支持 IE9，而 Proxy 的存在浏览器兼容性问题,而且无法用 polyfill 磨平。</a:t>
+            </a:r>
+            <a:endParaRPr lang="zh-CN" altLang="en-US"/>
+          </a:p>
+          <a:p>
+            <a:r>
+              <a:rPr lang="zh-CN" altLang="en-US"/>
+              <a:t>Object.defineProperty 不足在于：</a:t>
+            </a:r>
+            <a:endParaRPr lang="zh-CN" altLang="en-US"/>
+          </a:p>
+          <a:p>
+            <a:pPr lvl="1"/>
+            <a:r>
+              <a:rPr lang="zh-CN" altLang="en-US"/>
+              <a:t>Object.defineProperty 只能劫持对象的属性,因此我们需要对每个对象的每个属性进行遍历。</a:t>
+            </a:r>
+            <a:endParaRPr lang="zh-CN" altLang="en-US"/>
+          </a:p>
+          <a:p>
+            <a:pPr lvl="1"/>
+            <a:r>
+              <a:rPr lang="zh-CN" altLang="en-US"/>
+              <a:t>Object.defineProperty不能监听数组。是通过重写数据的那7个可以改变数据的方法来对数组进行监听的。</a:t>
+            </a:r>
+            <a:endParaRPr lang="zh-CN" altLang="en-US"/>
+          </a:p>
+          <a:p>
+            <a:pPr lvl="1"/>
+            <a:r>
+              <a:rPr lang="zh-CN" altLang="en-US"/>
+              <a:t>Object.defineProperty 也不能对 es6 新产生的 Map,Set 这些数据结构做出监听。</a:t>
+            </a:r>
+            <a:endParaRPr lang="zh-CN" altLang="en-US"/>
+          </a:p>
+          <a:p>
+            <a:pPr lvl="1"/>
+            <a:r>
+              <a:rPr lang="zh-CN" altLang="en-US"/>
+              <a:t>Object.defineProperty也不能监听新增和删除操作，只能通过 Vue.set()和 Vue.delete来实现响应式的。</a:t>
+            </a:r>
+            <a:endParaRPr lang="zh-CN" altLang="en-US"/>
+          </a:p>
+        </p:txBody>
+      </p:sp>
+    </p:spTree>
+  </p:cSld>
+  <p:clrMapOvr>
+    <a:masterClrMapping/>
+  </p:clrMapOvr>
+</p:sld>
+</file>
+
+<file path=ppt/slides/slide43.xml><?xml version="1.0" encoding="utf-8"?>
+<p:sld xmlns:a="http://schemas.openxmlformats.org/drawingml/2006/main" xmlns:r="http://schemas.openxmlformats.org/officeDocument/2006/relationships" xmlns:p="http://schemas.openxmlformats.org/presentationml/2006/main">
+  <p:cSld>
+    <p:spTree>
+      <p:nvGrpSpPr>
+        <p:cNvPr id="1" name=""/>
+        <p:cNvGrpSpPr/>
+        <p:nvPr/>
+      </p:nvGrpSpPr>
+      <p:grpSpPr>
+        <a:xfrm>
+          <a:off x="0" y="0"/>
+          <a:ext cx="0" cy="0"/>
+          <a:chOff x="0" y="0"/>
+          <a:chExt cx="0" cy="0"/>
+        </a:xfrm>
+      </p:grpSpPr>
+      <p:sp>
+        <p:nvSpPr>
+          <p:cNvPr id="2" name="标题 1"/>
+          <p:cNvSpPr>
+            <a:spLocks noGrp="1"/>
+          </p:cNvSpPr>
+          <p:nvPr>
+            <p:ph type="title"/>
+          </p:nvPr>
+        </p:nvSpPr>
+        <p:spPr/>
+        <p:txBody>
+          <a:bodyPr/>
+          <a:lstStyle/>
+          <a:p>
+            <a:r>
+              <a:rPr lang="zh-CN" altLang="en-US" dirty="0"/>
+              <a:t>参考资料</a:t>
+            </a:r>
+            <a:endParaRPr lang="zh-CN" altLang="en-US" dirty="0"/>
+          </a:p>
+        </p:txBody>
+      </p:sp>
+      <p:sp>
+        <p:nvSpPr>
+          <p:cNvPr id="3" name="内容占位符 2"/>
+          <p:cNvSpPr>
+            <a:spLocks noGrp="1"/>
+          </p:cNvSpPr>
+          <p:nvPr>
+            <p:ph sz="half" idx="1"/>
+          </p:nvPr>
+        </p:nvSpPr>
+        <p:spPr>
+          <a:xfrm>
+            <a:off x="1691235" y="1663784"/>
+            <a:ext cx="8828410" cy="3681730"/>
+          </a:xfrm>
+        </p:spPr>
+        <p:txBody>
+          <a:bodyPr/>
+          <a:lstStyle/>
+          <a:p>
+            <a:r>
+              <a:rPr lang="en-US" altLang="zh-CN" dirty="0"/>
+              <a:t>https://zhuanlan.zhihu.com/p/95021220 </a:t>
+            </a:r>
+            <a:endParaRPr lang="en-US" altLang="zh-CN" dirty="0"/>
+          </a:p>
+          <a:p>
+            <a:r>
+              <a:rPr lang="en-US" altLang="zh-CN" dirty="0">
+                <a:sym typeface="+mn-ea"/>
+              </a:rPr>
+              <a:t>《JavaScript</a:t>
+            </a:r>
+            <a:r>
+              <a:rPr lang="zh-CN" altLang="en-US" dirty="0">
+                <a:sym typeface="+mn-ea"/>
+              </a:rPr>
+              <a:t>高级程序设计（第</a:t>
+            </a:r>
+            <a:r>
+              <a:rPr lang="en-US" altLang="zh-CN" dirty="0">
+                <a:sym typeface="+mn-ea"/>
+              </a:rPr>
+              <a:t>3</a:t>
+            </a:r>
+            <a:r>
+              <a:rPr lang="zh-CN" altLang="en-US" dirty="0">
+                <a:sym typeface="+mn-ea"/>
+              </a:rPr>
+              <a:t>版）</a:t>
+            </a:r>
+            <a:r>
+              <a:rPr lang="en-US" altLang="zh-CN" dirty="0">
+                <a:sym typeface="+mn-ea"/>
+              </a:rPr>
+              <a:t>》</a:t>
+            </a:r>
+            <a:endParaRPr lang="en-US" altLang="zh-CN" dirty="0">
+              <a:sym typeface="+mn-ea"/>
+            </a:endParaRPr>
+          </a:p>
+          <a:p>
+            <a:r>
+              <a:rPr lang="en-US" altLang="zh-CN" dirty="0">
+                <a:sym typeface="+mn-ea"/>
+              </a:rPr>
+              <a:t>MDN Web Docs :</a:t>
+            </a:r>
+            <a:endParaRPr lang="en-US" altLang="zh-CN" dirty="0">
+              <a:sym typeface="+mn-ea"/>
+            </a:endParaRPr>
+          </a:p>
+          <a:p>
+            <a:pPr marL="685800" lvl="1" indent="-228600">
+              <a:buFont typeface="Arial" panose="020B0604020202020204" pitchFamily="34" charset="0"/>
+              <a:buChar char="•"/>
+            </a:pPr>
+            <a:r>
+              <a:rPr lang="en-US" altLang="zh-CN" sz="2000" dirty="0">
+                <a:solidFill>
+                  <a:schemeClr val="tx1"/>
+                </a:solidFill>
+                <a:sym typeface="+mn-ea"/>
+              </a:rPr>
+              <a:t>https://developer.mozilla.org/zh-CN/docs/Web/JavaScript/Reference/Global_Objects/Object/defineProperty</a:t>
+            </a:r>
+            <a:endParaRPr lang="en-US" altLang="zh-CN" sz="2000" dirty="0">
+              <a:solidFill>
+                <a:schemeClr val="tx1"/>
+              </a:solidFill>
+              <a:sym typeface="+mn-ea"/>
+            </a:endParaRPr>
+          </a:p>
+          <a:p>
+            <a:pPr marL="685800" lvl="1" indent="-228600">
+              <a:buFont typeface="Arial" panose="020B0604020202020204" pitchFamily="34" charset="0"/>
+              <a:buChar char="•"/>
+            </a:pPr>
+            <a:r>
+              <a:rPr lang="en-US" altLang="zh-CN" sz="2000" dirty="0">
+                <a:solidFill>
+                  <a:schemeClr val="tx1"/>
+                </a:solidFill>
+                <a:sym typeface="+mn-ea"/>
+              </a:rPr>
+              <a:t>https://developer.mozilla.org/zh-CN/docs/Web/JavaScript/Reference/Global_Objects/Proxy</a:t>
+            </a:r>
+            <a:endParaRPr lang="en-US" altLang="zh-CN" sz="2000" dirty="0">
+              <a:solidFill>
+                <a:schemeClr val="tx1"/>
+              </a:solidFill>
+              <a:sym typeface="+mn-ea"/>
+            </a:endParaRPr>
+          </a:p>
+          <a:p>
+            <a:r>
+              <a:rPr dirty="0"/>
+              <a:t>Proxy和Object.defineProperty的对比</a:t>
+            </a:r>
+            <a:r>
+              <a:rPr lang="en-US" dirty="0"/>
+              <a:t> : </a:t>
+            </a:r>
+            <a:r>
+              <a:rPr lang="zh-CN" altLang="en-US" dirty="0"/>
+              <a:t>https://zhuanlan.zhihu.com/p/195542026</a:t>
+            </a:r>
+            <a:endParaRPr lang="zh-CN" altLang="en-US" dirty="0"/>
+          </a:p>
+        </p:txBody>
+      </p:sp>
+    </p:spTree>
+  </p:cSld>
+  <p:clrMapOvr>
+    <a:masterClrMapping/>
+  </p:clrMapOvr>
+</p:sld>
+</file>
+
+<file path=ppt/slides/slide44.xml><?xml version="1.0" encoding="utf-8"?>
+<p:sld xmlns:a="http://schemas.openxmlformats.org/drawingml/2006/main" xmlns:r="http://schemas.openxmlformats.org/officeDocument/2006/relationships" xmlns:p="http://schemas.openxmlformats.org/presentationml/2006/main">
+  <p:cSld>
+    <p:spTree>
+      <p:nvGrpSpPr>
+        <p:cNvPr id="1" name=""/>
+        <p:cNvGrpSpPr/>
+        <p:nvPr/>
+      </p:nvGrpSpPr>
+      <p:grpSpPr/>
+      <p:sp>
+        <p:nvSpPr>
+          <p:cNvPr id="2" name="标题 1"/>
+          <p:cNvSpPr>
+            <a:spLocks noGrp="1"/>
+          </p:cNvSpPr>
+          <p:nvPr>
+            <p:ph type="title"/>
+          </p:nvPr>
+        </p:nvSpPr>
+        <p:spPr/>
+        <p:txBody>
+          <a:bodyPr/>
+          <a:p>
+            <a:r>
+              <a:rPr lang="zh-CN" altLang="en-US" dirty="0">
+                <a:sym typeface="+mn-ea"/>
+              </a:rPr>
+              <a:t>参考资料</a:t>
+            </a:r>
+            <a:endParaRPr lang="zh-CN" altLang="en-US"/>
+          </a:p>
+        </p:txBody>
+      </p:sp>
+      <p:sp>
+        <p:nvSpPr>
+          <p:cNvPr id="3" name="内容占位符 2"/>
+          <p:cNvSpPr>
+            <a:spLocks noGrp="1"/>
+          </p:cNvSpPr>
+          <p:nvPr>
+            <p:ph sz="half" idx="1"/>
+          </p:nvPr>
+        </p:nvSpPr>
+        <p:spPr>
+          <a:xfrm>
+            <a:off x="1691235" y="1663784"/>
+            <a:ext cx="8828410" cy="1452880"/>
+          </a:xfrm>
+        </p:spPr>
+        <p:txBody>
+          <a:bodyPr/>
+          <a:p>
+            <a:r>
+              <a:rPr lang="zh-CN" altLang="en-US">
+                <a:sym typeface="+mn-ea"/>
+              </a:rPr>
+              <a:t>Proxy是代理，Reflect是干嘛用的？</a:t>
+            </a:r>
+            <a:endParaRPr lang="zh-CN" altLang="en-US">
+              <a:sym typeface="+mn-ea"/>
+            </a:endParaRPr>
+          </a:p>
+          <a:p>
+            <a:pPr lvl="1"/>
+            <a:r>
+              <a:rPr lang="zh-CN" altLang="en-US">
+                <a:sym typeface="+mn-ea"/>
+              </a:rPr>
+              <a:t>https://www.zhangxinxu.com/wordpress/2021/07/js-proxy-reflect/</a:t>
+            </a:r>
+            <a:endParaRPr lang="zh-CN" altLang="en-US"/>
+          </a:p>
+          <a:p>
+            <a:endParaRPr lang="zh-CN" altLang="en-US"/>
+          </a:p>
+        </p:txBody>
+      </p:sp>
+    </p:spTree>
+  </p:cSld>
+  <p:clrMapOvr>
+    <a:masterClrMapping/>
+  </p:clrMapOvr>
+</p:sld>
+</file>
+
+<file path=ppt/slides/slide45.xml><?xml version="1.0" encoding="utf-8"?>
+<p:sld xmlns:a="http://schemas.openxmlformats.org/drawingml/2006/main" xmlns:r="http://schemas.openxmlformats.org/officeDocument/2006/relationships" xmlns:p="http://schemas.openxmlformats.org/presentationml/2006/main">
+  <p:cSld>
+    <p:spTree>
+      <p:nvGrpSpPr>
+        <p:cNvPr id="1" name=""/>
+        <p:cNvGrpSpPr/>
+        <p:nvPr/>
+      </p:nvGrpSpPr>
+      <p:grpSpPr>
+        <a:xfrm>
+          <a:off x="0" y="0"/>
+          <a:ext cx="0" cy="0"/>
+          <a:chOff x="0" y="0"/>
+          <a:chExt cx="0" cy="0"/>
+        </a:xfrm>
+      </p:grpSpPr>
+      <p:sp>
+        <p:nvSpPr>
+          <p:cNvPr id="2" name="标题 1"/>
+          <p:cNvSpPr>
+            <a:spLocks noGrp="1"/>
+          </p:cNvSpPr>
+          <p:nvPr>
+            <p:ph type="title"/>
+          </p:nvPr>
+        </p:nvSpPr>
+        <p:spPr>
+          <a:xfrm>
+            <a:off x="1062596" y="536490"/>
+            <a:ext cx="10066493" cy="533091"/>
+          </a:xfrm>
+        </p:spPr>
+        <p:txBody>
+          <a:bodyPr/>
+          <a:lstStyle/>
+          <a:p>
+            <a:r>
+              <a:rPr lang="zh-CN" altLang="en-US" dirty="0"/>
+              <a:t>谢谢观看</a:t>
+            </a:r>
+            <a:endParaRPr lang="zh-CN" altLang="en-US" dirty="0"/>
+          </a:p>
+        </p:txBody>
+      </p:sp>
+      <p:sp>
+        <p:nvSpPr>
+          <p:cNvPr id="4" name="矩形 3"/>
+          <p:cNvSpPr/>
+          <p:nvPr/>
+        </p:nvSpPr>
+        <p:spPr>
+          <a:xfrm>
+            <a:off x="3914140" y="2472690"/>
+            <a:ext cx="4488815" cy="1628140"/>
+          </a:xfrm>
+          <a:prstGeom prst="rect">
+            <a:avLst/>
+          </a:prstGeom>
+          <a:noFill/>
+          <a:ln>
+            <a:noFill/>
+          </a:ln>
+        </p:spPr>
+        <p:txBody>
+          <a:bodyPr wrap="square" rtlCol="0" anchor="t">
+            <a:prstTxWarp prst="textSlantUp">
+              <a:avLst/>
+            </a:prstTxWarp>
+            <a:spAutoFit/>
+            <a:scene3d>
+              <a:camera prst="orthographicFront"/>
+              <a:lightRig rig="threePt" dir="t"/>
+            </a:scene3d>
+          </a:bodyPr>
+          <a:p>
+            <a:pPr algn="ctr"/>
+            <a:r>
+              <a:rPr lang="zh-CN" altLang="en-US" sz="7200" dirty="0">
+                <a:solidFill>
+                  <a:schemeClr val="accent1"/>
+                </a:solidFill>
+                <a:effectLst>
+                  <a:outerShdw blurRad="38100" dist="25400" dir="5400000" algn="ctr" rotWithShape="0">
+                    <a:srgbClr val="6E747A">
+                      <a:alpha val="43000"/>
+                    </a:srgbClr>
+                  </a:outerShdw>
+                </a:effectLst>
+                <a:sym typeface="+mn-ea"/>
+              </a:rPr>
+              <a:t>谢谢观看</a:t>
+            </a:r>
+            <a:endParaRPr lang="zh-CN" altLang="en-US" sz="7200" b="1" dirty="0">
+              <a:solidFill>
+                <a:schemeClr val="accent1"/>
+              </a:solidFill>
+              <a:effectLst>
+                <a:outerShdw blurRad="38100" dist="25400" dir="5400000" algn="ctr" rotWithShape="0">
+                  <a:srgbClr val="6E747A">
+                    <a:alpha val="43000"/>
+                  </a:srgbClr>
+                </a:outerShdw>
+              </a:effectLst>
+              <a:sym typeface="+mn-ea"/>
+            </a:endParaRPr>
+          </a:p>
+        </p:txBody>
+      </p:sp>
+    </p:spTree>
+  </p:cSld>
+  <p:clrMapOvr>
+    <a:masterClrMapping/>
+  </p:clrMapOvr>
+</p:sld>
+</file>
+
 <file path=ppt/slides/slide5.xml><?xml version="1.0" encoding="utf-8"?>
 <p:sld xmlns:a="http://schemas.openxmlformats.org/drawingml/2006/main" xmlns:r="http://schemas.openxmlformats.org/officeDocument/2006/relationships" xmlns:p="http://schemas.openxmlformats.org/presentationml/2006/main">
   <p:cSld>
@@ -22052,7 +23072,7 @@
         <p:spPr>
           <a:xfrm>
             <a:off x="1691235" y="1663784"/>
-            <a:ext cx="8828410" cy="1143000"/>
+            <a:ext cx="8828410" cy="4028440"/>
           </a:xfrm>
         </p:spPr>
         <p:txBody>
@@ -22062,20 +23082,154 @@
               <a:rPr lang="zh-CN" altLang="en-US" dirty="0">
                 <a:sym typeface="+mn-ea"/>
               </a:rPr>
-              <a:t>Object.defineProperty简介</a:t>
-            </a:r>
-            <a:endParaRPr lang="zh-CN" altLang="en-US" dirty="0">
-              <a:sym typeface="+mn-ea"/>
-            </a:endParaRPr>
-          </a:p>
-          <a:p>
+              <a:t>@vue/reactivity</a:t>
+            </a:r>
+            <a:r>
+              <a:rPr lang="en-US" altLang="zh-CN" dirty="0">
+                <a:sym typeface="+mn-ea"/>
+              </a:rPr>
+              <a:t> </a:t>
+            </a:r>
             <a:r>
               <a:rPr lang="zh-CN" altLang="en-US" dirty="0">
                 <a:sym typeface="+mn-ea"/>
               </a:rPr>
-              <a:t>Object.defineProperty的属性描述符</a:t>
+              <a:t>包</a:t>
+            </a:r>
+            <a:r>
+              <a:rPr lang="zh-CN" altLang="en-US" dirty="0">
+                <a:sym typeface="+mn-ea"/>
+              </a:rPr>
+              <a:t>的主要</a:t>
+            </a:r>
+            <a:r>
+              <a:rPr lang="zh-CN" altLang="en-US" dirty="0">
+                <a:sym typeface="+mn-ea"/>
+              </a:rPr>
+              <a:t>目的</a:t>
             </a:r>
             <a:endParaRPr lang="zh-CN" altLang="en-US"/>
+          </a:p>
+          <a:p>
+            <a:r>
+              <a:rPr lang="zh-CN" altLang="en-US"/>
+              <a:t>effect</a:t>
+            </a:r>
+            <a:r>
+              <a:rPr lang="en-US" altLang="zh-CN"/>
+              <a:t> </a:t>
+            </a:r>
+            <a:r>
+              <a:rPr lang="zh-CN" altLang="en-US"/>
+              <a:t>（副作用</a:t>
+            </a:r>
+            <a:r>
+              <a:rPr lang="zh-CN" altLang="en-US"/>
+              <a:t>函数）</a:t>
+            </a:r>
+            <a:endParaRPr lang="zh-CN" altLang="en-US"/>
+          </a:p>
+          <a:p>
+            <a:pPr marL="685800" lvl="1" indent="-228600">
+              <a:buFont typeface="Arial" panose="020B0604020202020204" pitchFamily="34" charset="0"/>
+              <a:buChar char="•"/>
+            </a:pPr>
+            <a:r>
+              <a:rPr lang="en-US" altLang="zh-CN" sz="2000">
+                <a:solidFill>
+                  <a:schemeClr val="tx1"/>
+                </a:solidFill>
+              </a:rPr>
+              <a:t>effect</a:t>
+            </a:r>
+            <a:r>
+              <a:rPr lang="zh-CN" altLang="en-US" sz="2000">
+                <a:solidFill>
+                  <a:schemeClr val="tx1"/>
+                </a:solidFill>
+              </a:rPr>
+              <a:t>具体作用</a:t>
+            </a:r>
+            <a:endParaRPr lang="en-US" altLang="zh-CN" sz="2000">
+              <a:solidFill>
+                <a:schemeClr val="tx1"/>
+              </a:solidFill>
+            </a:endParaRPr>
+          </a:p>
+          <a:p>
+            <a:pPr marL="685800" lvl="1" indent="-228600">
+              <a:buFont typeface="Arial" panose="020B0604020202020204" pitchFamily="34" charset="0"/>
+              <a:buChar char="•"/>
+            </a:pPr>
+            <a:r>
+              <a:rPr lang="zh-CN" altLang="en-US" sz="2000">
+                <a:solidFill>
+                  <a:schemeClr val="tx1"/>
+                </a:solidFill>
+              </a:rPr>
+              <a:t>实现</a:t>
+            </a:r>
+            <a:r>
+              <a:rPr lang="zh-CN" altLang="en-US" sz="2000">
+                <a:solidFill>
+                  <a:schemeClr val="tx1"/>
+                </a:solidFill>
+              </a:rPr>
+              <a:t>思路</a:t>
+            </a:r>
+            <a:endParaRPr lang="zh-CN" altLang="en-US" sz="2000">
+              <a:solidFill>
+                <a:schemeClr val="tx1"/>
+              </a:solidFill>
+            </a:endParaRPr>
+          </a:p>
+          <a:p>
+            <a:pPr marL="685800" lvl="1" indent="-228600">
+              <a:buFont typeface="Arial" panose="020B0604020202020204" pitchFamily="34" charset="0"/>
+              <a:buChar char="•"/>
+            </a:pPr>
+            <a:r>
+              <a:rPr lang="zh-CN" altLang="en-US" sz="2000">
+                <a:solidFill>
+                  <a:schemeClr val="tx1"/>
+                </a:solidFill>
+              </a:rPr>
+              <a:t>边缘情况</a:t>
+            </a:r>
+            <a:r>
+              <a:rPr lang="zh-CN" altLang="en-US" sz="2000">
+                <a:solidFill>
+                  <a:schemeClr val="tx1"/>
+                </a:solidFill>
+              </a:rPr>
+              <a:t>处理</a:t>
+            </a:r>
+            <a:endParaRPr lang="zh-CN" altLang="en-US" sz="2000">
+              <a:solidFill>
+                <a:schemeClr val="tx1"/>
+              </a:solidFill>
+            </a:endParaRPr>
+          </a:p>
+          <a:p>
+            <a:r>
+              <a:rPr lang="zh-CN" altLang="en-US"/>
+              <a:t>reactive</a:t>
+            </a:r>
+            <a:endParaRPr lang="zh-CN" altLang="en-US"/>
+          </a:p>
+          <a:p>
+            <a:r>
+              <a:rPr lang="en-US" altLang="zh-CN"/>
+              <a:t>ref</a:t>
+            </a:r>
+            <a:endParaRPr lang="en-US" altLang="zh-CN"/>
+          </a:p>
+          <a:p>
+            <a:r>
+              <a:rPr lang="en-US" altLang="zh-CN"/>
+              <a:t>computed</a:t>
+            </a:r>
+            <a:endParaRPr lang="en-US" altLang="zh-CN"/>
           </a:p>
         </p:txBody>
       </p:sp>
@@ -22123,10 +23277,22 @@
               <a:rPr lang="zh-CN" altLang="en-US" dirty="0">
                 <a:sym typeface="+mn-ea"/>
               </a:rPr>
-              <a:t>Object.defineProperty简介</a:t>
+              <a:t>@vue/reactivity</a:t>
+            </a:r>
+            <a:r>
+              <a:rPr lang="en-US" altLang="zh-CN" dirty="0">
+                <a:sym typeface="+mn-ea"/>
+              </a:rPr>
+              <a:t> </a:t>
+            </a:r>
+            <a:r>
+              <a:rPr lang="zh-CN" altLang="en-US" dirty="0">
+                <a:sym typeface="+mn-ea"/>
+              </a:rPr>
+              <a:t>包的主要目的</a:t>
             </a:r>
             <a:br>
-              <a:rPr lang="zh-CN" altLang="en-US" dirty="0"/>
+              <a:rPr lang="zh-CN" altLang="en-US"/>
             </a:br>
             <a:endParaRPr lang="zh-CN" altLang="en-US" dirty="0"/>
           </a:p>
@@ -22145,7 +23311,7 @@
         <p:spPr>
           <a:xfrm>
             <a:off x="1691235" y="1663784"/>
-            <a:ext cx="8828410" cy="3125470"/>
+            <a:ext cx="8828410" cy="2376170"/>
           </a:xfrm>
         </p:spPr>
         <p:txBody>
@@ -22153,48 +23319,79 @@
           <a:lstStyle/>
           <a:p>
             <a:r>
-              <a:rPr lang="zh-CN" altLang="en-US" dirty="0"/>
-              <a:t>简介：Object.defineProperty() 方法会直接在一个对象上定义一个新属性，或者修改一个对象的现有属性，并返回此对象。</a:t>
-            </a:r>
-            <a:endParaRPr lang="zh-CN" altLang="en-US" dirty="0"/>
-          </a:p>
-          <a:p>
-            <a:r>
-              <a:rPr lang="zh-CN" altLang="en-US" dirty="0"/>
-              <a:t>语法 Object.defineProperty(obj, prop, descriptor)</a:t>
-            </a:r>
-            <a:endParaRPr lang="zh-CN" altLang="en-US" dirty="0"/>
-          </a:p>
-          <a:p>
-            <a:r>
-              <a:rPr lang="zh-CN" altLang="en-US" dirty="0"/>
-              <a:t>参数</a:t>
-            </a:r>
-            <a:endParaRPr lang="zh-CN" altLang="en-US" dirty="0"/>
+              <a:rPr lang="zh-CN" altLang="en-US" dirty="0">
+                <a:sym typeface="+mn-ea"/>
+              </a:rPr>
+              <a:t>@vue/reactivity</a:t>
+            </a:r>
+            <a:r>
+              <a:rPr lang="en-US" altLang="zh-CN" dirty="0">
+                <a:sym typeface="+mn-ea"/>
+              </a:rPr>
+              <a:t> </a:t>
+            </a:r>
+            <a:r>
+              <a:rPr lang="zh-CN" altLang="en-US" dirty="0">
+                <a:sym typeface="+mn-ea"/>
+              </a:rPr>
+              <a:t>包中提供了一套完善的响应系统，它暴露出的相关函数可以主要是提供给@vue/runtime-dom使用，当然我们也可以独立使用这个包来使用</a:t>
+            </a:r>
+            <a:r>
+              <a:rPr lang="zh-CN" altLang="en-US" dirty="0">
+                <a:sym typeface="+mn-ea"/>
+              </a:rPr>
+              <a:t>其响应式开发的</a:t>
+            </a:r>
+            <a:r>
+              <a:rPr lang="zh-CN" altLang="en-US" dirty="0">
+                <a:sym typeface="+mn-ea"/>
+              </a:rPr>
+              <a:t>能力。</a:t>
+            </a:r>
+            <a:endParaRPr lang="zh-CN" altLang="en-US" dirty="0">
+              <a:sym typeface="+mn-ea"/>
+            </a:endParaRPr>
+          </a:p>
+          <a:p>
+            <a:r>
+              <a:rPr lang="zh-CN" altLang="en-US" dirty="0">
+                <a:sym typeface="+mn-ea"/>
+              </a:rPr>
+              <a:t>通过下面</a:t>
+            </a:r>
+            <a:r>
+              <a:rPr lang="zh-CN" altLang="en-US" dirty="0">
+                <a:sym typeface="+mn-ea"/>
+              </a:rPr>
+              <a:t>链接可以知道其暴露了多少可以提供使用的响应式</a:t>
+            </a:r>
+            <a:r>
+              <a:rPr lang="en-US" altLang="zh-CN" dirty="0">
+                <a:sym typeface="+mn-ea"/>
+              </a:rPr>
+              <a:t>api</a:t>
+            </a:r>
+            <a:r>
+              <a:rPr lang="zh-CN" altLang="en-US" dirty="0">
+                <a:sym typeface="+mn-ea"/>
+              </a:rPr>
+              <a:t>。</a:t>
+            </a:r>
+            <a:endParaRPr lang="zh-CN" altLang="en-US" dirty="0">
+              <a:sym typeface="+mn-ea"/>
+            </a:endParaRPr>
           </a:p>
           <a:p>
             <a:pPr lvl="1"/>
             <a:r>
-              <a:rPr lang="zh-CN" altLang="en-US" dirty="0"/>
-              <a:t>obj 要定义属性的对象。</a:t>
-            </a:r>
-            <a:endParaRPr lang="zh-CN" altLang="en-US" dirty="0"/>
-          </a:p>
-          <a:p>
-            <a:pPr lvl="1"/>
-            <a:r>
-              <a:rPr lang="zh-CN" altLang="en-US" dirty="0"/>
-              <a:t>prop 要定义或修改的属性的名称或 Symbol 。</a:t>
-            </a:r>
-            <a:endParaRPr lang="zh-CN" altLang="en-US" dirty="0"/>
-          </a:p>
-          <a:p>
-            <a:pPr lvl="1"/>
-            <a:r>
-              <a:rPr lang="zh-CN" altLang="en-US" dirty="0"/>
-              <a:t>descriptor 要定义或修改的属性描述符。</a:t>
-            </a:r>
-            <a:endParaRPr lang="zh-CN" altLang="en-US" dirty="0"/>
+              <a:rPr lang="zh-CN" altLang="en-US" dirty="0">
+                <a:sym typeface="+mn-ea"/>
+              </a:rPr>
+              <a:t>https://github.com/vuejs/core/blob/main/packages/reactivity/src/index.ts</a:t>
+            </a:r>
+            <a:endParaRPr lang="zh-CN" altLang="en-US" dirty="0">
+              <a:sym typeface="+mn-ea"/>
+            </a:endParaRPr>
           </a:p>
         </p:txBody>
       </p:sp>
@@ -22239,10 +23436,22 @@
           <a:lstStyle/>
           <a:p>
             <a:r>
-              <a:rPr lang="zh-CN" altLang="en-US" dirty="0">
+              <a:rPr lang="zh-CN" altLang="en-US">
                 <a:sym typeface="+mn-ea"/>
               </a:rPr>
-              <a:t>属性描述符</a:t>
+              <a:t>effect</a:t>
+            </a:r>
+            <a:r>
+              <a:rPr lang="en-US" altLang="zh-CN">
+                <a:sym typeface="+mn-ea"/>
+              </a:rPr>
+              <a:t> </a:t>
+            </a:r>
+            <a:r>
+              <a:rPr lang="zh-CN" altLang="en-US">
+                <a:sym typeface="+mn-ea"/>
+              </a:rPr>
+              <a:t>（副作用函数）</a:t>
             </a:r>
             <a:endParaRPr lang="zh-CN" altLang="en-US" dirty="0"/>
           </a:p>
@@ -22250,7 +23459,7 @@
       </p:sp>
       <p:sp>
         <p:nvSpPr>
-          <p:cNvPr id="3" name="内容占位符 2"/>
+          <p:cNvPr id="6" name="内容占位符 5"/>
           <p:cNvSpPr>
             <a:spLocks noGrp="1"/>
           </p:cNvSpPr>
@@ -22260,8 +23469,8 @@
         </p:nvSpPr>
         <p:spPr>
           <a:xfrm>
-            <a:off x="1691235" y="1663784"/>
-            <a:ext cx="8828410" cy="4151630"/>
+            <a:off x="1682345" y="1740619"/>
+            <a:ext cx="8828410" cy="1786255"/>
           </a:xfrm>
         </p:spPr>
         <p:txBody>
@@ -22269,82 +23478,26 @@
           <a:lstStyle/>
           <a:p>
             <a:r>
-              <a:rPr lang="zh-CN" altLang="en-US" dirty="0"/>
-              <a:t>configurable</a:t>
-            </a:r>
-            <a:endParaRPr lang="zh-CN" altLang="en-US" dirty="0"/>
-          </a:p>
-          <a:p>
-            <a:pPr lvl="1"/>
-            <a:r>
-              <a:rPr lang="en-US" altLang="zh-CN" dirty="0"/>
-              <a:t>当且仅当该属性的 configurable 键值为 true 时，该属性的描述符才能够被改变，同时该属性也能从对应的对象上被删除。</a:t>
-            </a:r>
-            <a:endParaRPr lang="en-US" altLang="zh-CN" dirty="0"/>
-          </a:p>
-          <a:p>
-            <a:pPr lvl="1"/>
-            <a:r>
-              <a:rPr lang="en-US" altLang="zh-CN" dirty="0"/>
-              <a:t>默认为 false</a:t>
-            </a:r>
-            <a:endParaRPr lang="en-US" altLang="zh-CN" dirty="0"/>
-          </a:p>
-          <a:p>
-            <a:pPr lvl="0"/>
-            <a:r>
-              <a:rPr lang="en-US" altLang="zh-CN" dirty="0"/>
-              <a:t>enumerable</a:t>
-            </a:r>
-            <a:endParaRPr lang="en-US" altLang="zh-CN" dirty="0"/>
-          </a:p>
-          <a:p>
-            <a:pPr lvl="1"/>
-            <a:r>
-              <a:rPr lang="en-US" altLang="zh-CN" dirty="0"/>
-              <a:t>当且仅当该属性的 enumerable 键值为 true 时，该属性才会出现在对象的枚举属性中。</a:t>
-            </a:r>
-            <a:endParaRPr lang="en-US" altLang="zh-CN" dirty="0"/>
-          </a:p>
-          <a:p>
-            <a:pPr lvl="1"/>
-            <a:r>
-              <a:rPr lang="en-US" altLang="zh-CN" dirty="0"/>
-              <a:t>默认为 false</a:t>
-            </a:r>
-            <a:endParaRPr lang="en-US" altLang="zh-CN" dirty="0"/>
-          </a:p>
-          <a:p>
-            <a:pPr lvl="0"/>
-            <a:r>
-              <a:rPr lang="en-US" altLang="zh-CN" dirty="0">
+              <a:rPr dirty="0">
                 <a:sym typeface="+mn-ea"/>
               </a:rPr>
-              <a:t>value</a:t>
-            </a:r>
-            <a:endParaRPr lang="en-US" altLang="zh-CN" dirty="0"/>
+              <a:t>effect 作为 reactive 的核心，重要程序不可言喻，主要负责监听响应式数据的变化，触发监听函数的执行逻辑，两句话就能描述清楚的概念，单测文件就长达700多行，下面让我们一起来看详细用例</a:t>
+            </a:r>
+            <a:endParaRPr lang="zh-CN" altLang="en-US" dirty="0">
+              <a:sym typeface="+mn-ea"/>
+            </a:endParaRPr>
           </a:p>
           <a:p>
             <a:pPr lvl="1"/>
             <a:r>
-              <a:rPr lang="en-US" altLang="zh-CN" dirty="0"/>
-              <a:t>该属性对应的值。可以是任何有效的 JavaScript 值（数值，对象，函数等）。</a:t>
-            </a:r>
-            <a:endParaRPr lang="en-US" altLang="zh-CN" dirty="0"/>
-          </a:p>
-          <a:p>
-            <a:pPr lvl="1"/>
-            <a:r>
-              <a:rPr lang="en-US" altLang="zh-CN" dirty="0"/>
-              <a:t>默认为 undefined。</a:t>
-            </a:r>
-            <a:endParaRPr lang="en-US" altLang="zh-CN" dirty="0"/>
-          </a:p>
-          <a:p>
-            <a:pPr marL="457200" lvl="1" indent="0">
-              <a:buNone/>
-            </a:pPr>
-            <a:endParaRPr lang="en-US" altLang="zh-CN" dirty="0"/>
+              <a:rPr lang="zh-CN" altLang="en-US" dirty="0">
+                <a:sym typeface="+mn-ea"/>
+              </a:rPr>
+              <a:t>https://github.com/vuejs/core/blob/main/packages/reactivity/__tests__/effect.spec.ts</a:t>
+            </a:r>
+            <a:endParaRPr lang="zh-CN" altLang="en-US" dirty="0">
+              <a:sym typeface="+mn-ea"/>
+            </a:endParaRPr>
           </a:p>
         </p:txBody>
       </p:sp>
@@ -22358,23 +23511,29 @@
 
 <file path=ppt/tags/tag1.xml><?xml version="1.0" encoding="utf-8"?>
 <p:tagLst xmlns:p="http://schemas.openxmlformats.org/presentationml/2006/main">
-  <p:tag name="KSO_WM_UNIT_TABLE_BEAUTIFY" val="smartTable{ba92aa28-1bb8-4e1a-9369-4313c1acebf7}"/>
+  <p:tag name="KSO_WM_UNIT_PLACING_PICTURE_USER_VIEWPORT" val="{&quot;height&quot;:8115,&quot;width&quot;:7770}"/>
 </p:tagLst>
 </file>
 
 <file path=ppt/tags/tag2.xml><?xml version="1.0" encoding="utf-8"?>
 <p:tagLst xmlns:p="http://schemas.openxmlformats.org/presentationml/2006/main">
-  <p:tag name="KSO_WM_UNIT_TABLE_BEAUTIFY" val="smartTable{958b5ac7-28fa-4dc3-9827-0b195c09f3a2}"/>
+  <p:tag name="KSO_WM_UNIT_TABLE_BEAUTIFY" val="smartTable{ba92aa28-1bb8-4e1a-9369-4313c1acebf7}"/>
 </p:tagLst>
 </file>
 
 <file path=ppt/tags/tag3.xml><?xml version="1.0" encoding="utf-8"?>
 <p:tagLst xmlns:p="http://schemas.openxmlformats.org/presentationml/2006/main">
+  <p:tag name="KSO_WM_UNIT_TABLE_BEAUTIFY" val="smartTable{958b5ac7-28fa-4dc3-9827-0b195c09f3a2}"/>
+</p:tagLst>
+</file>
+
+<file path=ppt/tags/tag4.xml><?xml version="1.0" encoding="utf-8"?>
+<p:tagLst xmlns:p="http://schemas.openxmlformats.org/presentationml/2006/main">
   <p:tag name="KSO_WM_UNIT_TABLE_BEAUTIFY" val="smartTable{20e93144-658b-49a7-91e7-eb2b0f4c6afe}"/>
 </p:tagLst>
 </file>
 
-<file path=ppt/tags/tag4.xml><?xml version="1.0" encoding="utf-8"?>
+<file path=ppt/tags/tag5.xml><?xml version="1.0" encoding="utf-8"?>
 <p:tagLst xmlns:p="http://schemas.openxmlformats.org/presentationml/2006/main">
   <p:tag name="COMMONDATA" val="eyJoZGlkIjoiZjVlNmQzM2Y2M2Y2ZDViODdhM2ExYTlmMDEwOTA0MGEifQ=="/>
 </p:tagLst>
